--- a/Проект/Проект (третій рівень).pptx
+++ b/Проект/Проект (третій рівень).pptx
@@ -7,11 +7,14 @@
   <p:sldIdLst>
     <p:sldId id="256" r:id="rId2"/>
     <p:sldId id="257" r:id="rId3"/>
-    <p:sldId id="258" r:id="rId4"/>
-    <p:sldId id="259" r:id="rId5"/>
-    <p:sldId id="260" r:id="rId6"/>
-    <p:sldId id="261" r:id="rId7"/>
-    <p:sldId id="262" r:id="rId8"/>
+    <p:sldId id="263" r:id="rId4"/>
+    <p:sldId id="258" r:id="rId5"/>
+    <p:sldId id="259" r:id="rId6"/>
+    <p:sldId id="260" r:id="rId7"/>
+    <p:sldId id="261" r:id="rId8"/>
+    <p:sldId id="264" r:id="rId9"/>
+    <p:sldId id="265" r:id="rId10"/>
+    <p:sldId id="262" r:id="rId11"/>
   </p:sldIdLst>
   <p:sldSz cx="12192000" cy="6858000"/>
   <p:notesSz cx="6858000" cy="9144000"/>
@@ -110,6 +113,11 @@
       </a:defRPr>
     </a:lvl9pPr>
   </p:defaultTextStyle>
+  <p:extLst>
+    <p:ext uri="{EFAFB233-063F-42B5-8137-9DF3F51BA10A}">
+      <p15:sldGuideLst xmlns:p15="http://schemas.microsoft.com/office/powerpoint/2012/main"/>
+    </p:ext>
+  </p:extLst>
 </p:presentation>
 </file>
 
@@ -567,7 +575,7 @@
           <a:p>
             <a:fld id="{DB78A697-9D75-4DE8-8C28-1296A6CF43C1}" type="datetimeFigureOut">
               <a:rPr lang="en-US" dirty="0"/>
-              <a:t>5/26/2022</a:t>
+              <a:t>5/31/2022</a:t>
             </a:fld>
             <a:endParaRPr lang="en-US" dirty="0"/>
           </a:p>
@@ -901,7 +909,7 @@
           <a:p>
             <a:fld id="{1CF3075A-B3CA-4308-8288-4AA3FDE33D80}" type="datetimeFigureOut">
               <a:rPr lang="en-US" dirty="0"/>
-              <a:t>5/26/2022</a:t>
+              <a:t>5/31/2022</a:t>
             </a:fld>
             <a:endParaRPr lang="en-US" dirty="0"/>
           </a:p>
@@ -1092,7 +1100,7 @@
           <a:p>
             <a:fld id="{2C674B8D-FEEF-4ACC-AE11-BD533592BCDC}" type="datetimeFigureOut">
               <a:rPr lang="en-US" dirty="0"/>
-              <a:t>5/26/2022</a:t>
+              <a:t>5/31/2022</a:t>
             </a:fld>
             <a:endParaRPr lang="en-US" dirty="0"/>
           </a:p>
@@ -1357,7 +1365,7 @@
           <a:p>
             <a:fld id="{80326006-7E0B-4944-9FC8-8FFECA54B11C}" type="datetimeFigureOut">
               <a:rPr lang="en-US" dirty="0"/>
-              <a:t>5/26/2022</a:t>
+              <a:t>5/31/2022</a:t>
             </a:fld>
             <a:endParaRPr lang="en-US" dirty="0"/>
           </a:p>
@@ -1780,7 +1788,7 @@
           <a:p>
             <a:fld id="{1B5A3413-B80B-4905-8668-7292F4C8B0D5}" type="datetimeFigureOut">
               <a:rPr lang="en-US" dirty="0"/>
-              <a:t>5/26/2022</a:t>
+              <a:t>5/31/2022</a:t>
             </a:fld>
             <a:endParaRPr lang="en-US" dirty="0"/>
           </a:p>
@@ -2325,7 +2333,7 @@
           <a:p>
             <a:fld id="{74019662-C6A4-45F9-A235-129F0C1DEF43}" type="datetimeFigureOut">
               <a:rPr lang="en-US" dirty="0"/>
-              <a:t>5/26/2022</a:t>
+              <a:t>5/31/2022</a:t>
             </a:fld>
             <a:endParaRPr lang="en-US" dirty="0"/>
           </a:p>
@@ -3110,7 +3118,7 @@
           <a:p>
             <a:fld id="{909BB764-976A-4040-BDCA-252C91CEE939}" type="datetimeFigureOut">
               <a:rPr lang="en-US" dirty="0"/>
-              <a:t>5/26/2022</a:t>
+              <a:t>5/31/2022</a:t>
             </a:fld>
             <a:endParaRPr lang="en-US" dirty="0"/>
           </a:p>
@@ -3284,7 +3292,7 @@
           <a:p>
             <a:fld id="{614FC935-CE77-4008-BAD9-6108F00BE393}" type="datetimeFigureOut">
               <a:rPr lang="en-US" dirty="0"/>
-              <a:t>5/26/2022</a:t>
+              <a:t>5/31/2022</a:t>
             </a:fld>
             <a:endParaRPr lang="en-US" dirty="0"/>
           </a:p>
@@ -3463,7 +3471,7 @@
           <a:p>
             <a:fld id="{94C562D5-4244-4B26-B385-E71032EABECD}" type="datetimeFigureOut">
               <a:rPr lang="en-US" dirty="0"/>
-              <a:t>5/26/2022</a:t>
+              <a:t>5/31/2022</a:t>
             </a:fld>
             <a:endParaRPr lang="en-US" dirty="0"/>
           </a:p>
@@ -3633,7 +3641,7 @@
           <a:p>
             <a:fld id="{06DBD967-1B7E-40AA-AAF7-BA98E0E039F7}" type="datetimeFigureOut">
               <a:rPr lang="en-US" dirty="0"/>
-              <a:t>5/26/2022</a:t>
+              <a:t>5/31/2022</a:t>
             </a:fld>
             <a:endParaRPr lang="en-US" dirty="0"/>
           </a:p>
@@ -3878,7 +3886,7 @@
           <a:p>
             <a:fld id="{B9D1490F-3E6A-4544-9694-22B6007FE3C6}" type="datetimeFigureOut">
               <a:rPr lang="en-US" dirty="0"/>
-              <a:t>5/26/2022</a:t>
+              <a:t>5/31/2022</a:t>
             </a:fld>
             <a:endParaRPr lang="en-US" dirty="0"/>
           </a:p>
@@ -4110,7 +4118,7 @@
           <a:p>
             <a:fld id="{EAAF9620-38BC-4982-922B-C904A70C41DD}" type="datetimeFigureOut">
               <a:rPr lang="en-US" dirty="0"/>
-              <a:t>5/26/2022</a:t>
+              <a:t>5/31/2022</a:t>
             </a:fld>
             <a:endParaRPr lang="en-US" dirty="0"/>
           </a:p>
@@ -4490,7 +4498,7 @@
           <a:p>
             <a:fld id="{32956FC6-E80E-40CB-B83C-A6FFE3EF0BA6}" type="datetimeFigureOut">
               <a:rPr lang="en-US" dirty="0"/>
-              <a:t>5/26/2022</a:t>
+              <a:t>5/31/2022</a:t>
             </a:fld>
             <a:endParaRPr lang="en-US" dirty="0"/>
           </a:p>
@@ -4603,7 +4611,7 @@
           <a:p>
             <a:fld id="{ECFF863F-52DC-41B2-9D00-5A4E5632AC32}" type="datetimeFigureOut">
               <a:rPr lang="en-US" dirty="0"/>
-              <a:t>5/26/2022</a:t>
+              <a:t>5/31/2022</a:t>
             </a:fld>
             <a:endParaRPr lang="en-US" dirty="0"/>
           </a:p>
@@ -4693,7 +4701,7 @@
           <a:p>
             <a:fld id="{B3B55614-3909-43DC-A067-7F9842F8B81D}" type="datetimeFigureOut">
               <a:rPr lang="en-US" dirty="0"/>
-              <a:t>5/26/2022</a:t>
+              <a:t>5/31/2022</a:t>
             </a:fld>
             <a:endParaRPr lang="en-US" dirty="0"/>
           </a:p>
@@ -4941,7 +4949,7 @@
           <a:p>
             <a:fld id="{62829323-6A73-409C-86A6-9EAF0F851121}" type="datetimeFigureOut">
               <a:rPr lang="en-US" dirty="0"/>
-              <a:t>5/26/2022</a:t>
+              <a:t>5/31/2022</a:t>
             </a:fld>
             <a:endParaRPr lang="en-US" dirty="0"/>
           </a:p>
@@ -5205,7 +5213,7 @@
           <a:p>
             <a:fld id="{0E240176-F1D3-49EC-82F4-0915A3AC4184}" type="datetimeFigureOut">
               <a:rPr lang="en-US" dirty="0"/>
-              <a:t>5/26/2022</a:t>
+              <a:t>5/31/2022</a:t>
             </a:fld>
             <a:endParaRPr lang="en-US" dirty="0"/>
           </a:p>
@@ -5604,7 +5612,7 @@
           <a:p>
             <a:fld id="{50172865-FBF0-458A-BAFF-4F75173770F5}" type="datetimeFigureOut">
               <a:rPr lang="en-US" dirty="0"/>
-              <a:t>5/26/2022</a:t>
+              <a:t>5/31/2022</a:t>
             </a:fld>
             <a:endParaRPr lang="en-US" dirty="0"/>
           </a:p>
@@ -6350,6 +6358,312 @@
 </p:sld>
 </file>
 
+<file path=ppt/slides/slide10.xml><?xml version="1.0" encoding="utf-8"?>
+<p:sld xmlns:a="http://schemas.openxmlformats.org/drawingml/2006/main" xmlns:r="http://schemas.openxmlformats.org/officeDocument/2006/relationships" xmlns:p="http://schemas.openxmlformats.org/presentationml/2006/main">
+  <p:cSld>
+    <p:spTree>
+      <p:nvGrpSpPr>
+        <p:cNvPr id="1" name=""/>
+        <p:cNvGrpSpPr/>
+        <p:nvPr/>
+      </p:nvGrpSpPr>
+      <p:grpSpPr>
+        <a:xfrm>
+          <a:off x="0" y="0"/>
+          <a:ext cx="0" cy="0"/>
+          <a:chOff x="0" y="0"/>
+          <a:chExt cx="0" cy="0"/>
+        </a:xfrm>
+      </p:grpSpPr>
+      <p:sp>
+        <p:nvSpPr>
+          <p:cNvPr id="2" name="Заголовок 1">
+            <a:extLst>
+              <a:ext uri="{FF2B5EF4-FFF2-40B4-BE49-F238E27FC236}">
+                <a16:creationId xmlns:a16="http://schemas.microsoft.com/office/drawing/2014/main" id="{AAF0C129-9FE6-4F57-90A9-E99F3A7A896A}"/>
+              </a:ext>
+            </a:extLst>
+          </p:cNvPr>
+          <p:cNvSpPr>
+            <a:spLocks noGrp="1"/>
+          </p:cNvSpPr>
+          <p:nvPr>
+            <p:ph type="title"/>
+          </p:nvPr>
+        </p:nvSpPr>
+        <p:spPr>
+          <a:xfrm>
+            <a:off x="683625" y="109817"/>
+            <a:ext cx="10396882" cy="1151965"/>
+          </a:xfrm>
+        </p:spPr>
+        <p:txBody>
+          <a:bodyPr>
+            <a:normAutofit/>
+          </a:bodyPr>
+          <a:lstStyle/>
+          <a:p>
+            <a:r>
+              <a:rPr lang="uk-UA" sz="3600" b="1" dirty="0">
+                <a:latin typeface="Calibri" panose="020F0502020204030204" pitchFamily="34" charset="0"/>
+                <a:cs typeface="Calibri" panose="020F0502020204030204" pitchFamily="34" charset="0"/>
+              </a:rPr>
+              <a:t>Висновок</a:t>
+            </a:r>
+          </a:p>
+        </p:txBody>
+      </p:sp>
+      <p:sp>
+        <p:nvSpPr>
+          <p:cNvPr id="3" name="Місце для вмісту 2">
+            <a:extLst>
+              <a:ext uri="{FF2B5EF4-FFF2-40B4-BE49-F238E27FC236}">
+                <a16:creationId xmlns:a16="http://schemas.microsoft.com/office/drawing/2014/main" id="{19D54E25-2EBD-4DF8-BBE0-5A0E791E8867}"/>
+              </a:ext>
+            </a:extLst>
+          </p:cNvPr>
+          <p:cNvSpPr>
+            <a:spLocks noGrp="1"/>
+          </p:cNvSpPr>
+          <p:nvPr>
+            <p:ph sz="quarter" idx="13"/>
+          </p:nvPr>
+        </p:nvSpPr>
+        <p:spPr>
+          <a:xfrm>
+            <a:off x="683626" y="1526959"/>
+            <a:ext cx="10396882" cy="4275909"/>
+          </a:xfrm>
+        </p:spPr>
+        <p:txBody>
+          <a:bodyPr>
+            <a:noAutofit/>
+          </a:bodyPr>
+          <a:lstStyle/>
+          <a:p>
+            <a:pPr marL="6350" marR="43815" indent="449580" algn="just">
+              <a:lnSpc>
+                <a:spcPct val="100000"/>
+              </a:lnSpc>
+              <a:spcAft>
+                <a:spcPts val="535"/>
+              </a:spcAft>
+            </a:pPr>
+            <a:r>
+              <a:rPr lang="uk-UA" sz="2200" dirty="0">
+                <a:solidFill>
+                  <a:srgbClr val="000000"/>
+                </a:solidFill>
+                <a:effectLst/>
+                <a:latin typeface="Calibri" panose="020F0502020204030204" pitchFamily="34" charset="0"/>
+                <a:ea typeface="Times New Roman" panose="02020603050405020304" pitchFamily="18" charset="0"/>
+                <a:cs typeface="Calibri" panose="020F0502020204030204" pitchFamily="34" charset="0"/>
+              </a:rPr>
+              <a:t>Під час виконання проектної роботи ми ознайомилися з ASP.NET, закріпили навички з мови програмування С#. Навчилися застосовувати </a:t>
+            </a:r>
+            <a:r>
+              <a:rPr lang="uk-UA" sz="2200" dirty="0" err="1">
+                <a:solidFill>
+                  <a:srgbClr val="000000"/>
+                </a:solidFill>
+                <a:effectLst/>
+                <a:latin typeface="Calibri" panose="020F0502020204030204" pitchFamily="34" charset="0"/>
+                <a:ea typeface="Times New Roman" panose="02020603050405020304" pitchFamily="18" charset="0"/>
+                <a:cs typeface="Calibri" panose="020F0502020204030204" pitchFamily="34" charset="0"/>
+              </a:rPr>
+              <a:t>MySQL</a:t>
+            </a:r>
+            <a:r>
+              <a:rPr lang="uk-UA" sz="2200" dirty="0">
+                <a:solidFill>
+                  <a:srgbClr val="000000"/>
+                </a:solidFill>
+                <a:effectLst/>
+                <a:latin typeface="Calibri" panose="020F0502020204030204" pitchFamily="34" charset="0"/>
+                <a:ea typeface="Times New Roman" panose="02020603050405020304" pitchFamily="18" charset="0"/>
+                <a:cs typeface="Calibri" panose="020F0502020204030204" pitchFamily="34" charset="0"/>
+              </a:rPr>
+              <a:t> та створювати бази даних. А точніше створення таблиці, з’єднання таблиць, заповнення таблиць та підключати бази до проекту.</a:t>
+            </a:r>
+          </a:p>
+          <a:p>
+            <a:pPr marL="6350" marR="43815" indent="449580" algn="just">
+              <a:lnSpc>
+                <a:spcPct val="100000"/>
+              </a:lnSpc>
+              <a:spcAft>
+                <a:spcPts val="535"/>
+              </a:spcAft>
+            </a:pPr>
+            <a:r>
+              <a:rPr lang="uk-UA" sz="2200" dirty="0">
+                <a:solidFill>
+                  <a:srgbClr val="000000"/>
+                </a:solidFill>
+                <a:effectLst/>
+                <a:latin typeface="Calibri" panose="020F0502020204030204" pitchFamily="34" charset="0"/>
+                <a:ea typeface="Times New Roman" panose="02020603050405020304" pitchFamily="18" charset="0"/>
+                <a:cs typeface="Calibri" panose="020F0502020204030204" pitchFamily="34" charset="0"/>
+              </a:rPr>
+              <a:t>Під час написання проекту були створена модель, контекст даних, контролер та представлення (</a:t>
+            </a:r>
+            <a:r>
+              <a:rPr lang="uk-UA" sz="2200" dirty="0" err="1">
+                <a:solidFill>
+                  <a:srgbClr val="000000"/>
+                </a:solidFill>
+                <a:effectLst/>
+                <a:latin typeface="Calibri" panose="020F0502020204030204" pitchFamily="34" charset="0"/>
+                <a:ea typeface="Times New Roman" panose="02020603050405020304" pitchFamily="18" charset="0"/>
+                <a:cs typeface="Calibri" panose="020F0502020204030204" pitchFamily="34" charset="0"/>
+              </a:rPr>
+              <a:t>views</a:t>
+            </a:r>
+            <a:r>
+              <a:rPr lang="uk-UA" sz="2200" dirty="0">
+                <a:solidFill>
+                  <a:srgbClr val="000000"/>
+                </a:solidFill>
+                <a:effectLst/>
+                <a:latin typeface="Calibri" panose="020F0502020204030204" pitchFamily="34" charset="0"/>
+                <a:ea typeface="Times New Roman" panose="02020603050405020304" pitchFamily="18" charset="0"/>
+                <a:cs typeface="Calibri" panose="020F0502020204030204" pitchFamily="34" charset="0"/>
+              </a:rPr>
+              <a:t>). Кожен із них відповідає за свою часину в сайті.</a:t>
+            </a:r>
+          </a:p>
+          <a:p>
+            <a:pPr marL="6350" marR="43815" indent="449580" algn="just">
+              <a:lnSpc>
+                <a:spcPct val="100000"/>
+              </a:lnSpc>
+              <a:spcAft>
+                <a:spcPts val="535"/>
+              </a:spcAft>
+            </a:pPr>
+            <a:r>
+              <a:rPr lang="uk-UA" sz="2200" dirty="0">
+                <a:solidFill>
+                  <a:srgbClr val="000000"/>
+                </a:solidFill>
+                <a:effectLst/>
+                <a:latin typeface="Calibri" panose="020F0502020204030204" pitchFamily="34" charset="0"/>
+                <a:ea typeface="Times New Roman" panose="02020603050405020304" pitchFamily="18" charset="0"/>
+                <a:cs typeface="Calibri" panose="020F0502020204030204" pitchFamily="34" charset="0"/>
+              </a:rPr>
+              <a:t>Під кінець роботи з проектом ми закріпили багато різних знань та навичок які допоможуть нам в майбутньому, а саме в написанні та розробці власних застосувань в середовищі </a:t>
+            </a:r>
+            <a:r>
+              <a:rPr lang="uk-UA" sz="2200" dirty="0" err="1">
+                <a:solidFill>
+                  <a:srgbClr val="000000"/>
+                </a:solidFill>
+                <a:effectLst/>
+                <a:latin typeface="Calibri" panose="020F0502020204030204" pitchFamily="34" charset="0"/>
+                <a:ea typeface="Times New Roman" panose="02020603050405020304" pitchFamily="18" charset="0"/>
+                <a:cs typeface="Calibri" panose="020F0502020204030204" pitchFamily="34" charset="0"/>
+              </a:rPr>
+              <a:t>Visual</a:t>
+            </a:r>
+            <a:r>
+              <a:rPr lang="uk-UA" sz="2200" dirty="0">
+                <a:solidFill>
+                  <a:srgbClr val="000000"/>
+                </a:solidFill>
+                <a:effectLst/>
+                <a:latin typeface="Calibri" panose="020F0502020204030204" pitchFamily="34" charset="0"/>
+                <a:ea typeface="Times New Roman" panose="02020603050405020304" pitchFamily="18" charset="0"/>
+                <a:cs typeface="Calibri" panose="020F0502020204030204" pitchFamily="34" charset="0"/>
+              </a:rPr>
+              <a:t> </a:t>
+            </a:r>
+            <a:r>
+              <a:rPr lang="uk-UA" sz="2200" dirty="0" err="1">
+                <a:solidFill>
+                  <a:srgbClr val="000000"/>
+                </a:solidFill>
+                <a:effectLst/>
+                <a:latin typeface="Calibri" panose="020F0502020204030204" pitchFamily="34" charset="0"/>
+                <a:ea typeface="Times New Roman" panose="02020603050405020304" pitchFamily="18" charset="0"/>
+                <a:cs typeface="Calibri" panose="020F0502020204030204" pitchFamily="34" charset="0"/>
+              </a:rPr>
+              <a:t>Studio</a:t>
+            </a:r>
+            <a:r>
+              <a:rPr lang="uk-UA" sz="2200" dirty="0">
+                <a:solidFill>
+                  <a:srgbClr val="000000"/>
+                </a:solidFill>
+                <a:effectLst/>
+                <a:latin typeface="Calibri" panose="020F0502020204030204" pitchFamily="34" charset="0"/>
+                <a:ea typeface="Times New Roman" panose="02020603050405020304" pitchFamily="18" charset="0"/>
+                <a:cs typeface="Calibri" panose="020F0502020204030204" pitchFamily="34" charset="0"/>
+              </a:rPr>
+              <a:t>.</a:t>
+            </a:r>
+          </a:p>
+          <a:p>
+            <a:pPr>
+              <a:lnSpc>
+                <a:spcPct val="100000"/>
+              </a:lnSpc>
+            </a:pPr>
+            <a:endParaRPr lang="uk-UA" sz="2200" dirty="0">
+              <a:latin typeface="Calibri" panose="020F0502020204030204" pitchFamily="34" charset="0"/>
+              <a:cs typeface="Calibri" panose="020F0502020204030204" pitchFamily="34" charset="0"/>
+            </a:endParaRPr>
+          </a:p>
+        </p:txBody>
+      </p:sp>
+      <p:sp>
+        <p:nvSpPr>
+          <p:cNvPr id="4" name="TextBox 3">
+            <a:extLst>
+              <a:ext uri="{FF2B5EF4-FFF2-40B4-BE49-F238E27FC236}">
+                <a16:creationId xmlns:a16="http://schemas.microsoft.com/office/drawing/2014/main" id="{45BC6E36-A9B5-452E-BC9F-A9B2BE0C139F}"/>
+              </a:ext>
+            </a:extLst>
+          </p:cNvPr>
+          <p:cNvSpPr txBox="1"/>
+          <p:nvPr/>
+        </p:nvSpPr>
+        <p:spPr>
+          <a:xfrm>
+            <a:off x="11080507" y="5802868"/>
+            <a:ext cx="584751" cy="369332"/>
+          </a:xfrm>
+          <a:prstGeom prst="rect">
+            <a:avLst/>
+          </a:prstGeom>
+          <a:noFill/>
+        </p:spPr>
+        <p:txBody>
+          <a:bodyPr wrap="square" rtlCol="0">
+            <a:spAutoFit/>
+          </a:bodyPr>
+          <a:lstStyle/>
+          <a:p>
+            <a:r>
+              <a:rPr lang="en-US" dirty="0"/>
+              <a:t>6</a:t>
+            </a:r>
+            <a:endParaRPr lang="uk-UA" dirty="0"/>
+          </a:p>
+        </p:txBody>
+      </p:sp>
+    </p:spTree>
+    <p:extLst>
+      <p:ext uri="{BB962C8B-B14F-4D97-AF65-F5344CB8AC3E}">
+        <p14:creationId xmlns:p14="http://schemas.microsoft.com/office/powerpoint/2010/main" val="2273755931"/>
+      </p:ext>
+    </p:extLst>
+  </p:cSld>
+  <p:clrMapOvr>
+    <a:masterClrMapping/>
+  </p:clrMapOvr>
+</p:sld>
+</file>
+
 <file path=ppt/slides/slide2.xml><?xml version="1.0" encoding="utf-8"?>
 <p:sld xmlns:a="http://schemas.openxmlformats.org/drawingml/2006/main" xmlns:r="http://schemas.openxmlformats.org/officeDocument/2006/relationships" xmlns:p="http://schemas.openxmlformats.org/presentationml/2006/main">
   <p:cSld>
@@ -6383,7 +6697,12 @@
             <p:ph type="title"/>
           </p:nvPr>
         </p:nvSpPr>
-        <p:spPr/>
+        <p:spPr>
+          <a:xfrm>
+            <a:off x="683625" y="160851"/>
+            <a:ext cx="10396882" cy="1151965"/>
+          </a:xfrm>
+        </p:spPr>
         <p:txBody>
           <a:bodyPr>
             <a:normAutofit/>
@@ -6416,12 +6735,26 @@
             <p:ph sz="quarter" idx="13"/>
           </p:nvPr>
         </p:nvSpPr>
-        <p:spPr/>
+        <p:spPr>
+          <a:xfrm>
+            <a:off x="685800" y="1312816"/>
+            <a:ext cx="10394707" cy="3847627"/>
+          </a:xfrm>
+        </p:spPr>
         <p:txBody>
           <a:bodyPr>
-            <a:normAutofit/>
+            <a:normAutofit fontScale="92500" lnSpcReduction="10000"/>
           </a:bodyPr>
           <a:lstStyle/>
+          <a:p>
+            <a:r>
+              <a:rPr lang="uk-UA" sz="2200" dirty="0">
+                <a:latin typeface="Calibri" panose="020F0502020204030204" pitchFamily="34" charset="0"/>
+                <a:cs typeface="Calibri" panose="020F0502020204030204" pitchFamily="34" charset="0"/>
+              </a:rPr>
+              <a:t>Аналіз предметної області</a:t>
+            </a:r>
+          </a:p>
           <a:p>
             <a:r>
               <a:rPr lang="uk-UA" sz="2200" dirty="0">
@@ -6464,6 +6797,42 @@
               </a:rPr>
               <a:t>дизайн</a:t>
             </a:r>
+          </a:p>
+          <a:p>
+            <a:r>
+              <a:rPr lang="en-US" sz="2200" dirty="0" err="1">
+                <a:latin typeface="Calibri" panose="020F0502020204030204" pitchFamily="34" charset="0"/>
+                <a:cs typeface="Calibri" panose="020F0502020204030204" pitchFamily="34" charset="0"/>
+              </a:rPr>
+              <a:t>sql</a:t>
+            </a:r>
+            <a:r>
+              <a:rPr lang="en-US" sz="2200" dirty="0">
+                <a:latin typeface="Calibri" panose="020F0502020204030204" pitchFamily="34" charset="0"/>
+                <a:cs typeface="Calibri" panose="020F0502020204030204" pitchFamily="34" charset="0"/>
+              </a:rPr>
+              <a:t>-</a:t>
+            </a:r>
+            <a:r>
+              <a:rPr lang="uk-UA" sz="2200" dirty="0">
+                <a:latin typeface="Calibri" panose="020F0502020204030204" pitchFamily="34" charset="0"/>
+                <a:cs typeface="Calibri" panose="020F0502020204030204" pitchFamily="34" charset="0"/>
+              </a:rPr>
+              <a:t>запит</a:t>
+            </a:r>
+          </a:p>
+          <a:p>
+            <a:r>
+              <a:rPr lang="en-US" sz="2200" dirty="0">
+                <a:latin typeface="Calibri" panose="020F0502020204030204" pitchFamily="34" charset="0"/>
+                <a:cs typeface="Calibri" panose="020F0502020204030204" pitchFamily="34" charset="0"/>
+              </a:rPr>
+              <a:t>Package diagram</a:t>
+            </a:r>
+            <a:endParaRPr lang="uk-UA" sz="2200" dirty="0">
+              <a:latin typeface="Calibri" panose="020F0502020204030204" pitchFamily="34" charset="0"/>
+              <a:cs typeface="Calibri" panose="020F0502020204030204" pitchFamily="34" charset="0"/>
+            </a:endParaRPr>
           </a:p>
           <a:p>
             <a:r>
@@ -6526,590 +6895,6 @@
 </file>
 
 <file path=ppt/slides/slide3.xml><?xml version="1.0" encoding="utf-8"?>
-<p:sld xmlns:a="http://schemas.openxmlformats.org/drawingml/2006/main" xmlns:r="http://schemas.openxmlformats.org/officeDocument/2006/relationships" xmlns:p="http://schemas.openxmlformats.org/presentationml/2006/main">
-  <p:cSld>
-    <p:spTree>
-      <p:nvGrpSpPr>
-        <p:cNvPr id="1" name=""/>
-        <p:cNvGrpSpPr/>
-        <p:nvPr/>
-      </p:nvGrpSpPr>
-      <p:grpSpPr>
-        <a:xfrm>
-          <a:off x="0" y="0"/>
-          <a:ext cx="0" cy="0"/>
-          <a:chOff x="0" y="0"/>
-          <a:chExt cx="0" cy="0"/>
-        </a:xfrm>
-      </p:grpSpPr>
-      <p:sp>
-        <p:nvSpPr>
-          <p:cNvPr id="2" name="Заголовок 1">
-            <a:extLst>
-              <a:ext uri="{FF2B5EF4-FFF2-40B4-BE49-F238E27FC236}">
-                <a16:creationId xmlns:a16="http://schemas.microsoft.com/office/drawing/2014/main" id="{74D86399-F2BD-4CBA-A9CA-DE561A5868AB}"/>
-              </a:ext>
-            </a:extLst>
-          </p:cNvPr>
-          <p:cNvSpPr>
-            <a:spLocks noGrp="1"/>
-          </p:cNvSpPr>
-          <p:nvPr>
-            <p:ph type="title"/>
-          </p:nvPr>
-        </p:nvSpPr>
-        <p:spPr>
-          <a:xfrm>
-            <a:off x="605902" y="153140"/>
-            <a:ext cx="10396882" cy="1151965"/>
-          </a:xfrm>
-        </p:spPr>
-        <p:txBody>
-          <a:bodyPr>
-            <a:normAutofit/>
-          </a:bodyPr>
-          <a:lstStyle/>
-          <a:p>
-            <a:r>
-              <a:rPr lang="uk-UA" sz="3600" b="1" dirty="0">
-                <a:latin typeface="Calibri" panose="020F0502020204030204" pitchFamily="34" charset="0"/>
-                <a:cs typeface="Calibri" panose="020F0502020204030204" pitchFamily="34" charset="0"/>
-              </a:rPr>
-              <a:t>Постановка задачі</a:t>
-            </a:r>
-          </a:p>
-        </p:txBody>
-      </p:sp>
-      <p:sp>
-        <p:nvSpPr>
-          <p:cNvPr id="3" name="Місце для вмісту 2">
-            <a:extLst>
-              <a:ext uri="{FF2B5EF4-FFF2-40B4-BE49-F238E27FC236}">
-                <a16:creationId xmlns:a16="http://schemas.microsoft.com/office/drawing/2014/main" id="{C58E8F03-3F51-4746-95B2-10B2DA4979FA}"/>
-              </a:ext>
-            </a:extLst>
-          </p:cNvPr>
-          <p:cNvSpPr>
-            <a:spLocks noGrp="1"/>
-          </p:cNvSpPr>
-          <p:nvPr>
-            <p:ph sz="quarter" idx="13"/>
-          </p:nvPr>
-        </p:nvSpPr>
-        <p:spPr>
-          <a:xfrm>
-            <a:off x="605902" y="1234418"/>
-            <a:ext cx="10474605" cy="4389164"/>
-          </a:xfrm>
-        </p:spPr>
-        <p:txBody>
-          <a:bodyPr>
-            <a:noAutofit/>
-          </a:bodyPr>
-          <a:lstStyle/>
-          <a:p>
-            <a:pPr marR="43815" algn="just">
-              <a:spcAft>
-                <a:spcPts val="535"/>
-              </a:spcAft>
-            </a:pPr>
-            <a:r>
-              <a:rPr lang="uk-UA" sz="2200" dirty="0">
-                <a:solidFill>
-                  <a:srgbClr val="000000"/>
-                </a:solidFill>
-                <a:effectLst/>
-                <a:latin typeface="Calibri" panose="020F0502020204030204" pitchFamily="34" charset="0"/>
-                <a:ea typeface="Times New Roman" panose="02020603050405020304" pitchFamily="18" charset="0"/>
-                <a:cs typeface="Calibri" panose="020F0502020204030204" pitchFamily="34" charset="0"/>
-              </a:rPr>
-              <a:t>Створення вибірки даних та самої бази</a:t>
-            </a:r>
-          </a:p>
-          <a:p>
-            <a:pPr marR="43815" algn="just"/>
-            <a:r>
-              <a:rPr lang="uk-UA" sz="2200" dirty="0">
-                <a:solidFill>
-                  <a:srgbClr val="000000"/>
-                </a:solidFill>
-                <a:effectLst/>
-                <a:latin typeface="Calibri" panose="020F0502020204030204" pitchFamily="34" charset="0"/>
-                <a:ea typeface="Times New Roman" panose="02020603050405020304" pitchFamily="18" charset="0"/>
-                <a:cs typeface="Calibri" panose="020F0502020204030204" pitchFamily="34" charset="0"/>
-              </a:rPr>
-              <a:t>Заповнення бази даних</a:t>
-            </a:r>
-          </a:p>
-          <a:p>
-            <a:pPr marR="43815" algn="just"/>
-            <a:r>
-              <a:rPr lang="uk-UA" sz="2200" dirty="0">
-                <a:solidFill>
-                  <a:srgbClr val="000000"/>
-                </a:solidFill>
-                <a:effectLst/>
-                <a:latin typeface="Calibri" panose="020F0502020204030204" pitchFamily="34" charset="0"/>
-                <a:ea typeface="Times New Roman" panose="02020603050405020304" pitchFamily="18" charset="0"/>
-                <a:cs typeface="Calibri" panose="020F0502020204030204" pitchFamily="34" charset="0"/>
-              </a:rPr>
-              <a:t>Створення ключів та </a:t>
-            </a:r>
-            <a:r>
-              <a:rPr lang="uk-UA" sz="2200" dirty="0" err="1">
-                <a:solidFill>
-                  <a:srgbClr val="000000"/>
-                </a:solidFill>
-                <a:effectLst/>
-                <a:latin typeface="Calibri" panose="020F0502020204030204" pitchFamily="34" charset="0"/>
-                <a:ea typeface="Times New Roman" panose="02020603050405020304" pitchFamily="18" charset="0"/>
-                <a:cs typeface="Calibri" panose="020F0502020204030204" pitchFamily="34" charset="0"/>
-              </a:rPr>
-              <a:t>зв’язків</a:t>
-            </a:r>
-            <a:r>
-              <a:rPr lang="uk-UA" sz="2200" dirty="0">
-                <a:solidFill>
-                  <a:srgbClr val="000000"/>
-                </a:solidFill>
-                <a:effectLst/>
-                <a:latin typeface="Calibri" panose="020F0502020204030204" pitchFamily="34" charset="0"/>
-                <a:ea typeface="Times New Roman" panose="02020603050405020304" pitchFamily="18" charset="0"/>
-                <a:cs typeface="Calibri" panose="020F0502020204030204" pitchFamily="34" charset="0"/>
-              </a:rPr>
-              <a:t> між таблицями</a:t>
-            </a:r>
-          </a:p>
-          <a:p>
-            <a:pPr marR="43815" algn="just"/>
-            <a:r>
-              <a:rPr lang="uk-UA" sz="2200" dirty="0">
-                <a:solidFill>
-                  <a:srgbClr val="000000"/>
-                </a:solidFill>
-                <a:effectLst/>
-                <a:latin typeface="Calibri" panose="020F0502020204030204" pitchFamily="34" charset="0"/>
-                <a:ea typeface="Times New Roman" panose="02020603050405020304" pitchFamily="18" charset="0"/>
-                <a:cs typeface="Calibri" panose="020F0502020204030204" pitchFamily="34" charset="0"/>
-              </a:rPr>
-              <a:t>Підключення бази до проекту</a:t>
-            </a:r>
-          </a:p>
-          <a:p>
-            <a:pPr marR="43815" algn="just"/>
-            <a:r>
-              <a:rPr lang="uk-UA" sz="2200" dirty="0">
-                <a:solidFill>
-                  <a:srgbClr val="000000"/>
-                </a:solidFill>
-                <a:effectLst/>
-                <a:latin typeface="Calibri" panose="020F0502020204030204" pitchFamily="34" charset="0"/>
-                <a:ea typeface="Times New Roman" panose="02020603050405020304" pitchFamily="18" charset="0"/>
-                <a:cs typeface="Calibri" panose="020F0502020204030204" pitchFamily="34" charset="0"/>
-              </a:rPr>
-              <a:t>Створення та заповнення контролерів</a:t>
-            </a:r>
-          </a:p>
-          <a:p>
-            <a:pPr marR="43815" algn="just"/>
-            <a:r>
-              <a:rPr lang="uk-UA" sz="2200" dirty="0">
-                <a:solidFill>
-                  <a:srgbClr val="000000"/>
-                </a:solidFill>
-                <a:effectLst/>
-                <a:latin typeface="Calibri" panose="020F0502020204030204" pitchFamily="34" charset="0"/>
-                <a:ea typeface="Times New Roman" panose="02020603050405020304" pitchFamily="18" charset="0"/>
-                <a:cs typeface="Calibri" panose="020F0502020204030204" pitchFamily="34" charset="0"/>
-              </a:rPr>
-              <a:t>Створення та заповнення уявлення (</a:t>
-            </a:r>
-            <a:r>
-              <a:rPr lang="uk-UA" sz="2200" dirty="0" err="1">
-                <a:solidFill>
-                  <a:srgbClr val="000000"/>
-                </a:solidFill>
-                <a:effectLst/>
-                <a:latin typeface="Calibri" panose="020F0502020204030204" pitchFamily="34" charset="0"/>
-                <a:ea typeface="Times New Roman" panose="02020603050405020304" pitchFamily="18" charset="0"/>
-                <a:cs typeface="Calibri" panose="020F0502020204030204" pitchFamily="34" charset="0"/>
-              </a:rPr>
-              <a:t>view</a:t>
-            </a:r>
-            <a:r>
-              <a:rPr lang="uk-UA" sz="2200" dirty="0">
-                <a:solidFill>
-                  <a:srgbClr val="000000"/>
-                </a:solidFill>
-                <a:effectLst/>
-                <a:latin typeface="Calibri" panose="020F0502020204030204" pitchFamily="34" charset="0"/>
-                <a:ea typeface="Times New Roman" panose="02020603050405020304" pitchFamily="18" charset="0"/>
-                <a:cs typeface="Calibri" panose="020F0502020204030204" pitchFamily="34" charset="0"/>
-              </a:rPr>
-              <a:t>)</a:t>
-            </a:r>
-          </a:p>
-          <a:p>
-            <a:pPr marR="43815" algn="just"/>
-            <a:r>
-              <a:rPr lang="uk-UA" sz="2200" dirty="0">
-                <a:solidFill>
-                  <a:srgbClr val="000000"/>
-                </a:solidFill>
-                <a:effectLst/>
-                <a:latin typeface="Calibri" panose="020F0502020204030204" pitchFamily="34" charset="0"/>
-                <a:ea typeface="Times New Roman" panose="02020603050405020304" pitchFamily="18" charset="0"/>
-                <a:cs typeface="Calibri" panose="020F0502020204030204" pitchFamily="34" charset="0"/>
-              </a:rPr>
-              <a:t>Підключення скриптів(</a:t>
-            </a:r>
-            <a:r>
-              <a:rPr lang="uk-UA" sz="2200" dirty="0" err="1">
-                <a:solidFill>
-                  <a:srgbClr val="000000"/>
-                </a:solidFill>
-                <a:effectLst/>
-                <a:latin typeface="Calibri" panose="020F0502020204030204" pitchFamily="34" charset="0"/>
-                <a:ea typeface="Times New Roman" panose="02020603050405020304" pitchFamily="18" charset="0"/>
-                <a:cs typeface="Calibri" panose="020F0502020204030204" pitchFamily="34" charset="0"/>
-              </a:rPr>
-              <a:t>JavaScript</a:t>
-            </a:r>
-            <a:r>
-              <a:rPr lang="uk-UA" sz="2200" dirty="0">
-                <a:solidFill>
-                  <a:srgbClr val="000000"/>
-                </a:solidFill>
-                <a:effectLst/>
-                <a:latin typeface="Calibri" panose="020F0502020204030204" pitchFamily="34" charset="0"/>
-                <a:ea typeface="Times New Roman" panose="02020603050405020304" pitchFamily="18" charset="0"/>
-                <a:cs typeface="Calibri" panose="020F0502020204030204" pitchFamily="34" charset="0"/>
-              </a:rPr>
-              <a:t>, </a:t>
-            </a:r>
-            <a:r>
-              <a:rPr lang="uk-UA" sz="2200" dirty="0" err="1">
-                <a:solidFill>
-                  <a:srgbClr val="000000"/>
-                </a:solidFill>
-                <a:effectLst/>
-                <a:latin typeface="Calibri" panose="020F0502020204030204" pitchFamily="34" charset="0"/>
-                <a:ea typeface="Times New Roman" panose="02020603050405020304" pitchFamily="18" charset="0"/>
-                <a:cs typeface="Calibri" panose="020F0502020204030204" pitchFamily="34" charset="0"/>
-              </a:rPr>
-              <a:t>bootstrap</a:t>
-            </a:r>
-            <a:r>
-              <a:rPr lang="uk-UA" sz="2200" dirty="0">
-                <a:solidFill>
-                  <a:srgbClr val="000000"/>
-                </a:solidFill>
-                <a:effectLst/>
-                <a:latin typeface="Calibri" panose="020F0502020204030204" pitchFamily="34" charset="0"/>
-                <a:ea typeface="Times New Roman" panose="02020603050405020304" pitchFamily="18" charset="0"/>
-                <a:cs typeface="Calibri" panose="020F0502020204030204" pitchFamily="34" charset="0"/>
-              </a:rPr>
-              <a:t>,…)</a:t>
-            </a:r>
-          </a:p>
-          <a:p>
-            <a:pPr marR="43815" algn="just">
-              <a:spcAft>
-                <a:spcPts val="535"/>
-              </a:spcAft>
-            </a:pPr>
-            <a:r>
-              <a:rPr lang="uk-UA" sz="2200" dirty="0">
-                <a:solidFill>
-                  <a:srgbClr val="000000"/>
-                </a:solidFill>
-                <a:effectLst/>
-                <a:latin typeface="Calibri" panose="020F0502020204030204" pitchFamily="34" charset="0"/>
-                <a:ea typeface="Times New Roman" panose="02020603050405020304" pitchFamily="18" charset="0"/>
-                <a:cs typeface="Calibri" panose="020F0502020204030204" pitchFamily="34" charset="0"/>
-              </a:rPr>
-              <a:t>Створення дизайну </a:t>
-            </a:r>
-            <a:r>
-              <a:rPr lang="uk-UA" sz="2200" dirty="0" err="1">
-                <a:solidFill>
-                  <a:srgbClr val="000000"/>
-                </a:solidFill>
-                <a:effectLst/>
-                <a:latin typeface="Calibri" panose="020F0502020204030204" pitchFamily="34" charset="0"/>
-                <a:ea typeface="Times New Roman" panose="02020603050405020304" pitchFamily="18" charset="0"/>
-                <a:cs typeface="Calibri" panose="020F0502020204030204" pitchFamily="34" charset="0"/>
-              </a:rPr>
-              <a:t>проекта</a:t>
-            </a:r>
-            <a:endParaRPr lang="uk-UA" sz="2200" dirty="0">
-              <a:solidFill>
-                <a:srgbClr val="000000"/>
-              </a:solidFill>
-              <a:effectLst/>
-              <a:latin typeface="Calibri" panose="020F0502020204030204" pitchFamily="34" charset="0"/>
-              <a:ea typeface="Times New Roman" panose="02020603050405020304" pitchFamily="18" charset="0"/>
-              <a:cs typeface="Calibri" panose="020F0502020204030204" pitchFamily="34" charset="0"/>
-            </a:endParaRPr>
-          </a:p>
-        </p:txBody>
-      </p:sp>
-      <p:sp>
-        <p:nvSpPr>
-          <p:cNvPr id="8" name="TextBox 7">
-            <a:extLst>
-              <a:ext uri="{FF2B5EF4-FFF2-40B4-BE49-F238E27FC236}">
-                <a16:creationId xmlns:a16="http://schemas.microsoft.com/office/drawing/2014/main" id="{E45D2600-6DCF-410D-AD2A-4B7246FD1A53}"/>
-              </a:ext>
-            </a:extLst>
-          </p:cNvPr>
-          <p:cNvSpPr txBox="1"/>
-          <p:nvPr/>
-        </p:nvSpPr>
-        <p:spPr>
-          <a:xfrm>
-            <a:off x="11160406" y="5783380"/>
-            <a:ext cx="639192" cy="369332"/>
-          </a:xfrm>
-          <a:prstGeom prst="rect">
-            <a:avLst/>
-          </a:prstGeom>
-          <a:noFill/>
-        </p:spPr>
-        <p:txBody>
-          <a:bodyPr wrap="square" rtlCol="0">
-            <a:spAutoFit/>
-          </a:bodyPr>
-          <a:lstStyle/>
-          <a:p>
-            <a:r>
-              <a:rPr lang="en-US" dirty="0"/>
-              <a:t>2</a:t>
-            </a:r>
-            <a:endParaRPr lang="uk-UA" dirty="0"/>
-          </a:p>
-        </p:txBody>
-      </p:sp>
-    </p:spTree>
-    <p:extLst>
-      <p:ext uri="{BB962C8B-B14F-4D97-AF65-F5344CB8AC3E}">
-        <p14:creationId xmlns:p14="http://schemas.microsoft.com/office/powerpoint/2010/main" val="1766615315"/>
-      </p:ext>
-    </p:extLst>
-  </p:cSld>
-  <p:clrMapOvr>
-    <a:masterClrMapping/>
-  </p:clrMapOvr>
-</p:sld>
-</file>
-
-<file path=ppt/slides/slide4.xml><?xml version="1.0" encoding="utf-8"?>
-<p:sld xmlns:a="http://schemas.openxmlformats.org/drawingml/2006/main" xmlns:r="http://schemas.openxmlformats.org/officeDocument/2006/relationships" xmlns:p="http://schemas.openxmlformats.org/presentationml/2006/main">
-  <p:cSld>
-    <p:spTree>
-      <p:nvGrpSpPr>
-        <p:cNvPr id="1" name=""/>
-        <p:cNvGrpSpPr/>
-        <p:nvPr/>
-      </p:nvGrpSpPr>
-      <p:grpSpPr>
-        <a:xfrm>
-          <a:off x="0" y="0"/>
-          <a:ext cx="0" cy="0"/>
-          <a:chOff x="0" y="0"/>
-          <a:chExt cx="0" cy="0"/>
-        </a:xfrm>
-      </p:grpSpPr>
-      <p:sp>
-        <p:nvSpPr>
-          <p:cNvPr id="2" name="Заголовок 1">
-            <a:extLst>
-              <a:ext uri="{FF2B5EF4-FFF2-40B4-BE49-F238E27FC236}">
-                <a16:creationId xmlns:a16="http://schemas.microsoft.com/office/drawing/2014/main" id="{0EF6224D-D738-412E-B2A3-42917E5415C9}"/>
-              </a:ext>
-            </a:extLst>
-          </p:cNvPr>
-          <p:cNvSpPr>
-            <a:spLocks noGrp="1"/>
-          </p:cNvSpPr>
-          <p:nvPr>
-            <p:ph type="title"/>
-          </p:nvPr>
-        </p:nvSpPr>
-        <p:spPr>
-          <a:xfrm>
-            <a:off x="7191376" y="266700"/>
-            <a:ext cx="4038599" cy="1151965"/>
-          </a:xfrm>
-        </p:spPr>
-        <p:txBody>
-          <a:bodyPr>
-            <a:normAutofit/>
-          </a:bodyPr>
-          <a:lstStyle/>
-          <a:p>
-            <a:r>
-              <a:rPr lang="en-US" sz="3600" b="1" dirty="0">
-                <a:latin typeface="Calibri" panose="020F0502020204030204" pitchFamily="34" charset="0"/>
-                <a:cs typeface="Calibri" panose="020F0502020204030204" pitchFamily="34" charset="0"/>
-              </a:rPr>
-              <a:t>Use case diagram</a:t>
-            </a:r>
-            <a:endParaRPr lang="uk-UA" sz="3600" b="1" dirty="0">
-              <a:latin typeface="Calibri" panose="020F0502020204030204" pitchFamily="34" charset="0"/>
-              <a:cs typeface="Calibri" panose="020F0502020204030204" pitchFamily="34" charset="0"/>
-            </a:endParaRPr>
-          </a:p>
-        </p:txBody>
-      </p:sp>
-      <p:pic>
-        <p:nvPicPr>
-          <p:cNvPr id="5" name="Місце для вмісту 4">
-            <a:extLst>
-              <a:ext uri="{FF2B5EF4-FFF2-40B4-BE49-F238E27FC236}">
-                <a16:creationId xmlns:a16="http://schemas.microsoft.com/office/drawing/2014/main" id="{433DAB4D-E91C-4356-BF4A-32685E6CEE19}"/>
-              </a:ext>
-            </a:extLst>
-          </p:cNvPr>
-          <p:cNvPicPr>
-            <a:picLocks noGrp="1" noChangeAspect="1"/>
-          </p:cNvPicPr>
-          <p:nvPr>
-            <p:ph sz="quarter" idx="13"/>
-          </p:nvPr>
-        </p:nvPicPr>
-        <p:blipFill>
-          <a:blip r:embed="rId2"/>
-          <a:stretch>
-            <a:fillRect/>
-          </a:stretch>
-        </p:blipFill>
-        <p:spPr>
-          <a:xfrm>
-            <a:off x="119745" y="127837"/>
-            <a:ext cx="6395356" cy="5416423"/>
-          </a:xfrm>
-        </p:spPr>
-      </p:pic>
-      <p:sp>
-        <p:nvSpPr>
-          <p:cNvPr id="6" name="TextBox 5">
-            <a:extLst>
-              <a:ext uri="{FF2B5EF4-FFF2-40B4-BE49-F238E27FC236}">
-                <a16:creationId xmlns:a16="http://schemas.microsoft.com/office/drawing/2014/main" id="{8F04AD84-8741-47B7-ACF8-173C4BFEEE69}"/>
-              </a:ext>
-            </a:extLst>
-          </p:cNvPr>
-          <p:cNvSpPr txBox="1"/>
-          <p:nvPr/>
-        </p:nvSpPr>
-        <p:spPr>
-          <a:xfrm>
-            <a:off x="6891337" y="2367171"/>
-            <a:ext cx="4638675" cy="2123658"/>
-          </a:xfrm>
-          <a:prstGeom prst="rect">
-            <a:avLst/>
-          </a:prstGeom>
-          <a:noFill/>
-        </p:spPr>
-        <p:txBody>
-          <a:bodyPr wrap="square" rtlCol="0">
-            <a:spAutoFit/>
-          </a:bodyPr>
-          <a:lstStyle/>
-          <a:p>
-            <a:pPr marL="342900" indent="-342900">
-              <a:buFont typeface="Arial" panose="020B0604020202020204" pitchFamily="34" charset="0"/>
-              <a:buChar char="•"/>
-            </a:pPr>
-            <a:r>
-              <a:rPr lang="uk-UA" sz="2200" dirty="0">
-                <a:latin typeface="Calibri" panose="020F0502020204030204" pitchFamily="34" charset="0"/>
-                <a:cs typeface="Calibri" panose="020F0502020204030204" pitchFamily="34" charset="0"/>
-              </a:rPr>
-              <a:t>Користувач може вибрати будь яку вкладку.</a:t>
-            </a:r>
-            <a:endParaRPr lang="en-US" sz="2200" dirty="0">
-              <a:latin typeface="Calibri" panose="020F0502020204030204" pitchFamily="34" charset="0"/>
-              <a:cs typeface="Calibri" panose="020F0502020204030204" pitchFamily="34" charset="0"/>
-            </a:endParaRPr>
-          </a:p>
-          <a:p>
-            <a:pPr marL="342900" indent="-342900">
-              <a:buFont typeface="Arial" panose="020B0604020202020204" pitchFamily="34" charset="0"/>
-              <a:buChar char="•"/>
-            </a:pPr>
-            <a:endParaRPr lang="uk-UA" sz="2200" dirty="0">
-              <a:latin typeface="Calibri" panose="020F0502020204030204" pitchFamily="34" charset="0"/>
-              <a:cs typeface="Calibri" panose="020F0502020204030204" pitchFamily="34" charset="0"/>
-            </a:endParaRPr>
-          </a:p>
-          <a:p>
-            <a:pPr marL="342900" indent="-342900">
-              <a:buFont typeface="Arial" panose="020B0604020202020204" pitchFamily="34" charset="0"/>
-              <a:buChar char="•"/>
-            </a:pPr>
-            <a:r>
-              <a:rPr lang="uk-UA" sz="2200" dirty="0">
-                <a:latin typeface="Calibri" panose="020F0502020204030204" pitchFamily="34" charset="0"/>
-                <a:cs typeface="Calibri" panose="020F0502020204030204" pitchFamily="34" charset="0"/>
-              </a:rPr>
-              <a:t>Користувач може вибрати яку групу йому вибрати, який департамент чи курс.</a:t>
-            </a:r>
-          </a:p>
-        </p:txBody>
-      </p:sp>
-      <p:sp>
-        <p:nvSpPr>
-          <p:cNvPr id="8" name="TextBox 7">
-            <a:extLst>
-              <a:ext uri="{FF2B5EF4-FFF2-40B4-BE49-F238E27FC236}">
-                <a16:creationId xmlns:a16="http://schemas.microsoft.com/office/drawing/2014/main" id="{DD059782-EE95-46BE-B90B-6E06A6ADC5AF}"/>
-              </a:ext>
-            </a:extLst>
-          </p:cNvPr>
-          <p:cNvSpPr txBox="1"/>
-          <p:nvPr/>
-        </p:nvSpPr>
-        <p:spPr>
-          <a:xfrm>
-            <a:off x="11105965" y="5814874"/>
-            <a:ext cx="674703" cy="369332"/>
-          </a:xfrm>
-          <a:prstGeom prst="rect">
-            <a:avLst/>
-          </a:prstGeom>
-          <a:noFill/>
-        </p:spPr>
-        <p:txBody>
-          <a:bodyPr wrap="square" rtlCol="0">
-            <a:spAutoFit/>
-          </a:bodyPr>
-          <a:lstStyle/>
-          <a:p>
-            <a:r>
-              <a:rPr lang="en-US" dirty="0"/>
-              <a:t>3</a:t>
-            </a:r>
-            <a:endParaRPr lang="uk-UA" dirty="0"/>
-          </a:p>
-        </p:txBody>
-      </p:sp>
-    </p:spTree>
-    <p:extLst>
-      <p:ext uri="{BB962C8B-B14F-4D97-AF65-F5344CB8AC3E}">
-        <p14:creationId xmlns:p14="http://schemas.microsoft.com/office/powerpoint/2010/main" val="951223234"/>
-      </p:ext>
-    </p:extLst>
-  </p:cSld>
-  <p:clrMapOvr>
-    <a:masterClrMapping/>
-  </p:clrMapOvr>
-</p:sld>
-</file>
-
-<file path=ppt/slides/slide5.xml><?xml version="1.0" encoding="utf-8"?>
 <p:sld xmlns:a="http://schemas.openxmlformats.org/drawingml/2006/main" xmlns:r="http://schemas.openxmlformats.org/officeDocument/2006/relationships" xmlns:p="http://schemas.openxmlformats.org/presentationml/2006/main">
   <p:cSld>
     <p:bg>
@@ -7147,129 +6932,12 @@
           <a:chExt cx="0" cy="0"/>
         </a:xfrm>
       </p:grpSpPr>
-      <p:sp>
-        <p:nvSpPr>
-          <p:cNvPr id="2" name="Заголовок 1">
+      <p:pic>
+        <p:nvPicPr>
+          <p:cNvPr id="5" name="Рисунок 4" descr="Зображення, що містить особа, жінка, у приміщенні&#10;&#10;Автоматично згенерований опис">
             <a:extLst>
               <a:ext uri="{FF2B5EF4-FFF2-40B4-BE49-F238E27FC236}">
-                <a16:creationId xmlns:a16="http://schemas.microsoft.com/office/drawing/2014/main" id="{0390C720-0D80-4DD2-95C1-8A94E0BE93C0}"/>
-              </a:ext>
-            </a:extLst>
-          </p:cNvPr>
-          <p:cNvSpPr>
-            <a:spLocks noGrp="1"/>
-          </p:cNvSpPr>
-          <p:nvPr>
-            <p:ph type="title"/>
-          </p:nvPr>
-        </p:nvSpPr>
-        <p:spPr>
-          <a:xfrm>
-            <a:off x="7823381" y="0"/>
-            <a:ext cx="3072869" cy="719179"/>
-          </a:xfrm>
-        </p:spPr>
-        <p:txBody>
-          <a:bodyPr>
-            <a:normAutofit/>
-          </a:bodyPr>
-          <a:lstStyle/>
-          <a:p>
-            <a:r>
-              <a:rPr lang="en-US" sz="3600" b="1" dirty="0" err="1">
-                <a:latin typeface="Calibri" panose="020F0502020204030204" pitchFamily="34" charset="0"/>
-                <a:cs typeface="Calibri" panose="020F0502020204030204" pitchFamily="34" charset="0"/>
-              </a:rPr>
-              <a:t>eR</a:t>
-            </a:r>
-            <a:r>
-              <a:rPr lang="en-US" sz="3600" b="1" dirty="0">
-                <a:latin typeface="Calibri" panose="020F0502020204030204" pitchFamily="34" charset="0"/>
-                <a:cs typeface="Calibri" panose="020F0502020204030204" pitchFamily="34" charset="0"/>
-              </a:rPr>
-              <a:t>-diagram</a:t>
-            </a:r>
-            <a:endParaRPr lang="uk-UA" sz="3600" b="1" dirty="0">
-              <a:latin typeface="Calibri" panose="020F0502020204030204" pitchFamily="34" charset="0"/>
-              <a:cs typeface="Calibri" panose="020F0502020204030204" pitchFamily="34" charset="0"/>
-            </a:endParaRPr>
-          </a:p>
-        </p:txBody>
-      </p:sp>
-      <p:sp>
-        <p:nvSpPr>
-          <p:cNvPr id="23" name="Rectangle 22">
-            <a:extLst>
-              <a:ext uri="{FF2B5EF4-FFF2-40B4-BE49-F238E27FC236}">
-                <a16:creationId xmlns:a16="http://schemas.microsoft.com/office/drawing/2014/main" id="{E390DA5B-5FEF-45C7-A12A-37BBEFC92A88}"/>
-              </a:ext>
-              <a:ext uri="{C183D7F6-B498-43B3-948B-1728B52AA6E4}">
-                <adec:decorative xmlns:adec="http://schemas.microsoft.com/office/drawing/2017/decorative" val="1"/>
-              </a:ext>
-            </a:extLst>
-          </p:cNvPr>
-          <p:cNvSpPr>
-            <a:spLocks noGrp="1" noRot="1" noChangeAspect="1" noMove="1" noResize="1" noEditPoints="1" noAdjustHandles="1" noChangeArrowheads="1" noChangeShapeType="1" noTextEdit="1"/>
-          </p:cNvSpPr>
-          <p:nvPr>
-            <p:extLst>
-              <p:ext uri="{386F3935-93C4-4BCD-93E2-E3B085C9AB24}">
-                <p16:designElem xmlns:p16="http://schemas.microsoft.com/office/powerpoint/2015/main" val="1"/>
-              </p:ext>
-            </p:extLst>
-          </p:nvPr>
-        </p:nvSpPr>
-        <p:spPr>
-          <a:xfrm>
-            <a:off x="500240" y="457200"/>
-            <a:ext cx="7045932" cy="4686138"/>
-          </a:xfrm>
-          <a:prstGeom prst="rect">
-            <a:avLst/>
-          </a:prstGeom>
-          <a:solidFill>
-            <a:schemeClr val="bg1"/>
-          </a:solidFill>
-          <a:ln w="57150" cmpd="thinThick">
-            <a:solidFill>
-              <a:schemeClr val="bg1">
-                <a:lumMod val="50000"/>
-              </a:schemeClr>
-            </a:solidFill>
-            <a:miter lim="800000"/>
-          </a:ln>
-        </p:spPr>
-        <p:style>
-          <a:lnRef idx="2">
-            <a:schemeClr val="accent1">
-              <a:shade val="50000"/>
-            </a:schemeClr>
-          </a:lnRef>
-          <a:fillRef idx="1">
-            <a:schemeClr val="accent1"/>
-          </a:fillRef>
-          <a:effectRef idx="0">
-            <a:schemeClr val="accent1"/>
-          </a:effectRef>
-          <a:fontRef idx="minor">
-            <a:schemeClr val="lt1"/>
-          </a:fontRef>
-        </p:style>
-        <p:txBody>
-          <a:bodyPr rtlCol="0" anchor="ctr"/>
-          <a:lstStyle/>
-          <a:p>
-            <a:pPr algn="ctr"/>
-            <a:endParaRPr lang="en-US"/>
-          </a:p>
-        </p:txBody>
-      </p:sp>
-      <p:pic>
-        <p:nvPicPr>
-          <p:cNvPr id="5" name="Місце для вмісту 4">
-            <a:extLst>
-              <a:ext uri="{FF2B5EF4-FFF2-40B4-BE49-F238E27FC236}">
-                <a16:creationId xmlns:a16="http://schemas.microsoft.com/office/drawing/2014/main" id="{52A3FB6B-12CD-47C6-A355-4072D4765E40}"/>
+                <a16:creationId xmlns:a16="http://schemas.microsoft.com/office/drawing/2014/main" id="{C9C05237-6CBC-4AB7-B962-C0140EA87280}"/>
               </a:ext>
             </a:extLst>
           </p:cNvPr>
@@ -7278,16 +6946,15 @@
           </p:cNvPicPr>
           <p:nvPr/>
         </p:nvPicPr>
-        <p:blipFill>
+        <p:blipFill rotWithShape="1">
           <a:blip r:embed="rId3"/>
-          <a:stretch>
-            <a:fillRect/>
-          </a:stretch>
+          <a:srcRect t="9493" r="9091"/>
+          <a:stretch/>
         </p:blipFill>
         <p:spPr>
           <a:xfrm>
-            <a:off x="1109317" y="484808"/>
-            <a:ext cx="5853457" cy="4638864"/>
+            <a:off x="20" y="10"/>
+            <a:ext cx="12191980" cy="6857990"/>
           </a:xfrm>
           <a:prstGeom prst="rect">
             <a:avLst/>
@@ -7296,14 +6963,131 @@
       </p:pic>
       <p:sp>
         <p:nvSpPr>
-          <p:cNvPr id="9" name="Content Placeholder 8">
+          <p:cNvPr id="10" name="Rectangle 10">
             <a:extLst>
               <a:ext uri="{FF2B5EF4-FFF2-40B4-BE49-F238E27FC236}">
-                <a16:creationId xmlns:a16="http://schemas.microsoft.com/office/drawing/2014/main" id="{F841462E-E80C-734B-5D91-F6DF1DA9B395}"/>
+                <a16:creationId xmlns:a16="http://schemas.microsoft.com/office/drawing/2014/main" id="{BDC81281-C11D-4E00-8FBA-06356AA3B328}"/>
+              </a:ext>
+              <a:ext uri="{C183D7F6-B498-43B3-948B-1728B52AA6E4}">
+                <adec:decorative xmlns:adec="http://schemas.microsoft.com/office/drawing/2017/decorative" val="1"/>
               </a:ext>
             </a:extLst>
           </p:cNvPr>
           <p:cNvSpPr>
+            <a:spLocks noGrp="1" noRot="1" noChangeAspect="1" noMove="1" noResize="1" noEditPoints="1" noAdjustHandles="1" noChangeArrowheads="1" noChangeShapeType="1" noTextEdit="1"/>
+          </p:cNvSpPr>
+          <p:nvPr>
+            <p:extLst>
+              <p:ext uri="{386F3935-93C4-4BCD-93E2-E3B085C9AB24}">
+                <p16:designElem xmlns:p16="http://schemas.microsoft.com/office/powerpoint/2015/main" val="1"/>
+              </p:ext>
+            </p:extLst>
+          </p:nvPr>
+        </p:nvSpPr>
+        <p:spPr bwMode="white">
+          <a:xfrm rot="21420000">
+            <a:off x="-153067" y="613608"/>
+            <a:ext cx="8044107" cy="5638800"/>
+          </a:xfrm>
+          <a:custGeom>
+            <a:avLst/>
+            <a:gdLst/>
+            <a:ahLst/>
+            <a:cxnLst/>
+            <a:rect l="l" t="t" r="r" b="b"/>
+            <a:pathLst>
+              <a:path w="8044107" h="5638800">
+                <a:moveTo>
+                  <a:pt x="8044107" y="0"/>
+                </a:moveTo>
+                <a:lnTo>
+                  <a:pt x="8044107" y="5638800"/>
+                </a:lnTo>
+                <a:lnTo>
+                  <a:pt x="0" y="5638800"/>
+                </a:lnTo>
+                <a:lnTo>
+                  <a:pt x="295517" y="0"/>
+                </a:lnTo>
+                <a:close/>
+              </a:path>
+            </a:pathLst>
+          </a:custGeom>
+          <a:solidFill>
+            <a:schemeClr val="accent1">
+              <a:alpha val="82000"/>
+            </a:schemeClr>
+          </a:solidFill>
+          <a:ln>
+            <a:noFill/>
+          </a:ln>
+        </p:spPr>
+        <p:style>
+          <a:lnRef idx="1">
+            <a:schemeClr val="accent1"/>
+          </a:lnRef>
+          <a:fillRef idx="3">
+            <a:schemeClr val="accent1"/>
+          </a:fillRef>
+          <a:effectRef idx="2">
+            <a:schemeClr val="accent1"/>
+          </a:effectRef>
+          <a:fontRef idx="minor">
+            <a:schemeClr val="lt1"/>
+          </a:fontRef>
+        </p:style>
+      </p:sp>
+      <p:sp>
+        <p:nvSpPr>
+          <p:cNvPr id="2" name="Заголовок 1">
+            <a:extLst>
+              <a:ext uri="{FF2B5EF4-FFF2-40B4-BE49-F238E27FC236}">
+                <a16:creationId xmlns:a16="http://schemas.microsoft.com/office/drawing/2014/main" id="{6D0DAAEB-BBC8-4FCF-BC8B-308B411BB8E2}"/>
+              </a:ext>
+            </a:extLst>
+          </p:cNvPr>
+          <p:cNvSpPr>
+            <a:spLocks noGrp="1"/>
+          </p:cNvSpPr>
+          <p:nvPr>
+            <p:ph type="title"/>
+          </p:nvPr>
+        </p:nvSpPr>
+        <p:spPr>
+          <a:xfrm rot="21420000">
+            <a:off x="443391" y="348768"/>
+            <a:ext cx="6851188" cy="1151965"/>
+          </a:xfrm>
+        </p:spPr>
+        <p:txBody>
+          <a:bodyPr>
+            <a:normAutofit/>
+          </a:bodyPr>
+          <a:lstStyle/>
+          <a:p>
+            <a:r>
+              <a:rPr lang="uk-UA" sz="3800" dirty="0">
+                <a:solidFill>
+                  <a:schemeClr val="bg1"/>
+                </a:solidFill>
+                <a:latin typeface="Calibri" panose="020F0502020204030204" pitchFamily="34" charset="0"/>
+                <a:cs typeface="Calibri" panose="020F0502020204030204" pitchFamily="34" charset="0"/>
+              </a:rPr>
+              <a:t>Аналіз предметної області</a:t>
+            </a:r>
+          </a:p>
+        </p:txBody>
+      </p:sp>
+      <p:sp>
+        <p:nvSpPr>
+          <p:cNvPr id="3" name="Місце для вмісту 2">
+            <a:extLst>
+              <a:ext uri="{FF2B5EF4-FFF2-40B4-BE49-F238E27FC236}">
+                <a16:creationId xmlns:a16="http://schemas.microsoft.com/office/drawing/2014/main" id="{1BC4C9A4-75F6-4B91-91E2-08EBB7387238}"/>
+              </a:ext>
+            </a:extLst>
+          </p:cNvPr>
+          <p:cNvSpPr>
             <a:spLocks noGrp="1"/>
           </p:cNvSpPr>
           <p:nvPr>
@@ -7311,9 +7095,9 @@
           </p:nvPr>
         </p:nvSpPr>
         <p:spPr>
-          <a:xfrm>
-            <a:off x="7643543" y="569189"/>
-            <a:ext cx="3923930" cy="5166804"/>
+          <a:xfrm rot="21420000">
+            <a:off x="188646" y="1218975"/>
+            <a:ext cx="7522442" cy="4858051"/>
           </a:xfrm>
         </p:spPr>
         <p:txBody>
@@ -7324,26 +7108,251 @@
           <a:p>
             <a:pPr>
               <a:lnSpc>
-                <a:spcPct val="100000"/>
+                <a:spcPct val="110000"/>
               </a:lnSpc>
             </a:pPr>
             <a:r>
-              <a:rPr lang="uk-UA" sz="2200" dirty="0">
+              <a:rPr lang="uk-UA" dirty="0">
+                <a:solidFill>
+                  <a:schemeClr val="bg1"/>
+                </a:solidFill>
+                <a:effectLst/>
+                <a:latin typeface="Calibri" panose="020F0502020204030204" pitchFamily="34" charset="0"/>
+                <a:ea typeface="Times New Roman" panose="02020603050405020304" pitchFamily="18" charset="0"/>
+                <a:cs typeface="Calibri" panose="020F0502020204030204" pitchFamily="34" charset="0"/>
+              </a:rPr>
+              <a:t>Актуальність теми обумовлена необхідністю дізнатися  навчальний план для студентів та вчителів коледжу. Складання «Навчального плану» є великим за обсягом даних і його автоматизація є важливим пунктом в освітніх закладах масового навчання. Після автоматизації «Навчального плану» всі користувачі можуть побачити план своєї та інших груп.</a:t>
+            </a:r>
+          </a:p>
+          <a:p>
+            <a:pPr>
+              <a:lnSpc>
+                <a:spcPct val="110000"/>
+              </a:lnSpc>
+            </a:pPr>
+            <a:r>
+              <a:rPr lang="uk-UA" dirty="0">
+                <a:solidFill>
+                  <a:schemeClr val="bg1"/>
+                </a:solidFill>
+                <a:effectLst/>
+                <a:latin typeface="Calibri" panose="020F0502020204030204" pitchFamily="34" charset="0"/>
+                <a:ea typeface="Times New Roman" panose="02020603050405020304" pitchFamily="18" charset="0"/>
+                <a:cs typeface="Calibri" panose="020F0502020204030204" pitchFamily="34" charset="0"/>
+              </a:rPr>
+              <a:t>Метою проектної роботи було підняти навички в областях програмування та баз даних, а саме </a:t>
+            </a:r>
+            <a:r>
+              <a:rPr lang="en-US" dirty="0">
+                <a:solidFill>
+                  <a:schemeClr val="bg1"/>
+                </a:solidFill>
+                <a:effectLst/>
+                <a:latin typeface="Calibri" panose="020F0502020204030204" pitchFamily="34" charset="0"/>
+                <a:ea typeface="Times New Roman" panose="02020603050405020304" pitchFamily="18" charset="0"/>
+                <a:cs typeface="Calibri" panose="020F0502020204030204" pitchFamily="34" charset="0"/>
+              </a:rPr>
+              <a:t>ASP</a:t>
+            </a:r>
+            <a:r>
+              <a:rPr lang="ru-RU" dirty="0">
+                <a:solidFill>
+                  <a:schemeClr val="bg1"/>
+                </a:solidFill>
+                <a:effectLst/>
+                <a:latin typeface="Calibri" panose="020F0502020204030204" pitchFamily="34" charset="0"/>
+                <a:ea typeface="Times New Roman" panose="02020603050405020304" pitchFamily="18" charset="0"/>
+                <a:cs typeface="Calibri" panose="020F0502020204030204" pitchFamily="34" charset="0"/>
+              </a:rPr>
+              <a:t>.</a:t>
+            </a:r>
+            <a:r>
+              <a:rPr lang="en-US" dirty="0">
+                <a:solidFill>
+                  <a:schemeClr val="bg1"/>
+                </a:solidFill>
+                <a:effectLst/>
+                <a:latin typeface="Calibri" panose="020F0502020204030204" pitchFamily="34" charset="0"/>
+                <a:ea typeface="Times New Roman" panose="02020603050405020304" pitchFamily="18" charset="0"/>
+                <a:cs typeface="Calibri" panose="020F0502020204030204" pitchFamily="34" charset="0"/>
+              </a:rPr>
+              <a:t>NET MVC</a:t>
+            </a:r>
+            <a:r>
+              <a:rPr lang="ru-RU" dirty="0">
+                <a:solidFill>
+                  <a:schemeClr val="bg1"/>
+                </a:solidFill>
+                <a:effectLst/>
+                <a:latin typeface="Calibri" panose="020F0502020204030204" pitchFamily="34" charset="0"/>
+                <a:ea typeface="Times New Roman" panose="02020603050405020304" pitchFamily="18" charset="0"/>
+                <a:cs typeface="Calibri" panose="020F0502020204030204" pitchFamily="34" charset="0"/>
+              </a:rPr>
+              <a:t>, </a:t>
+            </a:r>
+            <a:r>
+              <a:rPr lang="en-US" dirty="0">
+                <a:solidFill>
+                  <a:schemeClr val="bg1"/>
+                </a:solidFill>
+                <a:effectLst/>
+                <a:latin typeface="Calibri" panose="020F0502020204030204" pitchFamily="34" charset="0"/>
+                <a:ea typeface="Times New Roman" panose="02020603050405020304" pitchFamily="18" charset="0"/>
+                <a:cs typeface="Calibri" panose="020F0502020204030204" pitchFamily="34" charset="0"/>
+              </a:rPr>
+              <a:t>MySQL</a:t>
+            </a:r>
+            <a:r>
+              <a:rPr lang="ru-RU" dirty="0">
+                <a:solidFill>
+                  <a:schemeClr val="bg1"/>
+                </a:solidFill>
+                <a:effectLst/>
+                <a:latin typeface="Calibri" panose="020F0502020204030204" pitchFamily="34" charset="0"/>
+                <a:ea typeface="Times New Roman" panose="02020603050405020304" pitchFamily="18" charset="0"/>
+                <a:cs typeface="Calibri" panose="020F0502020204030204" pitchFamily="34" charset="0"/>
+              </a:rPr>
+              <a:t>, </a:t>
+            </a:r>
+            <a:r>
+              <a:rPr lang="en-US" dirty="0">
+                <a:solidFill>
+                  <a:schemeClr val="bg1"/>
+                </a:solidFill>
+                <a:effectLst/>
+                <a:latin typeface="Calibri" panose="020F0502020204030204" pitchFamily="34" charset="0"/>
+                <a:ea typeface="Times New Roman" panose="02020603050405020304" pitchFamily="18" charset="0"/>
+                <a:cs typeface="Calibri" panose="020F0502020204030204" pitchFamily="34" charset="0"/>
+              </a:rPr>
+              <a:t>Java</a:t>
+            </a:r>
+            <a:r>
+              <a:rPr lang="ru-RU" dirty="0">
+                <a:solidFill>
+                  <a:schemeClr val="bg1"/>
+                </a:solidFill>
+                <a:effectLst/>
+                <a:latin typeface="Calibri" panose="020F0502020204030204" pitchFamily="34" charset="0"/>
+                <a:ea typeface="Times New Roman" panose="02020603050405020304" pitchFamily="18" charset="0"/>
+                <a:cs typeface="Calibri" panose="020F0502020204030204" pitchFamily="34" charset="0"/>
+              </a:rPr>
+              <a:t>. </a:t>
+            </a:r>
+            <a:r>
+              <a:rPr lang="uk-UA" dirty="0">
+                <a:solidFill>
+                  <a:schemeClr val="bg1"/>
+                </a:solidFill>
+                <a:effectLst/>
+                <a:latin typeface="Calibri" panose="020F0502020204030204" pitchFamily="34" charset="0"/>
+                <a:ea typeface="Times New Roman" panose="02020603050405020304" pitchFamily="18" charset="0"/>
+                <a:cs typeface="Calibri" panose="020F0502020204030204" pitchFamily="34" charset="0"/>
+              </a:rPr>
+              <a:t>Кінцевим результатом роботи була робоча локальна модель сайту. В якому була реалізована база даних з великою кількістю таблиць. Під кінець ми би хотіли зробити більш кращий дизайн, багаторівневу авторизацію та конкретизування таблиць.</a:t>
+            </a:r>
+          </a:p>
+        </p:txBody>
+      </p:sp>
+    </p:spTree>
+    <p:extLst>
+      <p:ext uri="{BB962C8B-B14F-4D97-AF65-F5344CB8AC3E}">
+        <p14:creationId xmlns:p14="http://schemas.microsoft.com/office/powerpoint/2010/main" val="201903000"/>
+      </p:ext>
+    </p:extLst>
+  </p:cSld>
+  <p:clrMapOvr>
+    <a:masterClrMapping/>
+  </p:clrMapOvr>
+</p:sld>
+</file>
+
+<file path=ppt/slides/slide4.xml><?xml version="1.0" encoding="utf-8"?>
+<p:sld xmlns:a="http://schemas.openxmlformats.org/drawingml/2006/main" xmlns:r="http://schemas.openxmlformats.org/officeDocument/2006/relationships" xmlns:p="http://schemas.openxmlformats.org/presentationml/2006/main">
+  <p:cSld>
+    <p:spTree>
+      <p:nvGrpSpPr>
+        <p:cNvPr id="1" name=""/>
+        <p:cNvGrpSpPr/>
+        <p:nvPr/>
+      </p:nvGrpSpPr>
+      <p:grpSpPr>
+        <a:xfrm>
+          <a:off x="0" y="0"/>
+          <a:ext cx="0" cy="0"/>
+          <a:chOff x="0" y="0"/>
+          <a:chExt cx="0" cy="0"/>
+        </a:xfrm>
+      </p:grpSpPr>
+      <p:sp>
+        <p:nvSpPr>
+          <p:cNvPr id="2" name="Заголовок 1">
+            <a:extLst>
+              <a:ext uri="{FF2B5EF4-FFF2-40B4-BE49-F238E27FC236}">
+                <a16:creationId xmlns:a16="http://schemas.microsoft.com/office/drawing/2014/main" id="{74D86399-F2BD-4CBA-A9CA-DE561A5868AB}"/>
+              </a:ext>
+            </a:extLst>
+          </p:cNvPr>
+          <p:cNvSpPr>
+            <a:spLocks noGrp="1"/>
+          </p:cNvSpPr>
+          <p:nvPr>
+            <p:ph type="title"/>
+          </p:nvPr>
+        </p:nvSpPr>
+        <p:spPr>
+          <a:xfrm>
+            <a:off x="605902" y="153140"/>
+            <a:ext cx="10396882" cy="1151965"/>
+          </a:xfrm>
+        </p:spPr>
+        <p:txBody>
+          <a:bodyPr>
+            <a:normAutofit/>
+          </a:bodyPr>
+          <a:lstStyle/>
+          <a:p>
+            <a:r>
+              <a:rPr lang="uk-UA" sz="3600" b="1" dirty="0">
                 <a:latin typeface="Calibri" panose="020F0502020204030204" pitchFamily="34" charset="0"/>
                 <a:cs typeface="Calibri" panose="020F0502020204030204" pitchFamily="34" charset="0"/>
               </a:rPr>
-              <a:t>Діаграма складається з:</a:t>
-            </a:r>
-            <a:endParaRPr lang="en-US" sz="2200" dirty="0">
-              <a:latin typeface="Calibri" panose="020F0502020204030204" pitchFamily="34" charset="0"/>
-              <a:cs typeface="Calibri" panose="020F0502020204030204" pitchFamily="34" charset="0"/>
-            </a:endParaRPr>
-          </a:p>
+              <a:t>Постановка задачі</a:t>
+            </a:r>
+          </a:p>
+        </p:txBody>
+      </p:sp>
+      <p:sp>
+        <p:nvSpPr>
+          <p:cNvPr id="3" name="Місце для вмісту 2">
+            <a:extLst>
+              <a:ext uri="{FF2B5EF4-FFF2-40B4-BE49-F238E27FC236}">
+                <a16:creationId xmlns:a16="http://schemas.microsoft.com/office/drawing/2014/main" id="{C58E8F03-3F51-4746-95B2-10B2DA4979FA}"/>
+              </a:ext>
+            </a:extLst>
+          </p:cNvPr>
+          <p:cNvSpPr>
+            <a:spLocks noGrp="1"/>
+          </p:cNvSpPr>
+          <p:nvPr>
+            <p:ph sz="quarter" idx="13"/>
+          </p:nvPr>
+        </p:nvSpPr>
+        <p:spPr>
+          <a:xfrm>
+            <a:off x="605902" y="1234418"/>
+            <a:ext cx="10474605" cy="4389164"/>
+          </a:xfrm>
+        </p:spPr>
+        <p:txBody>
+          <a:bodyPr>
+            <a:noAutofit/>
+          </a:bodyPr>
+          <a:lstStyle/>
           <a:p>
             <a:pPr marR="43815" algn="just">
-              <a:lnSpc>
-                <a:spcPct val="100000"/>
-              </a:lnSpc>
+              <a:spcAft>
+                <a:spcPts val="535"/>
+              </a:spcAft>
             </a:pPr>
             <a:r>
               <a:rPr lang="uk-UA" sz="2200" dirty="0">
@@ -7355,15 +7364,11 @@
                 <a:ea typeface="Times New Roman" panose="02020603050405020304" pitchFamily="18" charset="0"/>
                 <a:cs typeface="Calibri" panose="020F0502020204030204" pitchFamily="34" charset="0"/>
               </a:rPr>
-              <a:t>Студенти</a:t>
-            </a:r>
-          </a:p>
-          <a:p>
-            <a:pPr marR="43815" algn="just">
-              <a:lnSpc>
-                <a:spcPct val="100000"/>
-              </a:lnSpc>
-            </a:pPr>
+              <a:t>Створення вибірки даних та самої бази</a:t>
+            </a:r>
+          </a:p>
+          <a:p>
+            <a:pPr marR="43815" algn="just"/>
             <a:r>
               <a:rPr lang="uk-UA" sz="2200" dirty="0">
                 <a:solidFill>
@@ -7374,15 +7379,11 @@
                 <a:ea typeface="Times New Roman" panose="02020603050405020304" pitchFamily="18" charset="0"/>
                 <a:cs typeface="Calibri" panose="020F0502020204030204" pitchFamily="34" charset="0"/>
               </a:rPr>
-              <a:t>Групи</a:t>
-            </a:r>
-          </a:p>
-          <a:p>
-            <a:pPr marR="43815" algn="just">
-              <a:lnSpc>
-                <a:spcPct val="100000"/>
-              </a:lnSpc>
-            </a:pPr>
+              <a:t>Заповнення бази даних</a:t>
+            </a:r>
+          </a:p>
+          <a:p>
+            <a:pPr marR="43815" algn="just"/>
             <a:r>
               <a:rPr lang="uk-UA" sz="2200" dirty="0">
                 <a:solidFill>
@@ -7393,15 +7394,20 @@
                 <a:ea typeface="Times New Roman" panose="02020603050405020304" pitchFamily="18" charset="0"/>
                 <a:cs typeface="Calibri" panose="020F0502020204030204" pitchFamily="34" charset="0"/>
               </a:rPr>
-              <a:t>Кафедри</a:t>
-            </a:r>
-          </a:p>
-          <a:p>
-            <a:pPr marR="43815" algn="just">
-              <a:lnSpc>
-                <a:spcPct val="100000"/>
-              </a:lnSpc>
-            </a:pPr>
+              <a:t>Створення ключів та </a:t>
+            </a:r>
+            <a:r>
+              <a:rPr lang="uk-UA" sz="2200" dirty="0" err="1">
+                <a:solidFill>
+                  <a:srgbClr val="000000"/>
+                </a:solidFill>
+                <a:effectLst/>
+                <a:latin typeface="Calibri" panose="020F0502020204030204" pitchFamily="34" charset="0"/>
+                <a:ea typeface="Times New Roman" panose="02020603050405020304" pitchFamily="18" charset="0"/>
+                <a:cs typeface="Calibri" panose="020F0502020204030204" pitchFamily="34" charset="0"/>
+              </a:rPr>
+              <a:t>зв’язків</a:t>
+            </a:r>
             <a:r>
               <a:rPr lang="uk-UA" sz="2200" dirty="0">
                 <a:solidFill>
@@ -7412,15 +7418,11 @@
                 <a:ea typeface="Times New Roman" panose="02020603050405020304" pitchFamily="18" charset="0"/>
                 <a:cs typeface="Calibri" panose="020F0502020204030204" pitchFamily="34" charset="0"/>
               </a:rPr>
-              <a:t>Викладачі</a:t>
-            </a:r>
-          </a:p>
-          <a:p>
-            <a:pPr marR="43815" algn="just">
-              <a:lnSpc>
-                <a:spcPct val="100000"/>
-              </a:lnSpc>
-            </a:pPr>
+              <a:t> між таблицями</a:t>
+            </a:r>
+          </a:p>
+          <a:p>
+            <a:pPr marR="43815" algn="just"/>
             <a:r>
               <a:rPr lang="uk-UA" sz="2200" dirty="0">
                 <a:solidFill>
@@ -7431,15 +7433,11 @@
                 <a:ea typeface="Times New Roman" panose="02020603050405020304" pitchFamily="18" charset="0"/>
                 <a:cs typeface="Calibri" panose="020F0502020204030204" pitchFamily="34" charset="0"/>
               </a:rPr>
-              <a:t>Журнал пропусків</a:t>
-            </a:r>
-          </a:p>
-          <a:p>
-            <a:pPr marR="43815" algn="just">
-              <a:lnSpc>
-                <a:spcPct val="100000"/>
-              </a:lnSpc>
-            </a:pPr>
+              <a:t>Підключення бази до проекту</a:t>
+            </a:r>
+          </a:p>
+          <a:p>
+            <a:pPr marR="43815" algn="just"/>
             <a:r>
               <a:rPr lang="uk-UA" sz="2200" dirty="0">
                 <a:solidFill>
@@ -7450,15 +7448,11 @@
                 <a:ea typeface="Times New Roman" panose="02020603050405020304" pitchFamily="18" charset="0"/>
                 <a:cs typeface="Calibri" panose="020F0502020204030204" pitchFamily="34" charset="0"/>
               </a:rPr>
-              <a:t>Навчальний план</a:t>
-            </a:r>
-          </a:p>
-          <a:p>
-            <a:pPr marR="43815" algn="just">
-              <a:lnSpc>
-                <a:spcPct val="100000"/>
-              </a:lnSpc>
-            </a:pPr>
+              <a:t>Створення та заповнення контролерів</a:t>
+            </a:r>
+          </a:p>
+          <a:p>
+            <a:pPr marR="43815" algn="just"/>
             <a:r>
               <a:rPr lang="uk-UA" sz="2200" dirty="0">
                 <a:solidFill>
@@ -7469,15 +7463,20 @@
                 <a:ea typeface="Times New Roman" panose="02020603050405020304" pitchFamily="18" charset="0"/>
                 <a:cs typeface="Calibri" panose="020F0502020204030204" pitchFamily="34" charset="0"/>
               </a:rPr>
-              <a:t>Розклад</a:t>
-            </a:r>
-          </a:p>
-          <a:p>
-            <a:pPr marR="43815" algn="just">
-              <a:lnSpc>
-                <a:spcPct val="100000"/>
-              </a:lnSpc>
-            </a:pPr>
+              <a:t>Створення та заповнення уявлення (</a:t>
+            </a:r>
+            <a:r>
+              <a:rPr lang="uk-UA" sz="2200" dirty="0" err="1">
+                <a:solidFill>
+                  <a:srgbClr val="000000"/>
+                </a:solidFill>
+                <a:effectLst/>
+                <a:latin typeface="Calibri" panose="020F0502020204030204" pitchFamily="34" charset="0"/>
+                <a:ea typeface="Times New Roman" panose="02020603050405020304" pitchFamily="18" charset="0"/>
+                <a:cs typeface="Calibri" panose="020F0502020204030204" pitchFamily="34" charset="0"/>
+              </a:rPr>
+              <a:t>view</a:t>
+            </a:r>
             <a:r>
               <a:rPr lang="uk-UA" sz="2200" dirty="0">
                 <a:solidFill>
@@ -7488,15 +7487,11 @@
                 <a:ea typeface="Times New Roman" panose="02020603050405020304" pitchFamily="18" charset="0"/>
                 <a:cs typeface="Calibri" panose="020F0502020204030204" pitchFamily="34" charset="0"/>
               </a:rPr>
-              <a:t>Електронний журнал</a:t>
-            </a:r>
-          </a:p>
-          <a:p>
-            <a:pPr marR="43815" algn="just">
-              <a:lnSpc>
-                <a:spcPct val="100000"/>
-              </a:lnSpc>
-            </a:pPr>
+              <a:t>)</a:t>
+            </a:r>
+          </a:p>
+          <a:p>
+            <a:pPr marR="43815" algn="just"/>
             <a:r>
               <a:rPr lang="uk-UA" sz="2200" dirty="0">
                 <a:solidFill>
@@ -7507,18 +7502,20 @@
                 <a:ea typeface="Times New Roman" panose="02020603050405020304" pitchFamily="18" charset="0"/>
                 <a:cs typeface="Calibri" panose="020F0502020204030204" pitchFamily="34" charset="0"/>
               </a:rPr>
-              <a:t>Курси</a:t>
-            </a:r>
-          </a:p>
-          <a:p>
-            <a:pPr marR="43815" algn="just">
-              <a:lnSpc>
-                <a:spcPct val="100000"/>
-              </a:lnSpc>
-              <a:spcAft>
-                <a:spcPts val="535"/>
-              </a:spcAft>
-            </a:pPr>
+              <a:t>Підключення скриптів(</a:t>
+            </a:r>
+            <a:r>
+              <a:rPr lang="uk-UA" sz="2200" dirty="0" err="1">
+                <a:solidFill>
+                  <a:srgbClr val="000000"/>
+                </a:solidFill>
+                <a:effectLst/>
+                <a:latin typeface="Calibri" panose="020F0502020204030204" pitchFamily="34" charset="0"/>
+                <a:ea typeface="Times New Roman" panose="02020603050405020304" pitchFamily="18" charset="0"/>
+                <a:cs typeface="Calibri" panose="020F0502020204030204" pitchFamily="34" charset="0"/>
+              </a:rPr>
+              <a:t>JavaScript</a:t>
+            </a:r>
             <a:r>
               <a:rPr lang="uk-UA" sz="2200" dirty="0">
                 <a:solidFill>
@@ -7529,17 +7526,81 @@
                 <a:ea typeface="Times New Roman" panose="02020603050405020304" pitchFamily="18" charset="0"/>
                 <a:cs typeface="Calibri" panose="020F0502020204030204" pitchFamily="34" charset="0"/>
               </a:rPr>
-              <a:t>Предмети</a:t>
-            </a:r>
-          </a:p>
-        </p:txBody>
-      </p:sp>
-      <p:sp>
-        <p:nvSpPr>
-          <p:cNvPr id="6" name="TextBox 5">
+              <a:t>, </a:t>
+            </a:r>
+            <a:r>
+              <a:rPr lang="uk-UA" sz="2200" dirty="0" err="1">
+                <a:solidFill>
+                  <a:srgbClr val="000000"/>
+                </a:solidFill>
+                <a:effectLst/>
+                <a:latin typeface="Calibri" panose="020F0502020204030204" pitchFamily="34" charset="0"/>
+                <a:ea typeface="Times New Roman" panose="02020603050405020304" pitchFamily="18" charset="0"/>
+                <a:cs typeface="Calibri" panose="020F0502020204030204" pitchFamily="34" charset="0"/>
+              </a:rPr>
+              <a:t>bootstrap</a:t>
+            </a:r>
+            <a:r>
+              <a:rPr lang="uk-UA" sz="2200" dirty="0">
+                <a:solidFill>
+                  <a:srgbClr val="000000"/>
+                </a:solidFill>
+                <a:effectLst/>
+                <a:latin typeface="Calibri" panose="020F0502020204030204" pitchFamily="34" charset="0"/>
+                <a:ea typeface="Times New Roman" panose="02020603050405020304" pitchFamily="18" charset="0"/>
+                <a:cs typeface="Calibri" panose="020F0502020204030204" pitchFamily="34" charset="0"/>
+              </a:rPr>
+              <a:t>,…)</a:t>
+            </a:r>
+          </a:p>
+          <a:p>
+            <a:pPr marR="43815" algn="just">
+              <a:spcAft>
+                <a:spcPts val="535"/>
+              </a:spcAft>
+            </a:pPr>
+            <a:r>
+              <a:rPr lang="uk-UA" sz="2200" dirty="0">
+                <a:solidFill>
+                  <a:srgbClr val="000000"/>
+                </a:solidFill>
+                <a:effectLst/>
+                <a:latin typeface="Calibri" panose="020F0502020204030204" pitchFamily="34" charset="0"/>
+                <a:ea typeface="Times New Roman" panose="02020603050405020304" pitchFamily="18" charset="0"/>
+                <a:cs typeface="Calibri" panose="020F0502020204030204" pitchFamily="34" charset="0"/>
+              </a:rPr>
+              <a:t>Створення дизайну </a:t>
+            </a:r>
+            <a:r>
+              <a:rPr lang="uk-UA" sz="2200" dirty="0" err="1">
+                <a:solidFill>
+                  <a:srgbClr val="000000"/>
+                </a:solidFill>
+                <a:effectLst/>
+                <a:latin typeface="Calibri" panose="020F0502020204030204" pitchFamily="34" charset="0"/>
+                <a:ea typeface="Times New Roman" panose="02020603050405020304" pitchFamily="18" charset="0"/>
+                <a:cs typeface="Calibri" panose="020F0502020204030204" pitchFamily="34" charset="0"/>
+              </a:rPr>
+              <a:t>проекта</a:t>
+            </a:r>
+            <a:endParaRPr lang="uk-UA" sz="2200" dirty="0">
+              <a:solidFill>
+                <a:srgbClr val="000000"/>
+              </a:solidFill>
+              <a:effectLst/>
+              <a:latin typeface="Calibri" panose="020F0502020204030204" pitchFamily="34" charset="0"/>
+              <a:ea typeface="Times New Roman" panose="02020603050405020304" pitchFamily="18" charset="0"/>
+              <a:cs typeface="Calibri" panose="020F0502020204030204" pitchFamily="34" charset="0"/>
+            </a:endParaRPr>
+          </a:p>
+        </p:txBody>
+      </p:sp>
+      <p:sp>
+        <p:nvSpPr>
+          <p:cNvPr id="8" name="TextBox 7">
             <a:extLst>
               <a:ext uri="{FF2B5EF4-FFF2-40B4-BE49-F238E27FC236}">
-                <a16:creationId xmlns:a16="http://schemas.microsoft.com/office/drawing/2014/main" id="{37A664BF-8437-4C7D-B126-C7837CE6B0AF}"/>
+                <a16:creationId xmlns:a16="http://schemas.microsoft.com/office/drawing/2014/main" id="{E45D2600-6DCF-410D-AD2A-4B7246FD1A53}"/>
               </a:ext>
             </a:extLst>
           </p:cNvPr>
@@ -7548,8 +7609,8 @@
         </p:nvSpPr>
         <p:spPr>
           <a:xfrm>
-            <a:off x="11159100" y="5823751"/>
-            <a:ext cx="532660" cy="369332"/>
+            <a:off x="11160406" y="5783380"/>
+            <a:ext cx="639192" cy="369332"/>
           </a:xfrm>
           <a:prstGeom prst="rect">
             <a:avLst/>
@@ -7564,7 +7625,7 @@
           <a:p>
             <a:r>
               <a:rPr lang="en-US" dirty="0"/>
-              <a:t>4</a:t>
+              <a:t>2</a:t>
             </a:r>
             <a:endParaRPr lang="uk-UA" dirty="0"/>
           </a:p>
@@ -7573,7 +7634,213 @@
     </p:spTree>
     <p:extLst>
       <p:ext uri="{BB962C8B-B14F-4D97-AF65-F5344CB8AC3E}">
-        <p14:creationId xmlns:p14="http://schemas.microsoft.com/office/powerpoint/2010/main" val="3559707745"/>
+        <p14:creationId xmlns:p14="http://schemas.microsoft.com/office/powerpoint/2010/main" val="1766615315"/>
+      </p:ext>
+    </p:extLst>
+  </p:cSld>
+  <p:clrMapOvr>
+    <a:masterClrMapping/>
+  </p:clrMapOvr>
+</p:sld>
+</file>
+
+<file path=ppt/slides/slide5.xml><?xml version="1.0" encoding="utf-8"?>
+<p:sld xmlns:a="http://schemas.openxmlformats.org/drawingml/2006/main" xmlns:r="http://schemas.openxmlformats.org/officeDocument/2006/relationships" xmlns:p="http://schemas.openxmlformats.org/presentationml/2006/main">
+  <p:cSld>
+    <p:spTree>
+      <p:nvGrpSpPr>
+        <p:cNvPr id="1" name=""/>
+        <p:cNvGrpSpPr/>
+        <p:nvPr/>
+      </p:nvGrpSpPr>
+      <p:grpSpPr>
+        <a:xfrm>
+          <a:off x="0" y="0"/>
+          <a:ext cx="0" cy="0"/>
+          <a:chOff x="0" y="0"/>
+          <a:chExt cx="0" cy="0"/>
+        </a:xfrm>
+      </p:grpSpPr>
+      <p:sp>
+        <p:nvSpPr>
+          <p:cNvPr id="2" name="Заголовок 1">
+            <a:extLst>
+              <a:ext uri="{FF2B5EF4-FFF2-40B4-BE49-F238E27FC236}">
+                <a16:creationId xmlns:a16="http://schemas.microsoft.com/office/drawing/2014/main" id="{0EF6224D-D738-412E-B2A3-42917E5415C9}"/>
+              </a:ext>
+            </a:extLst>
+          </p:cNvPr>
+          <p:cNvSpPr>
+            <a:spLocks noGrp="1"/>
+          </p:cNvSpPr>
+          <p:nvPr>
+            <p:ph type="title"/>
+          </p:nvPr>
+        </p:nvSpPr>
+        <p:spPr>
+          <a:xfrm>
+            <a:off x="7191376" y="266700"/>
+            <a:ext cx="4038599" cy="1151965"/>
+          </a:xfrm>
+        </p:spPr>
+        <p:txBody>
+          <a:bodyPr>
+            <a:normAutofit/>
+          </a:bodyPr>
+          <a:lstStyle/>
+          <a:p>
+            <a:r>
+              <a:rPr lang="en-US" sz="3600" b="1" dirty="0">
+                <a:latin typeface="Calibri" panose="020F0502020204030204" pitchFamily="34" charset="0"/>
+                <a:cs typeface="Calibri" panose="020F0502020204030204" pitchFamily="34" charset="0"/>
+              </a:rPr>
+              <a:t>Use case diagram</a:t>
+            </a:r>
+            <a:endParaRPr lang="uk-UA" sz="3600" b="1" dirty="0">
+              <a:latin typeface="Calibri" panose="020F0502020204030204" pitchFamily="34" charset="0"/>
+              <a:cs typeface="Calibri" panose="020F0502020204030204" pitchFamily="34" charset="0"/>
+            </a:endParaRPr>
+          </a:p>
+        </p:txBody>
+      </p:sp>
+      <p:pic>
+        <p:nvPicPr>
+          <p:cNvPr id="5" name="Місце для вмісту 4">
+            <a:extLst>
+              <a:ext uri="{FF2B5EF4-FFF2-40B4-BE49-F238E27FC236}">
+                <a16:creationId xmlns:a16="http://schemas.microsoft.com/office/drawing/2014/main" id="{433DAB4D-E91C-4356-BF4A-32685E6CEE19}"/>
+              </a:ext>
+            </a:extLst>
+          </p:cNvPr>
+          <p:cNvPicPr>
+            <a:picLocks noGrp="1" noChangeAspect="1"/>
+          </p:cNvPicPr>
+          <p:nvPr>
+            <p:ph sz="quarter" idx="13"/>
+          </p:nvPr>
+        </p:nvPicPr>
+        <p:blipFill>
+          <a:blip r:embed="rId2"/>
+          <a:stretch>
+            <a:fillRect/>
+          </a:stretch>
+        </p:blipFill>
+        <p:spPr>
+          <a:xfrm>
+            <a:off x="119745" y="127837"/>
+            <a:ext cx="6395356" cy="5416423"/>
+          </a:xfrm>
+        </p:spPr>
+      </p:pic>
+      <p:sp>
+        <p:nvSpPr>
+          <p:cNvPr id="6" name="TextBox 5">
+            <a:extLst>
+              <a:ext uri="{FF2B5EF4-FFF2-40B4-BE49-F238E27FC236}">
+                <a16:creationId xmlns:a16="http://schemas.microsoft.com/office/drawing/2014/main" id="{8F04AD84-8741-47B7-ACF8-173C4BFEEE69}"/>
+              </a:ext>
+            </a:extLst>
+          </p:cNvPr>
+          <p:cNvSpPr txBox="1"/>
+          <p:nvPr/>
+        </p:nvSpPr>
+        <p:spPr>
+          <a:xfrm>
+            <a:off x="6891337" y="2367171"/>
+            <a:ext cx="4638675" cy="2123658"/>
+          </a:xfrm>
+          <a:prstGeom prst="rect">
+            <a:avLst/>
+          </a:prstGeom>
+          <a:noFill/>
+        </p:spPr>
+        <p:txBody>
+          <a:bodyPr wrap="square" rtlCol="0">
+            <a:spAutoFit/>
+          </a:bodyPr>
+          <a:lstStyle/>
+          <a:p>
+            <a:pPr marL="342900" indent="-342900">
+              <a:buFont typeface="Arial" panose="020B0604020202020204" pitchFamily="34" charset="0"/>
+              <a:buChar char="•"/>
+            </a:pPr>
+            <a:r>
+              <a:rPr lang="uk-UA" sz="2200" dirty="0">
+                <a:latin typeface="Calibri" panose="020F0502020204030204" pitchFamily="34" charset="0"/>
+                <a:cs typeface="Calibri" panose="020F0502020204030204" pitchFamily="34" charset="0"/>
+              </a:rPr>
+              <a:t>Користувач може вибрати будь яку вкладку.</a:t>
+            </a:r>
+            <a:endParaRPr lang="en-US" sz="2200" dirty="0">
+              <a:latin typeface="Calibri" panose="020F0502020204030204" pitchFamily="34" charset="0"/>
+              <a:cs typeface="Calibri" panose="020F0502020204030204" pitchFamily="34" charset="0"/>
+            </a:endParaRPr>
+          </a:p>
+          <a:p>
+            <a:pPr marL="342900" indent="-342900">
+              <a:buFont typeface="Arial" panose="020B0604020202020204" pitchFamily="34" charset="0"/>
+              <a:buChar char="•"/>
+            </a:pPr>
+            <a:endParaRPr lang="uk-UA" sz="2200" dirty="0">
+              <a:latin typeface="Calibri" panose="020F0502020204030204" pitchFamily="34" charset="0"/>
+              <a:cs typeface="Calibri" panose="020F0502020204030204" pitchFamily="34" charset="0"/>
+            </a:endParaRPr>
+          </a:p>
+          <a:p>
+            <a:pPr marL="342900" indent="-342900">
+              <a:buFont typeface="Arial" panose="020B0604020202020204" pitchFamily="34" charset="0"/>
+              <a:buChar char="•"/>
+            </a:pPr>
+            <a:r>
+              <a:rPr lang="uk-UA" sz="2200" dirty="0">
+                <a:latin typeface="Calibri" panose="020F0502020204030204" pitchFamily="34" charset="0"/>
+                <a:cs typeface="Calibri" panose="020F0502020204030204" pitchFamily="34" charset="0"/>
+              </a:rPr>
+              <a:t>Користувач може вибрати яку групу йому вибрати, який департамент чи курс.</a:t>
+            </a:r>
+          </a:p>
+        </p:txBody>
+      </p:sp>
+      <p:sp>
+        <p:nvSpPr>
+          <p:cNvPr id="8" name="TextBox 7">
+            <a:extLst>
+              <a:ext uri="{FF2B5EF4-FFF2-40B4-BE49-F238E27FC236}">
+                <a16:creationId xmlns:a16="http://schemas.microsoft.com/office/drawing/2014/main" id="{DD059782-EE95-46BE-B90B-6E06A6ADC5AF}"/>
+              </a:ext>
+            </a:extLst>
+          </p:cNvPr>
+          <p:cNvSpPr txBox="1"/>
+          <p:nvPr/>
+        </p:nvSpPr>
+        <p:spPr>
+          <a:xfrm>
+            <a:off x="11105965" y="5814874"/>
+            <a:ext cx="674703" cy="369332"/>
+          </a:xfrm>
+          <a:prstGeom prst="rect">
+            <a:avLst/>
+          </a:prstGeom>
+          <a:noFill/>
+        </p:spPr>
+        <p:txBody>
+          <a:bodyPr wrap="square" rtlCol="0">
+            <a:spAutoFit/>
+          </a:bodyPr>
+          <a:lstStyle/>
+          <a:p>
+            <a:r>
+              <a:rPr lang="en-US" dirty="0"/>
+              <a:t>3</a:t>
+            </a:r>
+            <a:endParaRPr lang="uk-UA" dirty="0"/>
+          </a:p>
+        </p:txBody>
+      </p:sp>
+    </p:spTree>
+    <p:extLst>
+      <p:ext uri="{BB962C8B-B14F-4D97-AF65-F5344CB8AC3E}">
+        <p14:creationId xmlns:p14="http://schemas.microsoft.com/office/powerpoint/2010/main" val="951223234"/>
       </p:ext>
     </p:extLst>
   </p:cSld>
@@ -7623,6 +7890,480 @@
       </p:grpSpPr>
       <p:sp>
         <p:nvSpPr>
+          <p:cNvPr id="2" name="Заголовок 1">
+            <a:extLst>
+              <a:ext uri="{FF2B5EF4-FFF2-40B4-BE49-F238E27FC236}">
+                <a16:creationId xmlns:a16="http://schemas.microsoft.com/office/drawing/2014/main" id="{0390C720-0D80-4DD2-95C1-8A94E0BE93C0}"/>
+              </a:ext>
+            </a:extLst>
+          </p:cNvPr>
+          <p:cNvSpPr>
+            <a:spLocks noGrp="1"/>
+          </p:cNvSpPr>
+          <p:nvPr>
+            <p:ph type="title"/>
+          </p:nvPr>
+        </p:nvSpPr>
+        <p:spPr>
+          <a:xfrm>
+            <a:off x="7823381" y="0"/>
+            <a:ext cx="3072869" cy="719179"/>
+          </a:xfrm>
+        </p:spPr>
+        <p:txBody>
+          <a:bodyPr>
+            <a:normAutofit/>
+          </a:bodyPr>
+          <a:lstStyle/>
+          <a:p>
+            <a:r>
+              <a:rPr lang="en-US" sz="3600" b="1" dirty="0" err="1">
+                <a:latin typeface="Calibri" panose="020F0502020204030204" pitchFamily="34" charset="0"/>
+                <a:cs typeface="Calibri" panose="020F0502020204030204" pitchFamily="34" charset="0"/>
+              </a:rPr>
+              <a:t>eR</a:t>
+            </a:r>
+            <a:r>
+              <a:rPr lang="en-US" sz="3600" b="1" dirty="0">
+                <a:latin typeface="Calibri" panose="020F0502020204030204" pitchFamily="34" charset="0"/>
+                <a:cs typeface="Calibri" panose="020F0502020204030204" pitchFamily="34" charset="0"/>
+              </a:rPr>
+              <a:t>-diagram</a:t>
+            </a:r>
+            <a:endParaRPr lang="uk-UA" sz="3600" b="1" dirty="0">
+              <a:latin typeface="Calibri" panose="020F0502020204030204" pitchFamily="34" charset="0"/>
+              <a:cs typeface="Calibri" panose="020F0502020204030204" pitchFamily="34" charset="0"/>
+            </a:endParaRPr>
+          </a:p>
+        </p:txBody>
+      </p:sp>
+      <p:sp>
+        <p:nvSpPr>
+          <p:cNvPr id="23" name="Rectangle 22">
+            <a:extLst>
+              <a:ext uri="{FF2B5EF4-FFF2-40B4-BE49-F238E27FC236}">
+                <a16:creationId xmlns:a16="http://schemas.microsoft.com/office/drawing/2014/main" id="{E390DA5B-5FEF-45C7-A12A-37BBEFC92A88}"/>
+              </a:ext>
+              <a:ext uri="{C183D7F6-B498-43B3-948B-1728B52AA6E4}">
+                <adec:decorative xmlns:adec="http://schemas.microsoft.com/office/drawing/2017/decorative" val="1"/>
+              </a:ext>
+            </a:extLst>
+          </p:cNvPr>
+          <p:cNvSpPr>
+            <a:spLocks noGrp="1" noRot="1" noChangeAspect="1" noMove="1" noResize="1" noEditPoints="1" noAdjustHandles="1" noChangeArrowheads="1" noChangeShapeType="1" noTextEdit="1"/>
+          </p:cNvSpPr>
+          <p:nvPr>
+            <p:extLst>
+              <p:ext uri="{386F3935-93C4-4BCD-93E2-E3B085C9AB24}">
+                <p16:designElem xmlns:p16="http://schemas.microsoft.com/office/powerpoint/2015/main" val="1"/>
+              </p:ext>
+            </p:extLst>
+          </p:nvPr>
+        </p:nvSpPr>
+        <p:spPr>
+          <a:xfrm>
+            <a:off x="500240" y="457200"/>
+            <a:ext cx="7045932" cy="4686138"/>
+          </a:xfrm>
+          <a:prstGeom prst="rect">
+            <a:avLst/>
+          </a:prstGeom>
+          <a:solidFill>
+            <a:schemeClr val="bg1"/>
+          </a:solidFill>
+          <a:ln w="57150" cmpd="thinThick">
+            <a:solidFill>
+              <a:schemeClr val="bg1">
+                <a:lumMod val="50000"/>
+              </a:schemeClr>
+            </a:solidFill>
+            <a:miter lim="800000"/>
+          </a:ln>
+        </p:spPr>
+        <p:style>
+          <a:lnRef idx="2">
+            <a:schemeClr val="accent1">
+              <a:shade val="50000"/>
+            </a:schemeClr>
+          </a:lnRef>
+          <a:fillRef idx="1">
+            <a:schemeClr val="accent1"/>
+          </a:fillRef>
+          <a:effectRef idx="0">
+            <a:schemeClr val="accent1"/>
+          </a:effectRef>
+          <a:fontRef idx="minor">
+            <a:schemeClr val="lt1"/>
+          </a:fontRef>
+        </p:style>
+        <p:txBody>
+          <a:bodyPr rtlCol="0" anchor="ctr"/>
+          <a:lstStyle/>
+          <a:p>
+            <a:pPr algn="ctr"/>
+            <a:endParaRPr lang="en-US"/>
+          </a:p>
+        </p:txBody>
+      </p:sp>
+      <p:pic>
+        <p:nvPicPr>
+          <p:cNvPr id="5" name="Місце для вмісту 4">
+            <a:extLst>
+              <a:ext uri="{FF2B5EF4-FFF2-40B4-BE49-F238E27FC236}">
+                <a16:creationId xmlns:a16="http://schemas.microsoft.com/office/drawing/2014/main" id="{52A3FB6B-12CD-47C6-A355-4072D4765E40}"/>
+              </a:ext>
+            </a:extLst>
+          </p:cNvPr>
+          <p:cNvPicPr>
+            <a:picLocks noChangeAspect="1"/>
+          </p:cNvPicPr>
+          <p:nvPr/>
+        </p:nvPicPr>
+        <p:blipFill>
+          <a:blip r:embed="rId3"/>
+          <a:stretch>
+            <a:fillRect/>
+          </a:stretch>
+        </p:blipFill>
+        <p:spPr>
+          <a:xfrm>
+            <a:off x="1109317" y="484808"/>
+            <a:ext cx="5853457" cy="4638864"/>
+          </a:xfrm>
+          <a:prstGeom prst="rect">
+            <a:avLst/>
+          </a:prstGeom>
+        </p:spPr>
+      </p:pic>
+      <p:sp>
+        <p:nvSpPr>
+          <p:cNvPr id="9" name="Content Placeholder 8">
+            <a:extLst>
+              <a:ext uri="{FF2B5EF4-FFF2-40B4-BE49-F238E27FC236}">
+                <a16:creationId xmlns:a16="http://schemas.microsoft.com/office/drawing/2014/main" id="{F841462E-E80C-734B-5D91-F6DF1DA9B395}"/>
+              </a:ext>
+            </a:extLst>
+          </p:cNvPr>
+          <p:cNvSpPr>
+            <a:spLocks noGrp="1"/>
+          </p:cNvSpPr>
+          <p:nvPr>
+            <p:ph sz="quarter" idx="13"/>
+          </p:nvPr>
+        </p:nvSpPr>
+        <p:spPr>
+          <a:xfrm>
+            <a:off x="7643543" y="569189"/>
+            <a:ext cx="3923930" cy="5166804"/>
+          </a:xfrm>
+        </p:spPr>
+        <p:txBody>
+          <a:bodyPr>
+            <a:noAutofit/>
+          </a:bodyPr>
+          <a:lstStyle/>
+          <a:p>
+            <a:pPr>
+              <a:lnSpc>
+                <a:spcPct val="100000"/>
+              </a:lnSpc>
+            </a:pPr>
+            <a:r>
+              <a:rPr lang="uk-UA" sz="2200" dirty="0">
+                <a:latin typeface="Calibri" panose="020F0502020204030204" pitchFamily="34" charset="0"/>
+                <a:cs typeface="Calibri" panose="020F0502020204030204" pitchFamily="34" charset="0"/>
+              </a:rPr>
+              <a:t>Діаграма складається з:</a:t>
+            </a:r>
+            <a:endParaRPr lang="en-US" sz="2200" dirty="0">
+              <a:latin typeface="Calibri" panose="020F0502020204030204" pitchFamily="34" charset="0"/>
+              <a:cs typeface="Calibri" panose="020F0502020204030204" pitchFamily="34" charset="0"/>
+            </a:endParaRPr>
+          </a:p>
+          <a:p>
+            <a:pPr marR="43815" algn="just">
+              <a:lnSpc>
+                <a:spcPct val="100000"/>
+              </a:lnSpc>
+            </a:pPr>
+            <a:r>
+              <a:rPr lang="uk-UA" sz="2200" dirty="0">
+                <a:solidFill>
+                  <a:srgbClr val="000000"/>
+                </a:solidFill>
+                <a:effectLst/>
+                <a:latin typeface="Calibri" panose="020F0502020204030204" pitchFamily="34" charset="0"/>
+                <a:ea typeface="Times New Roman" panose="02020603050405020304" pitchFamily="18" charset="0"/>
+                <a:cs typeface="Calibri" panose="020F0502020204030204" pitchFamily="34" charset="0"/>
+              </a:rPr>
+              <a:t>Студенти</a:t>
+            </a:r>
+          </a:p>
+          <a:p>
+            <a:pPr marR="43815" algn="just">
+              <a:lnSpc>
+                <a:spcPct val="100000"/>
+              </a:lnSpc>
+            </a:pPr>
+            <a:r>
+              <a:rPr lang="uk-UA" sz="2200" dirty="0">
+                <a:solidFill>
+                  <a:srgbClr val="000000"/>
+                </a:solidFill>
+                <a:effectLst/>
+                <a:latin typeface="Calibri" panose="020F0502020204030204" pitchFamily="34" charset="0"/>
+                <a:ea typeface="Times New Roman" panose="02020603050405020304" pitchFamily="18" charset="0"/>
+                <a:cs typeface="Calibri" panose="020F0502020204030204" pitchFamily="34" charset="0"/>
+              </a:rPr>
+              <a:t>Групи</a:t>
+            </a:r>
+          </a:p>
+          <a:p>
+            <a:pPr marR="43815" algn="just">
+              <a:lnSpc>
+                <a:spcPct val="100000"/>
+              </a:lnSpc>
+            </a:pPr>
+            <a:r>
+              <a:rPr lang="uk-UA" sz="2200" dirty="0">
+                <a:solidFill>
+                  <a:srgbClr val="000000"/>
+                </a:solidFill>
+                <a:effectLst/>
+                <a:latin typeface="Calibri" panose="020F0502020204030204" pitchFamily="34" charset="0"/>
+                <a:ea typeface="Times New Roman" panose="02020603050405020304" pitchFamily="18" charset="0"/>
+                <a:cs typeface="Calibri" panose="020F0502020204030204" pitchFamily="34" charset="0"/>
+              </a:rPr>
+              <a:t>Кафедри</a:t>
+            </a:r>
+          </a:p>
+          <a:p>
+            <a:pPr marR="43815" algn="just">
+              <a:lnSpc>
+                <a:spcPct val="100000"/>
+              </a:lnSpc>
+            </a:pPr>
+            <a:r>
+              <a:rPr lang="uk-UA" sz="2200" dirty="0">
+                <a:solidFill>
+                  <a:srgbClr val="000000"/>
+                </a:solidFill>
+                <a:effectLst/>
+                <a:latin typeface="Calibri" panose="020F0502020204030204" pitchFamily="34" charset="0"/>
+                <a:ea typeface="Times New Roman" panose="02020603050405020304" pitchFamily="18" charset="0"/>
+                <a:cs typeface="Calibri" panose="020F0502020204030204" pitchFamily="34" charset="0"/>
+              </a:rPr>
+              <a:t>Викладачі</a:t>
+            </a:r>
+          </a:p>
+          <a:p>
+            <a:pPr marR="43815" algn="just">
+              <a:lnSpc>
+                <a:spcPct val="100000"/>
+              </a:lnSpc>
+            </a:pPr>
+            <a:r>
+              <a:rPr lang="uk-UA" sz="2200" dirty="0">
+                <a:solidFill>
+                  <a:srgbClr val="000000"/>
+                </a:solidFill>
+                <a:effectLst/>
+                <a:latin typeface="Calibri" panose="020F0502020204030204" pitchFamily="34" charset="0"/>
+                <a:ea typeface="Times New Roman" panose="02020603050405020304" pitchFamily="18" charset="0"/>
+                <a:cs typeface="Calibri" panose="020F0502020204030204" pitchFamily="34" charset="0"/>
+              </a:rPr>
+              <a:t>Журнал пропусків</a:t>
+            </a:r>
+          </a:p>
+          <a:p>
+            <a:pPr marR="43815" algn="just">
+              <a:lnSpc>
+                <a:spcPct val="100000"/>
+              </a:lnSpc>
+            </a:pPr>
+            <a:r>
+              <a:rPr lang="uk-UA" sz="2200" dirty="0">
+                <a:solidFill>
+                  <a:srgbClr val="000000"/>
+                </a:solidFill>
+                <a:effectLst/>
+                <a:latin typeface="Calibri" panose="020F0502020204030204" pitchFamily="34" charset="0"/>
+                <a:ea typeface="Times New Roman" panose="02020603050405020304" pitchFamily="18" charset="0"/>
+                <a:cs typeface="Calibri" panose="020F0502020204030204" pitchFamily="34" charset="0"/>
+              </a:rPr>
+              <a:t>Навчальний план</a:t>
+            </a:r>
+          </a:p>
+          <a:p>
+            <a:pPr marR="43815" algn="just">
+              <a:lnSpc>
+                <a:spcPct val="100000"/>
+              </a:lnSpc>
+            </a:pPr>
+            <a:r>
+              <a:rPr lang="uk-UA" sz="2200" dirty="0">
+                <a:solidFill>
+                  <a:srgbClr val="000000"/>
+                </a:solidFill>
+                <a:effectLst/>
+                <a:latin typeface="Calibri" panose="020F0502020204030204" pitchFamily="34" charset="0"/>
+                <a:ea typeface="Times New Roman" panose="02020603050405020304" pitchFamily="18" charset="0"/>
+                <a:cs typeface="Calibri" panose="020F0502020204030204" pitchFamily="34" charset="0"/>
+              </a:rPr>
+              <a:t>Розклад</a:t>
+            </a:r>
+          </a:p>
+          <a:p>
+            <a:pPr marR="43815" algn="just">
+              <a:lnSpc>
+                <a:spcPct val="100000"/>
+              </a:lnSpc>
+            </a:pPr>
+            <a:r>
+              <a:rPr lang="uk-UA" sz="2200" dirty="0">
+                <a:solidFill>
+                  <a:srgbClr val="000000"/>
+                </a:solidFill>
+                <a:effectLst/>
+                <a:latin typeface="Calibri" panose="020F0502020204030204" pitchFamily="34" charset="0"/>
+                <a:ea typeface="Times New Roman" panose="02020603050405020304" pitchFamily="18" charset="0"/>
+                <a:cs typeface="Calibri" panose="020F0502020204030204" pitchFamily="34" charset="0"/>
+              </a:rPr>
+              <a:t>Електронний журнал</a:t>
+            </a:r>
+          </a:p>
+          <a:p>
+            <a:pPr marR="43815" algn="just">
+              <a:lnSpc>
+                <a:spcPct val="100000"/>
+              </a:lnSpc>
+            </a:pPr>
+            <a:r>
+              <a:rPr lang="uk-UA" sz="2200" dirty="0">
+                <a:solidFill>
+                  <a:srgbClr val="000000"/>
+                </a:solidFill>
+                <a:effectLst/>
+                <a:latin typeface="Calibri" panose="020F0502020204030204" pitchFamily="34" charset="0"/>
+                <a:ea typeface="Times New Roman" panose="02020603050405020304" pitchFamily="18" charset="0"/>
+                <a:cs typeface="Calibri" panose="020F0502020204030204" pitchFamily="34" charset="0"/>
+              </a:rPr>
+              <a:t>Курси</a:t>
+            </a:r>
+          </a:p>
+          <a:p>
+            <a:pPr marR="43815" algn="just">
+              <a:lnSpc>
+                <a:spcPct val="100000"/>
+              </a:lnSpc>
+              <a:spcAft>
+                <a:spcPts val="535"/>
+              </a:spcAft>
+            </a:pPr>
+            <a:r>
+              <a:rPr lang="uk-UA" sz="2200" dirty="0">
+                <a:solidFill>
+                  <a:srgbClr val="000000"/>
+                </a:solidFill>
+                <a:effectLst/>
+                <a:latin typeface="Calibri" panose="020F0502020204030204" pitchFamily="34" charset="0"/>
+                <a:ea typeface="Times New Roman" panose="02020603050405020304" pitchFamily="18" charset="0"/>
+                <a:cs typeface="Calibri" panose="020F0502020204030204" pitchFamily="34" charset="0"/>
+              </a:rPr>
+              <a:t>Предмети</a:t>
+            </a:r>
+          </a:p>
+        </p:txBody>
+      </p:sp>
+      <p:sp>
+        <p:nvSpPr>
+          <p:cNvPr id="6" name="TextBox 5">
+            <a:extLst>
+              <a:ext uri="{FF2B5EF4-FFF2-40B4-BE49-F238E27FC236}">
+                <a16:creationId xmlns:a16="http://schemas.microsoft.com/office/drawing/2014/main" id="{37A664BF-8437-4C7D-B126-C7837CE6B0AF}"/>
+              </a:ext>
+            </a:extLst>
+          </p:cNvPr>
+          <p:cNvSpPr txBox="1"/>
+          <p:nvPr/>
+        </p:nvSpPr>
+        <p:spPr>
+          <a:xfrm>
+            <a:off x="11159100" y="5823751"/>
+            <a:ext cx="532660" cy="369332"/>
+          </a:xfrm>
+          <a:prstGeom prst="rect">
+            <a:avLst/>
+          </a:prstGeom>
+          <a:noFill/>
+        </p:spPr>
+        <p:txBody>
+          <a:bodyPr wrap="square" rtlCol="0">
+            <a:spAutoFit/>
+          </a:bodyPr>
+          <a:lstStyle/>
+          <a:p>
+            <a:r>
+              <a:rPr lang="en-US" dirty="0"/>
+              <a:t>4</a:t>
+            </a:r>
+            <a:endParaRPr lang="uk-UA" dirty="0"/>
+          </a:p>
+        </p:txBody>
+      </p:sp>
+    </p:spTree>
+    <p:extLst>
+      <p:ext uri="{BB962C8B-B14F-4D97-AF65-F5344CB8AC3E}">
+        <p14:creationId xmlns:p14="http://schemas.microsoft.com/office/powerpoint/2010/main" val="3559707745"/>
+      </p:ext>
+    </p:extLst>
+  </p:cSld>
+  <p:clrMapOvr>
+    <a:masterClrMapping/>
+  </p:clrMapOvr>
+</p:sld>
+</file>
+
+<file path=ppt/slides/slide7.xml><?xml version="1.0" encoding="utf-8"?>
+<p:sld xmlns:a="http://schemas.openxmlformats.org/drawingml/2006/main" xmlns:r="http://schemas.openxmlformats.org/officeDocument/2006/relationships" xmlns:p="http://schemas.openxmlformats.org/presentationml/2006/main">
+  <p:cSld>
+    <p:bg>
+      <p:bgPr>
+        <a:blipFill>
+          <a:blip r:embed="rId2">
+            <a:duotone>
+              <a:schemeClr val="bg1">
+                <a:shade val="48000"/>
+                <a:satMod val="110000"/>
+                <a:lumMod val="40000"/>
+              </a:schemeClr>
+              <a:schemeClr val="bg1">
+                <a:tint val="90000"/>
+                <a:lumMod val="106000"/>
+              </a:schemeClr>
+            </a:duotone>
+          </a:blip>
+          <a:stretch/>
+        </a:blipFill>
+        <a:effectLst/>
+      </p:bgPr>
+    </p:bg>
+    <p:spTree>
+      <p:nvGrpSpPr>
+        <p:cNvPr id="1" name=""/>
+        <p:cNvGrpSpPr/>
+        <p:nvPr/>
+      </p:nvGrpSpPr>
+      <p:grpSpPr>
+        <a:xfrm>
+          <a:off x="0" y="0"/>
+          <a:ext cx="0" cy="0"/>
+          <a:chOff x="0" y="0"/>
+          <a:chExt cx="0" cy="0"/>
+        </a:xfrm>
+      </p:grpSpPr>
+      <p:sp>
+        <p:nvSpPr>
           <p:cNvPr id="39" name="Rectangle 38">
             <a:extLst>
               <a:ext uri="{FF2B5EF4-FFF2-40B4-BE49-F238E27FC236}">
@@ -8038,9 +8779,30 @@
 </p:sld>
 </file>
 
-<file path=ppt/slides/slide7.xml><?xml version="1.0" encoding="utf-8"?>
+<file path=ppt/slides/slide8.xml><?xml version="1.0" encoding="utf-8"?>
 <p:sld xmlns:a="http://schemas.openxmlformats.org/drawingml/2006/main" xmlns:r="http://schemas.openxmlformats.org/officeDocument/2006/relationships" xmlns:p="http://schemas.openxmlformats.org/presentationml/2006/main">
   <p:cSld>
+    <p:bg>
+      <p:bgPr>
+        <a:blipFill>
+          <a:blip r:embed="rId2">
+            <a:duotone>
+              <a:schemeClr val="bg1">
+                <a:shade val="48000"/>
+                <a:satMod val="110000"/>
+                <a:lumMod val="40000"/>
+              </a:schemeClr>
+              <a:schemeClr val="bg1">
+                <a:tint val="90000"/>
+                <a:lumMod val="106000"/>
+              </a:schemeClr>
+            </a:duotone>
+          </a:blip>
+          <a:stretch/>
+        </a:blipFill>
+        <a:effectLst/>
+      </p:bgPr>
+    </p:bg>
     <p:spTree>
       <p:nvGrpSpPr>
         <p:cNvPr id="1" name=""/>
@@ -8055,12 +8817,640 @@
           <a:chExt cx="0" cy="0"/>
         </a:xfrm>
       </p:grpSpPr>
+      <p:pic>
+        <p:nvPicPr>
+          <p:cNvPr id="50" name="Picture 36">
+            <a:extLst>
+              <a:ext uri="{FF2B5EF4-FFF2-40B4-BE49-F238E27FC236}">
+                <a16:creationId xmlns:a16="http://schemas.microsoft.com/office/drawing/2014/main" id="{56C9FEF2-571A-41A4-8458-15ECC27E9184}"/>
+              </a:ext>
+              <a:ext uri="{C183D7F6-B498-43B3-948B-1728B52AA6E4}">
+                <adec:decorative xmlns:adec="http://schemas.microsoft.com/office/drawing/2017/decorative" val="1"/>
+              </a:ext>
+            </a:extLst>
+          </p:cNvPr>
+          <p:cNvPicPr>
+            <a:picLocks noGrp="1" noRot="1" noChangeAspect="1" noMove="1" noResize="1" noEditPoints="1" noAdjustHandles="1" noChangeArrowheads="1" noChangeShapeType="1" noCrop="1"/>
+          </p:cNvPicPr>
+          <p:nvPr>
+            <p:extLst>
+              <p:ext uri="{386F3935-93C4-4BCD-93E2-E3B085C9AB24}">
+                <p16:designElem xmlns:p16="http://schemas.microsoft.com/office/powerpoint/2015/main" val="1"/>
+              </p:ext>
+            </p:extLst>
+          </p:nvPr>
+        </p:nvPicPr>
+        <p:blipFill>
+          <a:blip r:embed="rId3">
+            <a:extLst>
+              <a:ext uri="{28A0092B-C50C-407E-A947-70E740481C1C}">
+                <a14:useLocalDpi xmlns:a14="http://schemas.microsoft.com/office/drawing/2010/main" val="0"/>
+              </a:ext>
+            </a:extLst>
+          </a:blip>
+          <a:stretch>
+            <a:fillRect/>
+          </a:stretch>
+        </p:blipFill>
+        <p:spPr>
+          <a:xfrm>
+            <a:off x="0" y="0"/>
+            <a:ext cx="12192000" cy="6858000"/>
+          </a:xfrm>
+          <a:prstGeom prst="rect">
+            <a:avLst/>
+          </a:prstGeom>
+        </p:spPr>
+      </p:pic>
+      <p:sp useBgFill="1">
+        <p:nvSpPr>
+          <p:cNvPr id="52" name="Freeform 11">
+            <a:extLst>
+              <a:ext uri="{FF2B5EF4-FFF2-40B4-BE49-F238E27FC236}">
+                <a16:creationId xmlns:a16="http://schemas.microsoft.com/office/drawing/2014/main" id="{32218886-CF96-4B72-B065-A5D51EE39774}"/>
+              </a:ext>
+              <a:ext uri="{C183D7F6-B498-43B3-948B-1728B52AA6E4}">
+                <adec:decorative xmlns:adec="http://schemas.microsoft.com/office/drawing/2017/decorative" val="1"/>
+              </a:ext>
+            </a:extLst>
+          </p:cNvPr>
+          <p:cNvSpPr>
+            <a:spLocks noGrp="1" noRot="1" noChangeAspect="1" noMove="1" noResize="1" noEditPoints="1" noAdjustHandles="1" noChangeArrowheads="1" noChangeShapeType="1" noTextEdit="1"/>
+          </p:cNvSpPr>
+          <p:nvPr>
+            <p:extLst>
+              <p:ext uri="{386F3935-93C4-4BCD-93E2-E3B085C9AB24}">
+                <p16:designElem xmlns:p16="http://schemas.microsoft.com/office/powerpoint/2015/main" val="1"/>
+              </p:ext>
+            </p:extLst>
+          </p:nvPr>
+        </p:nvSpPr>
+        <p:spPr>
+          <a:xfrm>
+            <a:off x="-15875" y="0"/>
+            <a:ext cx="11683810" cy="6588125"/>
+          </a:xfrm>
+          <a:custGeom>
+            <a:avLst/>
+            <a:gdLst/>
+            <a:ahLst/>
+            <a:cxnLst/>
+            <a:rect l="l" t="t" r="r" b="b"/>
+            <a:pathLst>
+              <a:path w="11683810" h="6588125">
+                <a:moveTo>
+                  <a:pt x="0" y="0"/>
+                </a:moveTo>
+                <a:lnTo>
+                  <a:pt x="11318691" y="0"/>
+                </a:lnTo>
+                <a:lnTo>
+                  <a:pt x="11683810" y="5976938"/>
+                </a:lnTo>
+                <a:lnTo>
+                  <a:pt x="15875" y="6588125"/>
+                </a:lnTo>
+                <a:cubicBezTo>
+                  <a:pt x="10583" y="4386792"/>
+                  <a:pt x="5292" y="2185458"/>
+                  <a:pt x="0" y="0"/>
+                </a:cubicBezTo>
+                <a:close/>
+              </a:path>
+            </a:pathLst>
+          </a:custGeom>
+          <a:ln>
+            <a:noFill/>
+          </a:ln>
+          <a:effectLst>
+            <a:outerShdw blurRad="101600" dist="152400" dir="4380000" algn="tl" rotWithShape="0">
+              <a:srgbClr val="000000">
+                <a:alpha val="43000"/>
+              </a:srgbClr>
+            </a:outerShdw>
+          </a:effectLst>
+        </p:spPr>
+        <p:style>
+          <a:lnRef idx="1">
+            <a:schemeClr val="accent1"/>
+          </a:lnRef>
+          <a:fillRef idx="3">
+            <a:schemeClr val="accent1"/>
+          </a:fillRef>
+          <a:effectRef idx="2">
+            <a:schemeClr val="accent1"/>
+          </a:effectRef>
+          <a:fontRef idx="minor">
+            <a:schemeClr val="lt1"/>
+          </a:fontRef>
+        </p:style>
+      </p:sp>
+      <p:sp>
+        <p:nvSpPr>
+          <p:cNvPr id="54" name="Freeform 13">
+            <a:extLst>
+              <a:ext uri="{FF2B5EF4-FFF2-40B4-BE49-F238E27FC236}">
+                <a16:creationId xmlns:a16="http://schemas.microsoft.com/office/drawing/2014/main" id="{B3045C5E-93FA-407D-BEA7-12245A36F28B}"/>
+              </a:ext>
+              <a:ext uri="{C183D7F6-B498-43B3-948B-1728B52AA6E4}">
+                <adec:decorative xmlns:adec="http://schemas.microsoft.com/office/drawing/2017/decorative" val="1"/>
+              </a:ext>
+            </a:extLst>
+          </p:cNvPr>
+          <p:cNvSpPr>
+            <a:spLocks noGrp="1" noRot="1" noChangeAspect="1" noMove="1" noResize="1" noEditPoints="1" noAdjustHandles="1" noChangeArrowheads="1" noChangeShapeType="1" noTextEdit="1"/>
+          </p:cNvSpPr>
+          <p:nvPr>
+            <p:extLst>
+              <p:ext uri="{386F3935-93C4-4BCD-93E2-E3B085C9AB24}">
+                <p16:designElem xmlns:p16="http://schemas.microsoft.com/office/powerpoint/2015/main" val="1"/>
+              </p:ext>
+            </p:extLst>
+          </p:nvPr>
+        </p:nvSpPr>
+        <p:spPr>
+          <a:xfrm>
+            <a:off x="0" y="4282257"/>
+            <a:ext cx="11329257" cy="2028845"/>
+          </a:xfrm>
+          <a:custGeom>
+            <a:avLst/>
+            <a:gdLst/>
+            <a:ahLst/>
+            <a:cxnLst/>
+            <a:rect l="l" t="t" r="r" b="b"/>
+            <a:pathLst>
+              <a:path w="11329257" h="2028845">
+                <a:moveTo>
+                  <a:pt x="0" y="588520"/>
+                </a:moveTo>
+                <a:lnTo>
+                  <a:pt x="11244075" y="0"/>
+                </a:lnTo>
+                <a:lnTo>
+                  <a:pt x="11329257" y="1424838"/>
+                </a:lnTo>
+                <a:lnTo>
+                  <a:pt x="0" y="2028845"/>
+                </a:lnTo>
+                <a:lnTo>
+                  <a:pt x="0" y="588520"/>
+                </a:lnTo>
+                <a:close/>
+              </a:path>
+            </a:pathLst>
+          </a:custGeom>
+          <a:gradFill flip="none" rotWithShape="1">
+            <a:gsLst>
+              <a:gs pos="34000">
+                <a:schemeClr val="accent1"/>
+              </a:gs>
+              <a:gs pos="100000">
+                <a:schemeClr val="accent1">
+                  <a:lumMod val="50000"/>
+                </a:schemeClr>
+              </a:gs>
+            </a:gsLst>
+            <a:path path="circle">
+              <a:fillToRect l="50000" t="50000" r="50000" b="50000"/>
+            </a:path>
+            <a:tileRect/>
+          </a:gradFill>
+          <a:ln>
+            <a:noFill/>
+          </a:ln>
+        </p:spPr>
+        <p:style>
+          <a:lnRef idx="1">
+            <a:schemeClr val="accent1"/>
+          </a:lnRef>
+          <a:fillRef idx="3">
+            <a:schemeClr val="accent1"/>
+          </a:fillRef>
+          <a:effectRef idx="2">
+            <a:schemeClr val="accent1"/>
+          </a:effectRef>
+          <a:fontRef idx="minor">
+            <a:schemeClr val="lt1"/>
+          </a:fontRef>
+        </p:style>
+      </p:sp>
+      <p:sp>
+        <p:nvSpPr>
+          <p:cNvPr id="56" name="Freeform 25">
+            <a:extLst>
+              <a:ext uri="{FF2B5EF4-FFF2-40B4-BE49-F238E27FC236}">
+                <a16:creationId xmlns:a16="http://schemas.microsoft.com/office/drawing/2014/main" id="{3F0B046C-B5DA-47B6-8BB1-4722F4291591}"/>
+              </a:ext>
+              <a:ext uri="{C183D7F6-B498-43B3-948B-1728B52AA6E4}">
+                <adec:decorative xmlns:adec="http://schemas.microsoft.com/office/drawing/2017/decorative" val="1"/>
+              </a:ext>
+            </a:extLst>
+          </p:cNvPr>
+          <p:cNvSpPr>
+            <a:spLocks noGrp="1" noRot="1" noChangeAspect="1" noMove="1" noResize="1" noEditPoints="1" noAdjustHandles="1" noChangeArrowheads="1" noChangeShapeType="1" noTextEdit="1"/>
+          </p:cNvSpPr>
+          <p:nvPr>
+            <p:extLst>
+              <p:ext uri="{386F3935-93C4-4BCD-93E2-E3B085C9AB24}">
+                <p16:designElem xmlns:p16="http://schemas.microsoft.com/office/powerpoint/2015/main" val="1"/>
+              </p:ext>
+            </p:extLst>
+          </p:nvPr>
+        </p:nvSpPr>
+        <p:spPr>
+          <a:xfrm>
+            <a:off x="0" y="0"/>
+            <a:ext cx="8719579" cy="456877"/>
+          </a:xfrm>
+          <a:custGeom>
+            <a:avLst/>
+            <a:gdLst/>
+            <a:ahLst/>
+            <a:cxnLst/>
+            <a:rect l="l" t="t" r="r" b="b"/>
+            <a:pathLst>
+              <a:path w="8719579" h="456877">
+                <a:moveTo>
+                  <a:pt x="0" y="0"/>
+                </a:moveTo>
+                <a:lnTo>
+                  <a:pt x="8719579" y="0"/>
+                </a:lnTo>
+                <a:lnTo>
+                  <a:pt x="0" y="456877"/>
+                </a:lnTo>
+                <a:lnTo>
+                  <a:pt x="0" y="0"/>
+                </a:lnTo>
+                <a:close/>
+              </a:path>
+            </a:pathLst>
+          </a:custGeom>
+          <a:gradFill flip="none" rotWithShape="1">
+            <a:gsLst>
+              <a:gs pos="34000">
+                <a:schemeClr val="accent1"/>
+              </a:gs>
+              <a:gs pos="100000">
+                <a:schemeClr val="accent1">
+                  <a:lumMod val="50000"/>
+                </a:schemeClr>
+              </a:gs>
+            </a:gsLst>
+            <a:path path="circle">
+              <a:fillToRect l="50000" t="50000" r="50000" b="50000"/>
+            </a:path>
+            <a:tileRect/>
+          </a:gradFill>
+          <a:ln>
+            <a:noFill/>
+          </a:ln>
+        </p:spPr>
+        <p:style>
+          <a:lnRef idx="1">
+            <a:schemeClr val="accent1"/>
+          </a:lnRef>
+          <a:fillRef idx="3">
+            <a:schemeClr val="accent1"/>
+          </a:fillRef>
+          <a:effectRef idx="2">
+            <a:schemeClr val="accent1"/>
+          </a:effectRef>
+          <a:fontRef idx="minor">
+            <a:schemeClr val="lt1"/>
+          </a:fontRef>
+        </p:style>
+      </p:sp>
+      <p:sp>
+        <p:nvSpPr>
+          <p:cNvPr id="58" name="Freeform 14">
+            <a:extLst>
+              <a:ext uri="{FF2B5EF4-FFF2-40B4-BE49-F238E27FC236}">
+                <a16:creationId xmlns:a16="http://schemas.microsoft.com/office/drawing/2014/main" id="{5EE9E735-E260-432D-810C-BC6BEF5B1483}"/>
+              </a:ext>
+              <a:ext uri="{C183D7F6-B498-43B3-948B-1728B52AA6E4}">
+                <adec:decorative xmlns:adec="http://schemas.microsoft.com/office/drawing/2017/decorative" val="1"/>
+              </a:ext>
+            </a:extLst>
+          </p:cNvPr>
+          <p:cNvSpPr>
+            <a:spLocks noGrp="1" noRot="1" noChangeAspect="1" noMove="1" noResize="1" noEditPoints="1" noAdjustHandles="1" noChangeArrowheads="1" noChangeShapeType="1" noTextEdit="1"/>
+          </p:cNvSpPr>
+          <p:nvPr>
+            <p:extLst>
+              <p:ext uri="{386F3935-93C4-4BCD-93E2-E3B085C9AB24}">
+                <p16:designElem xmlns:p16="http://schemas.microsoft.com/office/powerpoint/2015/main" val="1"/>
+              </p:ext>
+            </p:extLst>
+          </p:nvPr>
+        </p:nvSpPr>
+        <p:spPr>
+          <a:xfrm rot="21420000">
+            <a:off x="-161800" y="293317"/>
+            <a:ext cx="11367116" cy="5751804"/>
+          </a:xfrm>
+          <a:custGeom>
+            <a:avLst/>
+            <a:gdLst/>
+            <a:ahLst/>
+            <a:cxnLst/>
+            <a:rect l="l" t="t" r="r" b="b"/>
+            <a:pathLst>
+              <a:path w="11367116" h="5751804">
+                <a:moveTo>
+                  <a:pt x="11346705" y="0"/>
+                </a:moveTo>
+                <a:cubicBezTo>
+                  <a:pt x="11353509" y="1915114"/>
+                  <a:pt x="11360312" y="3830229"/>
+                  <a:pt x="11367116" y="5745343"/>
+                </a:cubicBezTo>
+                <a:lnTo>
+                  <a:pt x="0" y="5751804"/>
+                </a:lnTo>
+              </a:path>
+            </a:pathLst>
+          </a:custGeom>
+          <a:ln w="82550">
+            <a:solidFill>
+              <a:schemeClr val="tx1">
+                <a:lumMod val="50000"/>
+                <a:lumOff val="50000"/>
+              </a:schemeClr>
+            </a:solidFill>
+            <a:miter lim="800000"/>
+          </a:ln>
+        </p:spPr>
+        <p:style>
+          <a:lnRef idx="2">
+            <a:schemeClr val="accent1"/>
+          </a:lnRef>
+          <a:fillRef idx="0">
+            <a:schemeClr val="accent1"/>
+          </a:fillRef>
+          <a:effectRef idx="1">
+            <a:schemeClr val="accent1"/>
+          </a:effectRef>
+          <a:fontRef idx="minor">
+            <a:schemeClr val="tx1"/>
+          </a:fontRef>
+        </p:style>
+      </p:sp>
+      <p:sp>
+        <p:nvSpPr>
+          <p:cNvPr id="60" name="5-Point Star 24">
+            <a:extLst>
+              <a:ext uri="{FF2B5EF4-FFF2-40B4-BE49-F238E27FC236}">
+                <a16:creationId xmlns:a16="http://schemas.microsoft.com/office/drawing/2014/main" id="{C35962A4-FCC1-47E8-9B3F-3C2739C0DA76}"/>
+              </a:ext>
+              <a:ext uri="{C183D7F6-B498-43B3-948B-1728B52AA6E4}">
+                <adec:decorative xmlns:adec="http://schemas.microsoft.com/office/drawing/2017/decorative" val="1"/>
+              </a:ext>
+            </a:extLst>
+          </p:cNvPr>
+          <p:cNvSpPr>
+            <a:spLocks noGrp="1" noRot="1" noChangeAspect="1" noMove="1" noResize="1" noEditPoints="1" noAdjustHandles="1" noChangeArrowheads="1" noChangeShapeType="1" noTextEdit="1"/>
+          </p:cNvSpPr>
+          <p:nvPr>
+            <p:extLst>
+              <p:ext uri="{386F3935-93C4-4BCD-93E2-E3B085C9AB24}">
+                <p16:designElem xmlns:p16="http://schemas.microsoft.com/office/powerpoint/2015/main" val="1"/>
+              </p:ext>
+            </p:extLst>
+          </p:nvPr>
+        </p:nvSpPr>
+        <p:spPr>
+          <a:xfrm rot="21420000">
+            <a:off x="4221385" y="5111356"/>
+            <a:ext cx="515386" cy="515386"/>
+          </a:xfrm>
+          <a:prstGeom prst="star5">
+            <a:avLst>
+              <a:gd name="adj" fmla="val 26693"/>
+              <a:gd name="hf" fmla="val 105146"/>
+              <a:gd name="vf" fmla="val 110557"/>
+            </a:avLst>
+          </a:prstGeom>
+          <a:solidFill>
+            <a:schemeClr val="accent1">
+              <a:lumMod val="60000"/>
+              <a:lumOff val="40000"/>
+              <a:alpha val="50000"/>
+            </a:schemeClr>
+          </a:solidFill>
+          <a:ln>
+            <a:noFill/>
+          </a:ln>
+        </p:spPr>
+        <p:style>
+          <a:lnRef idx="1">
+            <a:schemeClr val="accent1"/>
+          </a:lnRef>
+          <a:fillRef idx="3">
+            <a:schemeClr val="accent1"/>
+          </a:fillRef>
+          <a:effectRef idx="2">
+            <a:schemeClr val="accent1"/>
+          </a:effectRef>
+          <a:fontRef idx="minor">
+            <a:schemeClr val="lt1"/>
+          </a:fontRef>
+        </p:style>
+      </p:sp>
+      <p:pic>
+        <p:nvPicPr>
+          <p:cNvPr id="49" name="Picture 48">
+            <a:extLst>
+              <a:ext uri="{FF2B5EF4-FFF2-40B4-BE49-F238E27FC236}">
+                <a16:creationId xmlns:a16="http://schemas.microsoft.com/office/drawing/2014/main" id="{FF48019B-E2E7-4CFB-A6DC-09441C213329}"/>
+              </a:ext>
+              <a:ext uri="{C183D7F6-B498-43B3-948B-1728B52AA6E4}">
+                <adec:decorative xmlns:adec="http://schemas.microsoft.com/office/drawing/2017/decorative" val="1"/>
+              </a:ext>
+            </a:extLst>
+          </p:cNvPr>
+          <p:cNvPicPr>
+            <a:picLocks noGrp="1" noRot="1" noChangeAspect="1" noMove="1" noResize="1" noEditPoints="1" noAdjustHandles="1" noChangeArrowheads="1" noChangeShapeType="1" noCrop="1"/>
+          </p:cNvPicPr>
+          <p:nvPr>
+            <p:extLst>
+              <p:ext uri="{386F3935-93C4-4BCD-93E2-E3B085C9AB24}">
+                <p16:designElem xmlns:p16="http://schemas.microsoft.com/office/powerpoint/2015/main" val="1"/>
+              </p:ext>
+            </p:extLst>
+          </p:nvPr>
+        </p:nvPicPr>
+        <p:blipFill>
+          <a:blip r:embed="rId3">
+            <a:extLst>
+              <a:ext uri="{28A0092B-C50C-407E-A947-70E740481C1C}">
+                <a14:useLocalDpi xmlns:a14="http://schemas.microsoft.com/office/drawing/2010/main" val="0"/>
+              </a:ext>
+            </a:extLst>
+          </a:blip>
+          <a:stretch>
+            <a:fillRect/>
+          </a:stretch>
+        </p:blipFill>
+        <p:spPr>
+          <a:xfrm>
+            <a:off x="0" y="0"/>
+            <a:ext cx="12192000" cy="6858000"/>
+          </a:xfrm>
+          <a:prstGeom prst="rect">
+            <a:avLst/>
+          </a:prstGeom>
+        </p:spPr>
+      </p:pic>
+      <p:sp useBgFill="1">
+        <p:nvSpPr>
+          <p:cNvPr id="51" name="Rectangle 50">
+            <a:extLst>
+              <a:ext uri="{FF2B5EF4-FFF2-40B4-BE49-F238E27FC236}">
+                <a16:creationId xmlns:a16="http://schemas.microsoft.com/office/drawing/2014/main" id="{59CAFCCC-31DC-4DAE-82B5-5595D2B60ECE}"/>
+              </a:ext>
+              <a:ext uri="{C183D7F6-B498-43B3-948B-1728B52AA6E4}">
+                <adec:decorative xmlns:adec="http://schemas.microsoft.com/office/drawing/2017/decorative" val="1"/>
+              </a:ext>
+            </a:extLst>
+          </p:cNvPr>
+          <p:cNvSpPr>
+            <a:spLocks noGrp="1" noRot="1" noChangeAspect="1" noMove="1" noResize="1" noEditPoints="1" noAdjustHandles="1" noChangeArrowheads="1" noChangeShapeType="1" noTextEdit="1"/>
+          </p:cNvSpPr>
+          <p:nvPr>
+            <p:extLst>
+              <p:ext uri="{386F3935-93C4-4BCD-93E2-E3B085C9AB24}">
+                <p16:designElem xmlns:p16="http://schemas.microsoft.com/office/powerpoint/2015/main" val="1"/>
+              </p:ext>
+            </p:extLst>
+          </p:nvPr>
+        </p:nvSpPr>
+        <p:spPr>
+          <a:xfrm>
+            <a:off x="0" y="0"/>
+            <a:ext cx="5636666" cy="6858000"/>
+          </a:xfrm>
+          <a:prstGeom prst="rect">
+            <a:avLst/>
+          </a:prstGeom>
+          <a:ln>
+            <a:noFill/>
+          </a:ln>
+          <a:effectLst>
+            <a:outerShdw blurRad="50800" dist="38100" algn="l" rotWithShape="0">
+              <a:prstClr val="black">
+                <a:alpha val="40000"/>
+              </a:prstClr>
+            </a:outerShdw>
+          </a:effectLst>
+        </p:spPr>
+        <p:style>
+          <a:lnRef idx="2">
+            <a:schemeClr val="accent1">
+              <a:shade val="50000"/>
+            </a:schemeClr>
+          </a:lnRef>
+          <a:fillRef idx="1">
+            <a:schemeClr val="accent1"/>
+          </a:fillRef>
+          <a:effectRef idx="0">
+            <a:schemeClr val="accent1"/>
+          </a:effectRef>
+          <a:fontRef idx="minor">
+            <a:schemeClr val="lt1"/>
+          </a:fontRef>
+        </p:style>
+        <p:txBody>
+          <a:bodyPr rtlCol="0" anchor="ctr"/>
+          <a:lstStyle/>
+          <a:p>
+            <a:pPr algn="ctr"/>
+            <a:endParaRPr lang="en-US"/>
+          </a:p>
+        </p:txBody>
+      </p:sp>
+      <p:sp>
+        <p:nvSpPr>
+          <p:cNvPr id="53" name="Freeform 5">
+            <a:extLst>
+              <a:ext uri="{FF2B5EF4-FFF2-40B4-BE49-F238E27FC236}">
+                <a16:creationId xmlns:a16="http://schemas.microsoft.com/office/drawing/2014/main" id="{4DAA766E-8B60-438F-BC33-1F432B72F37C}"/>
+              </a:ext>
+              <a:ext uri="{C183D7F6-B498-43B3-948B-1728B52AA6E4}">
+                <adec:decorative xmlns:adec="http://schemas.microsoft.com/office/drawing/2017/decorative" val="1"/>
+              </a:ext>
+            </a:extLst>
+          </p:cNvPr>
+          <p:cNvSpPr>
+            <a:spLocks noGrp="1" noRot="1" noChangeAspect="1" noMove="1" noResize="1" noEditPoints="1" noAdjustHandles="1" noChangeArrowheads="1" noChangeShapeType="1" noTextEdit="1"/>
+          </p:cNvSpPr>
+          <p:nvPr>
+            <p:extLst>
+              <p:ext uri="{386F3935-93C4-4BCD-93E2-E3B085C9AB24}">
+                <p16:designElem xmlns:p16="http://schemas.microsoft.com/office/powerpoint/2015/main" val="1"/>
+              </p:ext>
+            </p:extLst>
+          </p:nvPr>
+        </p:nvSpPr>
+        <p:spPr>
+          <a:xfrm>
+            <a:off x="-18904" y="0"/>
+            <a:ext cx="5308097" cy="6576643"/>
+          </a:xfrm>
+          <a:custGeom>
+            <a:avLst/>
+            <a:gdLst/>
+            <a:ahLst/>
+            <a:cxnLst/>
+            <a:rect l="l" t="t" r="r" b="b"/>
+            <a:pathLst>
+              <a:path w="11367116" h="5751804">
+                <a:moveTo>
+                  <a:pt x="11346705" y="0"/>
+                </a:moveTo>
+                <a:cubicBezTo>
+                  <a:pt x="11353509" y="1915114"/>
+                  <a:pt x="11360312" y="3830229"/>
+                  <a:pt x="11367116" y="5745343"/>
+                </a:cubicBezTo>
+                <a:lnTo>
+                  <a:pt x="0" y="5751804"/>
+                </a:lnTo>
+              </a:path>
+            </a:pathLst>
+          </a:custGeom>
+          <a:ln w="82550">
+            <a:solidFill>
+              <a:schemeClr val="tx1">
+                <a:lumMod val="50000"/>
+                <a:lumOff val="50000"/>
+              </a:schemeClr>
+            </a:solidFill>
+            <a:miter lim="800000"/>
+          </a:ln>
+        </p:spPr>
+        <p:style>
+          <a:lnRef idx="2">
+            <a:schemeClr val="accent1"/>
+          </a:lnRef>
+          <a:fillRef idx="0">
+            <a:schemeClr val="accent1"/>
+          </a:fillRef>
+          <a:effectRef idx="1">
+            <a:schemeClr val="accent1"/>
+          </a:effectRef>
+          <a:fontRef idx="minor">
+            <a:schemeClr val="tx1"/>
+          </a:fontRef>
+        </p:style>
+      </p:sp>
       <p:sp>
         <p:nvSpPr>
           <p:cNvPr id="2" name="Заголовок 1">
             <a:extLst>
               <a:ext uri="{FF2B5EF4-FFF2-40B4-BE49-F238E27FC236}">
-                <a16:creationId xmlns:a16="http://schemas.microsoft.com/office/drawing/2014/main" id="{AAF0C129-9FE6-4F57-90A9-E99F3A7A896A}"/>
+                <a16:creationId xmlns:a16="http://schemas.microsoft.com/office/drawing/2014/main" id="{2DC02DBC-B282-4A02-AD46-64DC1CBEDB15}"/>
               </a:ext>
             </a:extLst>
           </p:cNvPr>
@@ -8073,234 +9463,279 @@
         </p:nvSpPr>
         <p:spPr>
           <a:xfrm>
-            <a:off x="683625" y="109817"/>
-            <a:ext cx="10396882" cy="1151965"/>
-          </a:xfrm>
-        </p:spPr>
-        <p:txBody>
-          <a:bodyPr>
+            <a:off x="417430" y="352461"/>
+            <a:ext cx="4078370" cy="996161"/>
+          </a:xfrm>
+        </p:spPr>
+        <p:txBody>
+          <a:bodyPr vert="horz" lIns="91440" tIns="45720" rIns="91440" bIns="45720" rtlCol="0" anchor="b">
             <a:normAutofit/>
           </a:bodyPr>
           <a:lstStyle/>
           <a:p>
-            <a:r>
-              <a:rPr lang="uk-UA" sz="3600" b="1" dirty="0">
+            <a:pPr algn="r"/>
+            <a:r>
+              <a:rPr lang="en-US" sz="3600" dirty="0">
                 <a:latin typeface="Calibri" panose="020F0502020204030204" pitchFamily="34" charset="0"/>
                 <a:cs typeface="Calibri" panose="020F0502020204030204" pitchFamily="34" charset="0"/>
               </a:rPr>
-              <a:t>Висновок</a:t>
-            </a:r>
-          </a:p>
-        </p:txBody>
-      </p:sp>
-      <p:sp>
-        <p:nvSpPr>
-          <p:cNvPr id="3" name="Місце для вмісту 2">
+              <a:t>SQL-</a:t>
+            </a:r>
+            <a:r>
+              <a:rPr lang="en-US" sz="3600" dirty="0" err="1">
+                <a:latin typeface="Calibri" panose="020F0502020204030204" pitchFamily="34" charset="0"/>
+                <a:cs typeface="Calibri" panose="020F0502020204030204" pitchFamily="34" charset="0"/>
+              </a:rPr>
+              <a:t>запит</a:t>
+            </a:r>
+            <a:endParaRPr lang="en-US" sz="3600" dirty="0">
+              <a:latin typeface="Calibri" panose="020F0502020204030204" pitchFamily="34" charset="0"/>
+              <a:cs typeface="Calibri" panose="020F0502020204030204" pitchFamily="34" charset="0"/>
+            </a:endParaRPr>
+          </a:p>
+        </p:txBody>
+      </p:sp>
+      <p:sp>
+        <p:nvSpPr>
+          <p:cNvPr id="55" name="Rectangle 54">
             <a:extLst>
               <a:ext uri="{FF2B5EF4-FFF2-40B4-BE49-F238E27FC236}">
-                <a16:creationId xmlns:a16="http://schemas.microsoft.com/office/drawing/2014/main" id="{19D54E25-2EBD-4DF8-BBE0-5A0E791E8867}"/>
+                <a16:creationId xmlns:a16="http://schemas.microsoft.com/office/drawing/2014/main" id="{89FEC5BA-7EFD-4158-BA8C-2BC672629824}"/>
+              </a:ext>
+              <a:ext uri="{C183D7F6-B498-43B3-948B-1728B52AA6E4}">
+                <adec:decorative xmlns:adec="http://schemas.microsoft.com/office/drawing/2017/decorative" val="1"/>
               </a:ext>
             </a:extLst>
           </p:cNvPr>
           <p:cNvSpPr>
-            <a:spLocks noGrp="1"/>
-          </p:cNvSpPr>
-          <p:nvPr>
-            <p:ph sz="quarter" idx="13"/>
-          </p:nvPr>
-        </p:nvSpPr>
-        <p:spPr>
-          <a:xfrm>
-            <a:off x="683626" y="1526959"/>
-            <a:ext cx="10396882" cy="4275909"/>
-          </a:xfrm>
-        </p:spPr>
-        <p:txBody>
-          <a:bodyPr>
-            <a:noAutofit/>
-          </a:bodyPr>
-          <a:lstStyle/>
-          <a:p>
-            <a:pPr marL="6350" marR="43815" indent="449580" algn="just">
-              <a:lnSpc>
-                <a:spcPct val="100000"/>
-              </a:lnSpc>
-              <a:spcAft>
-                <a:spcPts val="535"/>
-              </a:spcAft>
-            </a:pPr>
-            <a:r>
-              <a:rPr lang="uk-UA" sz="2200" dirty="0">
-                <a:solidFill>
-                  <a:srgbClr val="000000"/>
-                </a:solidFill>
-                <a:effectLst/>
-                <a:latin typeface="Calibri" panose="020F0502020204030204" pitchFamily="34" charset="0"/>
-                <a:ea typeface="Times New Roman" panose="02020603050405020304" pitchFamily="18" charset="0"/>
-                <a:cs typeface="Calibri" panose="020F0502020204030204" pitchFamily="34" charset="0"/>
-              </a:rPr>
-              <a:t>Під час виконання проектної роботи ми ознайомилися з ASP.NET, закріпили навички з мови програмування С#. Навчилися застосовувати </a:t>
-            </a:r>
-            <a:r>
-              <a:rPr lang="uk-UA" sz="2200" dirty="0" err="1">
-                <a:solidFill>
-                  <a:srgbClr val="000000"/>
-                </a:solidFill>
-                <a:effectLst/>
-                <a:latin typeface="Calibri" panose="020F0502020204030204" pitchFamily="34" charset="0"/>
-                <a:ea typeface="Times New Roman" panose="02020603050405020304" pitchFamily="18" charset="0"/>
-                <a:cs typeface="Calibri" panose="020F0502020204030204" pitchFamily="34" charset="0"/>
-              </a:rPr>
-              <a:t>MySQL</a:t>
-            </a:r>
-            <a:r>
-              <a:rPr lang="uk-UA" sz="2200" dirty="0">
-                <a:solidFill>
-                  <a:srgbClr val="000000"/>
-                </a:solidFill>
-                <a:effectLst/>
-                <a:latin typeface="Calibri" panose="020F0502020204030204" pitchFamily="34" charset="0"/>
-                <a:ea typeface="Times New Roman" panose="02020603050405020304" pitchFamily="18" charset="0"/>
-                <a:cs typeface="Calibri" panose="020F0502020204030204" pitchFamily="34" charset="0"/>
-              </a:rPr>
-              <a:t> та створювати бази даних. А точніше створення таблиці, з’єднання таблиць, заповнення таблиць та підключати бази до проекту.</a:t>
-            </a:r>
-          </a:p>
-          <a:p>
-            <a:pPr marL="6350" marR="43815" indent="449580" algn="just">
-              <a:lnSpc>
-                <a:spcPct val="100000"/>
-              </a:lnSpc>
-              <a:spcAft>
-                <a:spcPts val="535"/>
-              </a:spcAft>
-            </a:pPr>
-            <a:r>
-              <a:rPr lang="uk-UA" sz="2200" dirty="0">
-                <a:solidFill>
-                  <a:srgbClr val="000000"/>
-                </a:solidFill>
-                <a:effectLst/>
-                <a:latin typeface="Calibri" panose="020F0502020204030204" pitchFamily="34" charset="0"/>
-                <a:ea typeface="Times New Roman" panose="02020603050405020304" pitchFamily="18" charset="0"/>
-                <a:cs typeface="Calibri" panose="020F0502020204030204" pitchFamily="34" charset="0"/>
-              </a:rPr>
-              <a:t>Під час написання проекту були створена модель, контекст даних, контролер та представлення (</a:t>
-            </a:r>
-            <a:r>
-              <a:rPr lang="uk-UA" sz="2200" dirty="0" err="1">
-                <a:solidFill>
-                  <a:srgbClr val="000000"/>
-                </a:solidFill>
-                <a:effectLst/>
-                <a:latin typeface="Calibri" panose="020F0502020204030204" pitchFamily="34" charset="0"/>
-                <a:ea typeface="Times New Roman" panose="02020603050405020304" pitchFamily="18" charset="0"/>
-                <a:cs typeface="Calibri" panose="020F0502020204030204" pitchFamily="34" charset="0"/>
-              </a:rPr>
-              <a:t>views</a:t>
-            </a:r>
-            <a:r>
-              <a:rPr lang="uk-UA" sz="2200" dirty="0">
-                <a:solidFill>
-                  <a:srgbClr val="000000"/>
-                </a:solidFill>
-                <a:effectLst/>
-                <a:latin typeface="Calibri" panose="020F0502020204030204" pitchFamily="34" charset="0"/>
-                <a:ea typeface="Times New Roman" panose="02020603050405020304" pitchFamily="18" charset="0"/>
-                <a:cs typeface="Calibri" panose="020F0502020204030204" pitchFamily="34" charset="0"/>
-              </a:rPr>
-              <a:t>). Кожен із них відповідає за свою часину в сайті.</a:t>
-            </a:r>
-          </a:p>
-          <a:p>
-            <a:pPr marL="6350" marR="43815" indent="449580" algn="just">
-              <a:lnSpc>
-                <a:spcPct val="100000"/>
-              </a:lnSpc>
-              <a:spcAft>
-                <a:spcPts val="535"/>
-              </a:spcAft>
-            </a:pPr>
-            <a:r>
-              <a:rPr lang="uk-UA" sz="2200" dirty="0">
-                <a:solidFill>
-                  <a:srgbClr val="000000"/>
-                </a:solidFill>
-                <a:effectLst/>
-                <a:latin typeface="Calibri" panose="020F0502020204030204" pitchFamily="34" charset="0"/>
-                <a:ea typeface="Times New Roman" panose="02020603050405020304" pitchFamily="18" charset="0"/>
-                <a:cs typeface="Calibri" panose="020F0502020204030204" pitchFamily="34" charset="0"/>
-              </a:rPr>
-              <a:t>Під кінець роботи з проектом ми закріпили багато різних знань та навичок які допоможуть нам в майбутньому, а саме в написанні та розробці власних застосувань в середовищі </a:t>
-            </a:r>
-            <a:r>
-              <a:rPr lang="uk-UA" sz="2200" dirty="0" err="1">
-                <a:solidFill>
-                  <a:srgbClr val="000000"/>
-                </a:solidFill>
-                <a:effectLst/>
-                <a:latin typeface="Calibri" panose="020F0502020204030204" pitchFamily="34" charset="0"/>
-                <a:ea typeface="Times New Roman" panose="02020603050405020304" pitchFamily="18" charset="0"/>
-                <a:cs typeface="Calibri" panose="020F0502020204030204" pitchFamily="34" charset="0"/>
-              </a:rPr>
-              <a:t>Visual</a:t>
-            </a:r>
-            <a:r>
-              <a:rPr lang="uk-UA" sz="2200" dirty="0">
-                <a:solidFill>
-                  <a:srgbClr val="000000"/>
-                </a:solidFill>
-                <a:effectLst/>
-                <a:latin typeface="Calibri" panose="020F0502020204030204" pitchFamily="34" charset="0"/>
-                <a:ea typeface="Times New Roman" panose="02020603050405020304" pitchFamily="18" charset="0"/>
-                <a:cs typeface="Calibri" panose="020F0502020204030204" pitchFamily="34" charset="0"/>
-              </a:rPr>
-              <a:t> </a:t>
-            </a:r>
-            <a:r>
-              <a:rPr lang="uk-UA" sz="2200" dirty="0" err="1">
-                <a:solidFill>
-                  <a:srgbClr val="000000"/>
-                </a:solidFill>
-                <a:effectLst/>
-                <a:latin typeface="Calibri" panose="020F0502020204030204" pitchFamily="34" charset="0"/>
-                <a:ea typeface="Times New Roman" panose="02020603050405020304" pitchFamily="18" charset="0"/>
-                <a:cs typeface="Calibri" panose="020F0502020204030204" pitchFamily="34" charset="0"/>
-              </a:rPr>
-              <a:t>Studio</a:t>
-            </a:r>
-            <a:r>
-              <a:rPr lang="uk-UA" sz="2200" dirty="0">
-                <a:solidFill>
-                  <a:srgbClr val="000000"/>
-                </a:solidFill>
-                <a:effectLst/>
-                <a:latin typeface="Calibri" panose="020F0502020204030204" pitchFamily="34" charset="0"/>
-                <a:ea typeface="Times New Roman" panose="02020603050405020304" pitchFamily="18" charset="0"/>
-                <a:cs typeface="Calibri" panose="020F0502020204030204" pitchFamily="34" charset="0"/>
-              </a:rPr>
-              <a:t>.</a:t>
-            </a:r>
-          </a:p>
-          <a:p>
-            <a:pPr>
-              <a:lnSpc>
-                <a:spcPct val="100000"/>
-              </a:lnSpc>
-            </a:pPr>
-            <a:endParaRPr lang="uk-UA" sz="2200" dirty="0">
-              <a:latin typeface="Calibri" panose="020F0502020204030204" pitchFamily="34" charset="0"/>
-              <a:cs typeface="Calibri" panose="020F0502020204030204" pitchFamily="34" charset="0"/>
-            </a:endParaRPr>
-          </a:p>
-        </p:txBody>
-      </p:sp>
-      <p:sp>
-        <p:nvSpPr>
-          <p:cNvPr id="4" name="TextBox 3">
+            <a:spLocks noGrp="1" noRot="1" noChangeAspect="1" noMove="1" noResize="1" noEditPoints="1" noAdjustHandles="1" noChangeArrowheads="1" noChangeShapeType="1" noTextEdit="1"/>
+          </p:cNvSpPr>
+          <p:nvPr>
+            <p:extLst>
+              <p:ext uri="{386F3935-93C4-4BCD-93E2-E3B085C9AB24}">
+                <p16:designElem xmlns:p16="http://schemas.microsoft.com/office/powerpoint/2015/main" val="1"/>
+              </p:ext>
+            </p:extLst>
+          </p:nvPr>
+        </p:nvSpPr>
+        <p:spPr>
+          <a:xfrm>
+            <a:off x="-10162" y="0"/>
+            <a:ext cx="5255022" cy="226225"/>
+          </a:xfrm>
+          <a:prstGeom prst="rect">
+            <a:avLst/>
+          </a:prstGeom>
+          <a:gradFill flip="none" rotWithShape="1">
+            <a:gsLst>
+              <a:gs pos="34000">
+                <a:schemeClr val="accent1"/>
+              </a:gs>
+              <a:gs pos="100000">
+                <a:schemeClr val="accent1">
+                  <a:lumMod val="50000"/>
+                </a:schemeClr>
+              </a:gs>
+            </a:gsLst>
+            <a:path path="circle">
+              <a:fillToRect l="50000" t="50000" r="50000" b="50000"/>
+            </a:path>
+            <a:tileRect/>
+          </a:gradFill>
+          <a:ln>
+            <a:noFill/>
+          </a:ln>
+        </p:spPr>
+        <p:style>
+          <a:lnRef idx="1">
+            <a:schemeClr val="accent1"/>
+          </a:lnRef>
+          <a:fillRef idx="3">
+            <a:schemeClr val="accent1"/>
+          </a:fillRef>
+          <a:effectRef idx="2">
+            <a:schemeClr val="accent1"/>
+          </a:effectRef>
+          <a:fontRef idx="minor">
+            <a:schemeClr val="lt1"/>
+          </a:fontRef>
+        </p:style>
+      </p:sp>
+      <p:sp>
+        <p:nvSpPr>
+          <p:cNvPr id="57" name="Rectangle 56">
             <a:extLst>
               <a:ext uri="{FF2B5EF4-FFF2-40B4-BE49-F238E27FC236}">
-                <a16:creationId xmlns:a16="http://schemas.microsoft.com/office/drawing/2014/main" id="{45BC6E36-A9B5-452E-BC9F-A9B2BE0C139F}"/>
+                <a16:creationId xmlns:a16="http://schemas.microsoft.com/office/drawing/2014/main" id="{31570CAD-FC56-46B2-8244-32846802191B}"/>
+              </a:ext>
+              <a:ext uri="{C183D7F6-B498-43B3-948B-1728B52AA6E4}">
+                <adec:decorative xmlns:adec="http://schemas.microsoft.com/office/drawing/2017/decorative" val="1"/>
+              </a:ext>
+            </a:extLst>
+          </p:cNvPr>
+          <p:cNvSpPr>
+            <a:spLocks noGrp="1" noRot="1" noChangeAspect="1" noMove="1" noResize="1" noEditPoints="1" noAdjustHandles="1" noChangeArrowheads="1" noChangeShapeType="1" noTextEdit="1"/>
+          </p:cNvSpPr>
+          <p:nvPr>
+            <p:extLst>
+              <p:ext uri="{386F3935-93C4-4BCD-93E2-E3B085C9AB24}">
+                <p16:designElem xmlns:p16="http://schemas.microsoft.com/office/powerpoint/2015/main" val="1"/>
+              </p:ext>
+            </p:extLst>
+          </p:nvPr>
+        </p:nvSpPr>
+        <p:spPr>
+          <a:xfrm>
+            <a:off x="-10162" y="5752622"/>
+            <a:ext cx="5256685" cy="780581"/>
+          </a:xfrm>
+          <a:prstGeom prst="rect">
+            <a:avLst/>
+          </a:prstGeom>
+          <a:gradFill flip="none" rotWithShape="1">
+            <a:gsLst>
+              <a:gs pos="34000">
+                <a:schemeClr val="accent1"/>
+              </a:gs>
+              <a:gs pos="100000">
+                <a:schemeClr val="accent1">
+                  <a:lumMod val="50000"/>
+                </a:schemeClr>
+              </a:gs>
+            </a:gsLst>
+            <a:path path="circle">
+              <a:fillToRect l="50000" t="50000" r="50000" b="50000"/>
+            </a:path>
+            <a:tileRect/>
+          </a:gradFill>
+          <a:ln>
+            <a:noFill/>
+          </a:ln>
+        </p:spPr>
+        <p:style>
+          <a:lnRef idx="1">
+            <a:schemeClr val="accent1"/>
+          </a:lnRef>
+          <a:fillRef idx="3">
+            <a:schemeClr val="accent1"/>
+          </a:fillRef>
+          <a:effectRef idx="2">
+            <a:schemeClr val="accent1"/>
+          </a:effectRef>
+          <a:fontRef idx="minor">
+            <a:schemeClr val="lt1"/>
+          </a:fontRef>
+        </p:style>
+      </p:sp>
+      <p:sp>
+        <p:nvSpPr>
+          <p:cNvPr id="59" name="Rectangle 58">
+            <a:extLst>
+              <a:ext uri="{FF2B5EF4-FFF2-40B4-BE49-F238E27FC236}">
+                <a16:creationId xmlns:a16="http://schemas.microsoft.com/office/drawing/2014/main" id="{C0E8A866-203B-4593-8421-E6E7604B915B}"/>
+              </a:ext>
+              <a:ext uri="{C183D7F6-B498-43B3-948B-1728B52AA6E4}">
+                <adec:decorative xmlns:adec="http://schemas.microsoft.com/office/drawing/2017/decorative" val="1"/>
+              </a:ext>
+            </a:extLst>
+          </p:cNvPr>
+          <p:cNvSpPr>
+            <a:spLocks noGrp="1" noRot="1" noChangeAspect="1" noMove="1" noResize="1" noEditPoints="1" noAdjustHandles="1" noChangeArrowheads="1" noChangeShapeType="1" noTextEdit="1"/>
+          </p:cNvSpPr>
+          <p:nvPr>
+            <p:extLst>
+              <p:ext uri="{386F3935-93C4-4BCD-93E2-E3B085C9AB24}">
+                <p16:designElem xmlns:p16="http://schemas.microsoft.com/office/powerpoint/2015/main" val="1"/>
+              </p:ext>
+            </p:extLst>
+          </p:nvPr>
+        </p:nvSpPr>
+        <p:spPr>
+          <a:xfrm>
+            <a:off x="6094412" y="450792"/>
+            <a:ext cx="5634294" cy="5950008"/>
+          </a:xfrm>
+          <a:prstGeom prst="rect">
+            <a:avLst/>
+          </a:prstGeom>
+          <a:solidFill>
+            <a:schemeClr val="bg1"/>
+          </a:solidFill>
+          <a:ln w="57150" cmpd="thinThick">
+            <a:noFill/>
+            <a:miter lim="800000"/>
+          </a:ln>
+          <a:effectLst>
+            <a:outerShdw blurRad="63500" sx="102000" sy="102000" algn="ctr" rotWithShape="0">
+              <a:prstClr val="black">
+                <a:alpha val="40000"/>
+              </a:prstClr>
+            </a:outerShdw>
+          </a:effectLst>
+        </p:spPr>
+        <p:style>
+          <a:lnRef idx="2">
+            <a:schemeClr val="accent1">
+              <a:shade val="50000"/>
+            </a:schemeClr>
+          </a:lnRef>
+          <a:fillRef idx="1">
+            <a:schemeClr val="accent1"/>
+          </a:fillRef>
+          <a:effectRef idx="0">
+            <a:schemeClr val="accent1"/>
+          </a:effectRef>
+          <a:fontRef idx="minor">
+            <a:schemeClr val="lt1"/>
+          </a:fontRef>
+        </p:style>
+        <p:txBody>
+          <a:bodyPr rtlCol="0" anchor="ctr"/>
+          <a:lstStyle/>
+          <a:p>
+            <a:pPr algn="ctr"/>
+            <a:endParaRPr lang="en-US"/>
+          </a:p>
+        </p:txBody>
+      </p:sp>
+      <p:pic>
+        <p:nvPicPr>
+          <p:cNvPr id="5" name="Місце для вмісту 4">
+            <a:extLst>
+              <a:ext uri="{FF2B5EF4-FFF2-40B4-BE49-F238E27FC236}">
+                <a16:creationId xmlns:a16="http://schemas.microsoft.com/office/drawing/2014/main" id="{BC6336C7-433A-430D-B21D-85A8646D06EB}"/>
+              </a:ext>
+            </a:extLst>
+          </p:cNvPr>
+          <p:cNvPicPr>
+            <a:picLocks noGrp="1" noChangeAspect="1"/>
+          </p:cNvPicPr>
+          <p:nvPr>
+            <p:ph sz="quarter" idx="13"/>
+          </p:nvPr>
+        </p:nvPicPr>
+        <p:blipFill>
+          <a:blip r:embed="rId4"/>
+          <a:stretch>
+            <a:fillRect/>
+          </a:stretch>
+        </p:blipFill>
+        <p:spPr>
+          <a:xfrm>
+            <a:off x="6772275" y="519088"/>
+            <a:ext cx="4286250" cy="5811865"/>
+          </a:xfrm>
+          <a:prstGeom prst="rect">
+            <a:avLst/>
+          </a:prstGeom>
+        </p:spPr>
+      </p:pic>
+      <p:sp>
+        <p:nvSpPr>
+          <p:cNvPr id="7" name="TextBox 6">
+            <a:extLst>
+              <a:ext uri="{FF2B5EF4-FFF2-40B4-BE49-F238E27FC236}">
+                <a16:creationId xmlns:a16="http://schemas.microsoft.com/office/drawing/2014/main" id="{840C84BF-ECBD-4E36-B79E-27DD35DF3102}"/>
               </a:ext>
             </a:extLst>
           </p:cNvPr>
@@ -8309,8 +9744,8 @@
         </p:nvSpPr>
         <p:spPr>
           <a:xfrm>
-            <a:off x="11080507" y="5802868"/>
-            <a:ext cx="584751" cy="369332"/>
+            <a:off x="314325" y="1524000"/>
+            <a:ext cx="4724400" cy="1785104"/>
           </a:xfrm>
           <a:prstGeom prst="rect">
             <a:avLst/>
@@ -8323,18 +9758,965 @@
           </a:bodyPr>
           <a:lstStyle/>
           <a:p>
-            <a:r>
-              <a:rPr lang="en-US" dirty="0"/>
-              <a:t>6</a:t>
-            </a:r>
-            <a:endParaRPr lang="uk-UA" dirty="0"/>
+            <a:pPr marL="285750" indent="-285750">
+              <a:buFont typeface="Arial" panose="020B0604020202020204" pitchFamily="34" charset="0"/>
+              <a:buChar char="•"/>
+            </a:pPr>
+            <a:r>
+              <a:rPr lang="uk-UA" sz="2200" dirty="0">
+                <a:latin typeface="Calibri" panose="020F0502020204030204" pitchFamily="34" charset="0"/>
+                <a:cs typeface="Calibri" panose="020F0502020204030204" pitchFamily="34" charset="0"/>
+              </a:rPr>
+              <a:t>Підключення до моделі через контролер</a:t>
+            </a:r>
+          </a:p>
+          <a:p>
+            <a:pPr marL="285750" indent="-285750">
+              <a:buFont typeface="Arial" panose="020B0604020202020204" pitchFamily="34" charset="0"/>
+              <a:buChar char="•"/>
+            </a:pPr>
+            <a:r>
+              <a:rPr lang="uk-UA" sz="2200" dirty="0">
+                <a:latin typeface="Calibri" panose="020F0502020204030204" pitchFamily="34" charset="0"/>
+                <a:cs typeface="Calibri" panose="020F0502020204030204" pitchFamily="34" charset="0"/>
+              </a:rPr>
+              <a:t>Створюємо колекцію </a:t>
+            </a:r>
+            <a:r>
+              <a:rPr lang="uk-UA" sz="2200" dirty="0" err="1">
+                <a:latin typeface="Calibri" panose="020F0502020204030204" pitchFamily="34" charset="0"/>
+                <a:cs typeface="Calibri" panose="020F0502020204030204" pitchFamily="34" charset="0"/>
+              </a:rPr>
+              <a:t>лістів</a:t>
+            </a:r>
+            <a:r>
+              <a:rPr lang="uk-UA" sz="2200" dirty="0">
+                <a:latin typeface="Calibri" panose="020F0502020204030204" pitchFamily="34" charset="0"/>
+                <a:cs typeface="Calibri" panose="020F0502020204030204" pitchFamily="34" charset="0"/>
+              </a:rPr>
+              <a:t> і за допомогою </a:t>
+            </a:r>
+            <a:r>
+              <a:rPr lang="en-US" sz="2200" dirty="0">
+                <a:latin typeface="Calibri" panose="020F0502020204030204" pitchFamily="34" charset="0"/>
+                <a:cs typeface="Calibri" panose="020F0502020204030204" pitchFamily="34" charset="0"/>
+              </a:rPr>
+              <a:t>.NET</a:t>
+            </a:r>
+            <a:r>
+              <a:rPr lang="ru-RU" sz="2200" dirty="0">
+                <a:latin typeface="Calibri" panose="020F0502020204030204" pitchFamily="34" charset="0"/>
+                <a:cs typeface="Calibri" panose="020F0502020204030204" pitchFamily="34" charset="0"/>
+              </a:rPr>
+              <a:t> запита </a:t>
+            </a:r>
+            <a:r>
+              <a:rPr lang="ru-RU" sz="2200" dirty="0" err="1">
+                <a:latin typeface="Calibri" panose="020F0502020204030204" pitchFamily="34" charset="0"/>
+                <a:cs typeface="Calibri" panose="020F0502020204030204" pitchFamily="34" charset="0"/>
+              </a:rPr>
+              <a:t>заповнюємо</a:t>
+            </a:r>
+            <a:r>
+              <a:rPr lang="ru-RU" sz="2200" dirty="0">
+                <a:latin typeface="Calibri" panose="020F0502020204030204" pitchFamily="34" charset="0"/>
+                <a:cs typeface="Calibri" panose="020F0502020204030204" pitchFamily="34" charset="0"/>
+              </a:rPr>
+              <a:t> </a:t>
+            </a:r>
+            <a:r>
+              <a:rPr lang="ru-RU" sz="2200" dirty="0" err="1">
+                <a:latin typeface="Calibri" panose="020F0502020204030204" pitchFamily="34" charset="0"/>
+                <a:cs typeface="Calibri" panose="020F0502020204030204" pitchFamily="34" charset="0"/>
+              </a:rPr>
+              <a:t>данними</a:t>
+            </a:r>
+            <a:r>
+              <a:rPr lang="ru-RU" sz="2200" dirty="0">
+                <a:latin typeface="Calibri" panose="020F0502020204030204" pitchFamily="34" charset="0"/>
+                <a:cs typeface="Calibri" panose="020F0502020204030204" pitchFamily="34" charset="0"/>
+              </a:rPr>
+              <a:t> </a:t>
+            </a:r>
+            <a:r>
+              <a:rPr lang="ru-RU" sz="2200" dirty="0" err="1">
+                <a:latin typeface="Calibri" panose="020F0502020204030204" pitchFamily="34" charset="0"/>
+                <a:cs typeface="Calibri" panose="020F0502020204030204" pitchFamily="34" charset="0"/>
+              </a:rPr>
+              <a:t>лісти</a:t>
+            </a:r>
+            <a:r>
+              <a:rPr lang="en-US" sz="2200" dirty="0">
+                <a:latin typeface="Calibri" panose="020F0502020204030204" pitchFamily="34" charset="0"/>
+                <a:cs typeface="Calibri" panose="020F0502020204030204" pitchFamily="34" charset="0"/>
+              </a:rPr>
+              <a:t>&lt;string&gt;</a:t>
+            </a:r>
+            <a:endParaRPr lang="uk-UA" sz="2200" dirty="0">
+              <a:latin typeface="Calibri" panose="020F0502020204030204" pitchFamily="34" charset="0"/>
+              <a:cs typeface="Calibri" panose="020F0502020204030204" pitchFamily="34" charset="0"/>
+            </a:endParaRPr>
           </a:p>
         </p:txBody>
       </p:sp>
     </p:spTree>
     <p:extLst>
       <p:ext uri="{BB962C8B-B14F-4D97-AF65-F5344CB8AC3E}">
-        <p14:creationId xmlns:p14="http://schemas.microsoft.com/office/powerpoint/2010/main" val="2273755931"/>
+        <p14:creationId xmlns:p14="http://schemas.microsoft.com/office/powerpoint/2010/main" val="2480125576"/>
+      </p:ext>
+    </p:extLst>
+  </p:cSld>
+  <p:clrMapOvr>
+    <a:masterClrMapping/>
+  </p:clrMapOvr>
+</p:sld>
+</file>
+
+<file path=ppt/slides/slide9.xml><?xml version="1.0" encoding="utf-8"?>
+<p:sld xmlns:a="http://schemas.openxmlformats.org/drawingml/2006/main" xmlns:r="http://schemas.openxmlformats.org/officeDocument/2006/relationships" xmlns:p="http://schemas.openxmlformats.org/presentationml/2006/main">
+  <p:cSld>
+    <p:bg>
+      <p:bgPr>
+        <a:blipFill>
+          <a:blip r:embed="rId2">
+            <a:duotone>
+              <a:schemeClr val="bg1">
+                <a:shade val="48000"/>
+                <a:satMod val="110000"/>
+                <a:lumMod val="40000"/>
+              </a:schemeClr>
+              <a:schemeClr val="bg1">
+                <a:tint val="90000"/>
+                <a:lumMod val="106000"/>
+              </a:schemeClr>
+            </a:duotone>
+          </a:blip>
+          <a:stretch/>
+        </a:blipFill>
+        <a:effectLst/>
+      </p:bgPr>
+    </p:bg>
+    <p:spTree>
+      <p:nvGrpSpPr>
+        <p:cNvPr id="1" name=""/>
+        <p:cNvGrpSpPr/>
+        <p:nvPr/>
+      </p:nvGrpSpPr>
+      <p:grpSpPr>
+        <a:xfrm>
+          <a:off x="0" y="0"/>
+          <a:ext cx="0" cy="0"/>
+          <a:chOff x="0" y="0"/>
+          <a:chExt cx="0" cy="0"/>
+        </a:xfrm>
+      </p:grpSpPr>
+      <p:pic>
+        <p:nvPicPr>
+          <p:cNvPr id="35" name="Picture 34">
+            <a:extLst>
+              <a:ext uri="{FF2B5EF4-FFF2-40B4-BE49-F238E27FC236}">
+                <a16:creationId xmlns:a16="http://schemas.microsoft.com/office/drawing/2014/main" id="{56C9FEF2-571A-41A4-8458-15ECC27E9184}"/>
+              </a:ext>
+              <a:ext uri="{C183D7F6-B498-43B3-948B-1728B52AA6E4}">
+                <adec:decorative xmlns:adec="http://schemas.microsoft.com/office/drawing/2017/decorative" val="1"/>
+              </a:ext>
+            </a:extLst>
+          </p:cNvPr>
+          <p:cNvPicPr>
+            <a:picLocks noGrp="1" noRot="1" noChangeAspect="1" noMove="1" noResize="1" noEditPoints="1" noAdjustHandles="1" noChangeArrowheads="1" noChangeShapeType="1" noCrop="1"/>
+          </p:cNvPicPr>
+          <p:nvPr>
+            <p:extLst>
+              <p:ext uri="{386F3935-93C4-4BCD-93E2-E3B085C9AB24}">
+                <p16:designElem xmlns:p16="http://schemas.microsoft.com/office/powerpoint/2015/main" val="1"/>
+              </p:ext>
+            </p:extLst>
+          </p:nvPr>
+        </p:nvPicPr>
+        <p:blipFill>
+          <a:blip r:embed="rId3">
+            <a:extLst>
+              <a:ext uri="{28A0092B-C50C-407E-A947-70E740481C1C}">
+                <a14:useLocalDpi xmlns:a14="http://schemas.microsoft.com/office/drawing/2010/main" val="0"/>
+              </a:ext>
+            </a:extLst>
+          </a:blip>
+          <a:stretch>
+            <a:fillRect/>
+          </a:stretch>
+        </p:blipFill>
+        <p:spPr>
+          <a:xfrm>
+            <a:off x="0" y="0"/>
+            <a:ext cx="12192000" cy="6858000"/>
+          </a:xfrm>
+          <a:prstGeom prst="rect">
+            <a:avLst/>
+          </a:prstGeom>
+        </p:spPr>
+      </p:pic>
+      <p:sp useBgFill="1">
+        <p:nvSpPr>
+          <p:cNvPr id="37" name="Freeform 11">
+            <a:extLst>
+              <a:ext uri="{FF2B5EF4-FFF2-40B4-BE49-F238E27FC236}">
+                <a16:creationId xmlns:a16="http://schemas.microsoft.com/office/drawing/2014/main" id="{32218886-CF96-4B72-B065-A5D51EE39774}"/>
+              </a:ext>
+              <a:ext uri="{C183D7F6-B498-43B3-948B-1728B52AA6E4}">
+                <adec:decorative xmlns:adec="http://schemas.microsoft.com/office/drawing/2017/decorative" val="1"/>
+              </a:ext>
+            </a:extLst>
+          </p:cNvPr>
+          <p:cNvSpPr>
+            <a:spLocks noGrp="1" noRot="1" noChangeAspect="1" noMove="1" noResize="1" noEditPoints="1" noAdjustHandles="1" noChangeArrowheads="1" noChangeShapeType="1" noTextEdit="1"/>
+          </p:cNvSpPr>
+          <p:nvPr>
+            <p:extLst>
+              <p:ext uri="{386F3935-93C4-4BCD-93E2-E3B085C9AB24}">
+                <p16:designElem xmlns:p16="http://schemas.microsoft.com/office/powerpoint/2015/main" val="1"/>
+              </p:ext>
+            </p:extLst>
+          </p:nvPr>
+        </p:nvSpPr>
+        <p:spPr>
+          <a:xfrm>
+            <a:off x="-15875" y="0"/>
+            <a:ext cx="11683810" cy="6588125"/>
+          </a:xfrm>
+          <a:custGeom>
+            <a:avLst/>
+            <a:gdLst/>
+            <a:ahLst/>
+            <a:cxnLst/>
+            <a:rect l="l" t="t" r="r" b="b"/>
+            <a:pathLst>
+              <a:path w="11683810" h="6588125">
+                <a:moveTo>
+                  <a:pt x="0" y="0"/>
+                </a:moveTo>
+                <a:lnTo>
+                  <a:pt x="11318691" y="0"/>
+                </a:lnTo>
+                <a:lnTo>
+                  <a:pt x="11683810" y="5976938"/>
+                </a:lnTo>
+                <a:lnTo>
+                  <a:pt x="15875" y="6588125"/>
+                </a:lnTo>
+                <a:cubicBezTo>
+                  <a:pt x="10583" y="4386792"/>
+                  <a:pt x="5292" y="2185458"/>
+                  <a:pt x="0" y="0"/>
+                </a:cubicBezTo>
+                <a:close/>
+              </a:path>
+            </a:pathLst>
+          </a:custGeom>
+          <a:ln>
+            <a:noFill/>
+          </a:ln>
+          <a:effectLst>
+            <a:outerShdw blurRad="101600" dist="152400" dir="4380000" algn="tl" rotWithShape="0">
+              <a:srgbClr val="000000">
+                <a:alpha val="43000"/>
+              </a:srgbClr>
+            </a:outerShdw>
+          </a:effectLst>
+        </p:spPr>
+        <p:style>
+          <a:lnRef idx="1">
+            <a:schemeClr val="accent1"/>
+          </a:lnRef>
+          <a:fillRef idx="3">
+            <a:schemeClr val="accent1"/>
+          </a:fillRef>
+          <a:effectRef idx="2">
+            <a:schemeClr val="accent1"/>
+          </a:effectRef>
+          <a:fontRef idx="minor">
+            <a:schemeClr val="lt1"/>
+          </a:fontRef>
+        </p:style>
+      </p:sp>
+      <p:sp>
+        <p:nvSpPr>
+          <p:cNvPr id="39" name="Freeform 13">
+            <a:extLst>
+              <a:ext uri="{FF2B5EF4-FFF2-40B4-BE49-F238E27FC236}">
+                <a16:creationId xmlns:a16="http://schemas.microsoft.com/office/drawing/2014/main" id="{B3045C5E-93FA-407D-BEA7-12245A36F28B}"/>
+              </a:ext>
+              <a:ext uri="{C183D7F6-B498-43B3-948B-1728B52AA6E4}">
+                <adec:decorative xmlns:adec="http://schemas.microsoft.com/office/drawing/2017/decorative" val="1"/>
+              </a:ext>
+            </a:extLst>
+          </p:cNvPr>
+          <p:cNvSpPr>
+            <a:spLocks noGrp="1" noRot="1" noChangeAspect="1" noMove="1" noResize="1" noEditPoints="1" noAdjustHandles="1" noChangeArrowheads="1" noChangeShapeType="1" noTextEdit="1"/>
+          </p:cNvSpPr>
+          <p:nvPr>
+            <p:extLst>
+              <p:ext uri="{386F3935-93C4-4BCD-93E2-E3B085C9AB24}">
+                <p16:designElem xmlns:p16="http://schemas.microsoft.com/office/powerpoint/2015/main" val="1"/>
+              </p:ext>
+            </p:extLst>
+          </p:nvPr>
+        </p:nvSpPr>
+        <p:spPr>
+          <a:xfrm>
+            <a:off x="0" y="4282257"/>
+            <a:ext cx="11329257" cy="2028845"/>
+          </a:xfrm>
+          <a:custGeom>
+            <a:avLst/>
+            <a:gdLst/>
+            <a:ahLst/>
+            <a:cxnLst/>
+            <a:rect l="l" t="t" r="r" b="b"/>
+            <a:pathLst>
+              <a:path w="11329257" h="2028845">
+                <a:moveTo>
+                  <a:pt x="0" y="588520"/>
+                </a:moveTo>
+                <a:lnTo>
+                  <a:pt x="11244075" y="0"/>
+                </a:lnTo>
+                <a:lnTo>
+                  <a:pt x="11329257" y="1424838"/>
+                </a:lnTo>
+                <a:lnTo>
+                  <a:pt x="0" y="2028845"/>
+                </a:lnTo>
+                <a:lnTo>
+                  <a:pt x="0" y="588520"/>
+                </a:lnTo>
+                <a:close/>
+              </a:path>
+            </a:pathLst>
+          </a:custGeom>
+          <a:gradFill flip="none" rotWithShape="1">
+            <a:gsLst>
+              <a:gs pos="34000">
+                <a:schemeClr val="accent1"/>
+              </a:gs>
+              <a:gs pos="100000">
+                <a:schemeClr val="accent1">
+                  <a:lumMod val="50000"/>
+                </a:schemeClr>
+              </a:gs>
+            </a:gsLst>
+            <a:path path="circle">
+              <a:fillToRect l="50000" t="50000" r="50000" b="50000"/>
+            </a:path>
+            <a:tileRect/>
+          </a:gradFill>
+          <a:ln>
+            <a:noFill/>
+          </a:ln>
+        </p:spPr>
+        <p:style>
+          <a:lnRef idx="1">
+            <a:schemeClr val="accent1"/>
+          </a:lnRef>
+          <a:fillRef idx="3">
+            <a:schemeClr val="accent1"/>
+          </a:fillRef>
+          <a:effectRef idx="2">
+            <a:schemeClr val="accent1"/>
+          </a:effectRef>
+          <a:fontRef idx="minor">
+            <a:schemeClr val="lt1"/>
+          </a:fontRef>
+        </p:style>
+      </p:sp>
+      <p:sp>
+        <p:nvSpPr>
+          <p:cNvPr id="41" name="Freeform 25">
+            <a:extLst>
+              <a:ext uri="{FF2B5EF4-FFF2-40B4-BE49-F238E27FC236}">
+                <a16:creationId xmlns:a16="http://schemas.microsoft.com/office/drawing/2014/main" id="{3F0B046C-B5DA-47B6-8BB1-4722F4291591}"/>
+              </a:ext>
+              <a:ext uri="{C183D7F6-B498-43B3-948B-1728B52AA6E4}">
+                <adec:decorative xmlns:adec="http://schemas.microsoft.com/office/drawing/2017/decorative" val="1"/>
+              </a:ext>
+            </a:extLst>
+          </p:cNvPr>
+          <p:cNvSpPr>
+            <a:spLocks noGrp="1" noRot="1" noChangeAspect="1" noMove="1" noResize="1" noEditPoints="1" noAdjustHandles="1" noChangeArrowheads="1" noChangeShapeType="1" noTextEdit="1"/>
+          </p:cNvSpPr>
+          <p:nvPr>
+            <p:extLst>
+              <p:ext uri="{386F3935-93C4-4BCD-93E2-E3B085C9AB24}">
+                <p16:designElem xmlns:p16="http://schemas.microsoft.com/office/powerpoint/2015/main" val="1"/>
+              </p:ext>
+            </p:extLst>
+          </p:nvPr>
+        </p:nvSpPr>
+        <p:spPr>
+          <a:xfrm>
+            <a:off x="0" y="0"/>
+            <a:ext cx="8719579" cy="456877"/>
+          </a:xfrm>
+          <a:custGeom>
+            <a:avLst/>
+            <a:gdLst/>
+            <a:ahLst/>
+            <a:cxnLst/>
+            <a:rect l="l" t="t" r="r" b="b"/>
+            <a:pathLst>
+              <a:path w="8719579" h="456877">
+                <a:moveTo>
+                  <a:pt x="0" y="0"/>
+                </a:moveTo>
+                <a:lnTo>
+                  <a:pt x="8719579" y="0"/>
+                </a:lnTo>
+                <a:lnTo>
+                  <a:pt x="0" y="456877"/>
+                </a:lnTo>
+                <a:lnTo>
+                  <a:pt x="0" y="0"/>
+                </a:lnTo>
+                <a:close/>
+              </a:path>
+            </a:pathLst>
+          </a:custGeom>
+          <a:gradFill flip="none" rotWithShape="1">
+            <a:gsLst>
+              <a:gs pos="34000">
+                <a:schemeClr val="accent1"/>
+              </a:gs>
+              <a:gs pos="100000">
+                <a:schemeClr val="accent1">
+                  <a:lumMod val="50000"/>
+                </a:schemeClr>
+              </a:gs>
+            </a:gsLst>
+            <a:path path="circle">
+              <a:fillToRect l="50000" t="50000" r="50000" b="50000"/>
+            </a:path>
+            <a:tileRect/>
+          </a:gradFill>
+          <a:ln>
+            <a:noFill/>
+          </a:ln>
+        </p:spPr>
+        <p:style>
+          <a:lnRef idx="1">
+            <a:schemeClr val="accent1"/>
+          </a:lnRef>
+          <a:fillRef idx="3">
+            <a:schemeClr val="accent1"/>
+          </a:fillRef>
+          <a:effectRef idx="2">
+            <a:schemeClr val="accent1"/>
+          </a:effectRef>
+          <a:fontRef idx="minor">
+            <a:schemeClr val="lt1"/>
+          </a:fontRef>
+        </p:style>
+      </p:sp>
+      <p:sp>
+        <p:nvSpPr>
+          <p:cNvPr id="43" name="Freeform 14">
+            <a:extLst>
+              <a:ext uri="{FF2B5EF4-FFF2-40B4-BE49-F238E27FC236}">
+                <a16:creationId xmlns:a16="http://schemas.microsoft.com/office/drawing/2014/main" id="{5EE9E735-E260-432D-810C-BC6BEF5B1483}"/>
+              </a:ext>
+              <a:ext uri="{C183D7F6-B498-43B3-948B-1728B52AA6E4}">
+                <adec:decorative xmlns:adec="http://schemas.microsoft.com/office/drawing/2017/decorative" val="1"/>
+              </a:ext>
+            </a:extLst>
+          </p:cNvPr>
+          <p:cNvSpPr>
+            <a:spLocks noGrp="1" noRot="1" noChangeAspect="1" noMove="1" noResize="1" noEditPoints="1" noAdjustHandles="1" noChangeArrowheads="1" noChangeShapeType="1" noTextEdit="1"/>
+          </p:cNvSpPr>
+          <p:nvPr>
+            <p:extLst>
+              <p:ext uri="{386F3935-93C4-4BCD-93E2-E3B085C9AB24}">
+                <p16:designElem xmlns:p16="http://schemas.microsoft.com/office/powerpoint/2015/main" val="1"/>
+              </p:ext>
+            </p:extLst>
+          </p:nvPr>
+        </p:nvSpPr>
+        <p:spPr>
+          <a:xfrm rot="21420000">
+            <a:off x="-161800" y="293317"/>
+            <a:ext cx="11367116" cy="5751804"/>
+          </a:xfrm>
+          <a:custGeom>
+            <a:avLst/>
+            <a:gdLst/>
+            <a:ahLst/>
+            <a:cxnLst/>
+            <a:rect l="l" t="t" r="r" b="b"/>
+            <a:pathLst>
+              <a:path w="11367116" h="5751804">
+                <a:moveTo>
+                  <a:pt x="11346705" y="0"/>
+                </a:moveTo>
+                <a:cubicBezTo>
+                  <a:pt x="11353509" y="1915114"/>
+                  <a:pt x="11360312" y="3830229"/>
+                  <a:pt x="11367116" y="5745343"/>
+                </a:cubicBezTo>
+                <a:lnTo>
+                  <a:pt x="0" y="5751804"/>
+                </a:lnTo>
+              </a:path>
+            </a:pathLst>
+          </a:custGeom>
+          <a:ln w="82550">
+            <a:solidFill>
+              <a:schemeClr val="tx1">
+                <a:lumMod val="50000"/>
+                <a:lumOff val="50000"/>
+              </a:schemeClr>
+            </a:solidFill>
+            <a:miter lim="800000"/>
+          </a:ln>
+        </p:spPr>
+        <p:style>
+          <a:lnRef idx="2">
+            <a:schemeClr val="accent1"/>
+          </a:lnRef>
+          <a:fillRef idx="0">
+            <a:schemeClr val="accent1"/>
+          </a:fillRef>
+          <a:effectRef idx="1">
+            <a:schemeClr val="accent1"/>
+          </a:effectRef>
+          <a:fontRef idx="minor">
+            <a:schemeClr val="tx1"/>
+          </a:fontRef>
+        </p:style>
+      </p:sp>
+      <p:sp>
+        <p:nvSpPr>
+          <p:cNvPr id="45" name="5-Point Star 24">
+            <a:extLst>
+              <a:ext uri="{FF2B5EF4-FFF2-40B4-BE49-F238E27FC236}">
+                <a16:creationId xmlns:a16="http://schemas.microsoft.com/office/drawing/2014/main" id="{C35962A4-FCC1-47E8-9B3F-3C2739C0DA76}"/>
+              </a:ext>
+              <a:ext uri="{C183D7F6-B498-43B3-948B-1728B52AA6E4}">
+                <adec:decorative xmlns:adec="http://schemas.microsoft.com/office/drawing/2017/decorative" val="1"/>
+              </a:ext>
+            </a:extLst>
+          </p:cNvPr>
+          <p:cNvSpPr>
+            <a:spLocks noGrp="1" noRot="1" noChangeAspect="1" noMove="1" noResize="1" noEditPoints="1" noAdjustHandles="1" noChangeArrowheads="1" noChangeShapeType="1" noTextEdit="1"/>
+          </p:cNvSpPr>
+          <p:nvPr>
+            <p:extLst>
+              <p:ext uri="{386F3935-93C4-4BCD-93E2-E3B085C9AB24}">
+                <p16:designElem xmlns:p16="http://schemas.microsoft.com/office/powerpoint/2015/main" val="1"/>
+              </p:ext>
+            </p:extLst>
+          </p:nvPr>
+        </p:nvSpPr>
+        <p:spPr>
+          <a:xfrm rot="21420000">
+            <a:off x="4221385" y="5111356"/>
+            <a:ext cx="515386" cy="515386"/>
+          </a:xfrm>
+          <a:prstGeom prst="star5">
+            <a:avLst>
+              <a:gd name="adj" fmla="val 26693"/>
+              <a:gd name="hf" fmla="val 105146"/>
+              <a:gd name="vf" fmla="val 110557"/>
+            </a:avLst>
+          </a:prstGeom>
+          <a:solidFill>
+            <a:schemeClr val="accent1">
+              <a:lumMod val="60000"/>
+              <a:lumOff val="40000"/>
+              <a:alpha val="50000"/>
+            </a:schemeClr>
+          </a:solidFill>
+          <a:ln>
+            <a:noFill/>
+          </a:ln>
+        </p:spPr>
+        <p:style>
+          <a:lnRef idx="1">
+            <a:schemeClr val="accent1"/>
+          </a:lnRef>
+          <a:fillRef idx="3">
+            <a:schemeClr val="accent1"/>
+          </a:fillRef>
+          <a:effectRef idx="2">
+            <a:schemeClr val="accent1"/>
+          </a:effectRef>
+          <a:fontRef idx="minor">
+            <a:schemeClr val="lt1"/>
+          </a:fontRef>
+        </p:style>
+      </p:sp>
+      <p:pic>
+        <p:nvPicPr>
+          <p:cNvPr id="47" name="Picture 46">
+            <a:extLst>
+              <a:ext uri="{FF2B5EF4-FFF2-40B4-BE49-F238E27FC236}">
+                <a16:creationId xmlns:a16="http://schemas.microsoft.com/office/drawing/2014/main" id="{8D46592B-49C7-4776-8861-50EF988806BF}"/>
+              </a:ext>
+              <a:ext uri="{C183D7F6-B498-43B3-948B-1728B52AA6E4}">
+                <adec:decorative xmlns:adec="http://schemas.microsoft.com/office/drawing/2017/decorative" val="1"/>
+              </a:ext>
+            </a:extLst>
+          </p:cNvPr>
+          <p:cNvPicPr>
+            <a:picLocks noGrp="1" noRot="1" noChangeAspect="1" noMove="1" noResize="1" noEditPoints="1" noAdjustHandles="1" noChangeArrowheads="1" noChangeShapeType="1" noCrop="1"/>
+          </p:cNvPicPr>
+          <p:nvPr>
+            <p:extLst>
+              <p:ext uri="{386F3935-93C4-4BCD-93E2-E3B085C9AB24}">
+                <p16:designElem xmlns:p16="http://schemas.microsoft.com/office/powerpoint/2015/main" val="1"/>
+              </p:ext>
+            </p:extLst>
+          </p:nvPr>
+        </p:nvPicPr>
+        <p:blipFill>
+          <a:blip r:embed="rId3">
+            <a:extLst>
+              <a:ext uri="{28A0092B-C50C-407E-A947-70E740481C1C}">
+                <a14:useLocalDpi xmlns:a14="http://schemas.microsoft.com/office/drawing/2010/main" val="0"/>
+              </a:ext>
+            </a:extLst>
+          </a:blip>
+          <a:stretch>
+            <a:fillRect/>
+          </a:stretch>
+        </p:blipFill>
+        <p:spPr>
+          <a:xfrm>
+            <a:off x="0" y="0"/>
+            <a:ext cx="12192000" cy="6858000"/>
+          </a:xfrm>
+          <a:prstGeom prst="rect">
+            <a:avLst/>
+          </a:prstGeom>
+        </p:spPr>
+      </p:pic>
+      <p:sp useBgFill="1">
+        <p:nvSpPr>
+          <p:cNvPr id="49" name="Rectangle 48">
+            <a:extLst>
+              <a:ext uri="{FF2B5EF4-FFF2-40B4-BE49-F238E27FC236}">
+                <a16:creationId xmlns:a16="http://schemas.microsoft.com/office/drawing/2014/main" id="{AA28869F-0B15-40B3-B8C4-C5DBB3334AE7}"/>
+              </a:ext>
+              <a:ext uri="{C183D7F6-B498-43B3-948B-1728B52AA6E4}">
+                <adec:decorative xmlns:adec="http://schemas.microsoft.com/office/drawing/2017/decorative" val="1"/>
+              </a:ext>
+            </a:extLst>
+          </p:cNvPr>
+          <p:cNvSpPr>
+            <a:spLocks noGrp="1" noRot="1" noChangeAspect="1" noMove="1" noResize="1" noEditPoints="1" noAdjustHandles="1" noChangeArrowheads="1" noChangeShapeType="1" noTextEdit="1"/>
+          </p:cNvSpPr>
+          <p:nvPr>
+            <p:extLst>
+              <p:ext uri="{386F3935-93C4-4BCD-93E2-E3B085C9AB24}">
+                <p16:designElem xmlns:p16="http://schemas.microsoft.com/office/powerpoint/2015/main" val="1"/>
+              </p:ext>
+            </p:extLst>
+          </p:nvPr>
+        </p:nvSpPr>
+        <p:spPr>
+          <a:xfrm>
+            <a:off x="0" y="4256974"/>
+            <a:ext cx="12188952" cy="2601025"/>
+          </a:xfrm>
+          <a:prstGeom prst="rect">
+            <a:avLst/>
+          </a:prstGeom>
+          <a:ln>
+            <a:noFill/>
+          </a:ln>
+          <a:effectLst/>
+        </p:spPr>
+        <p:style>
+          <a:lnRef idx="2">
+            <a:schemeClr val="accent1">
+              <a:shade val="50000"/>
+            </a:schemeClr>
+          </a:lnRef>
+          <a:fillRef idx="1">
+            <a:schemeClr val="accent1"/>
+          </a:fillRef>
+          <a:effectRef idx="0">
+            <a:schemeClr val="accent1"/>
+          </a:effectRef>
+          <a:fontRef idx="minor">
+            <a:schemeClr val="lt1"/>
+          </a:fontRef>
+        </p:style>
+        <p:txBody>
+          <a:bodyPr rtlCol="0" anchor="ctr"/>
+          <a:lstStyle/>
+          <a:p>
+            <a:pPr algn="ctr"/>
+            <a:endParaRPr lang="en-US"/>
+          </a:p>
+        </p:txBody>
+      </p:sp>
+      <p:sp>
+        <p:nvSpPr>
+          <p:cNvPr id="2" name="Заголовок 1">
+            <a:extLst>
+              <a:ext uri="{FF2B5EF4-FFF2-40B4-BE49-F238E27FC236}">
+                <a16:creationId xmlns:a16="http://schemas.microsoft.com/office/drawing/2014/main" id="{D0E6A8F8-27C9-4555-BAD6-D20BA51D5801}"/>
+              </a:ext>
+            </a:extLst>
+          </p:cNvPr>
+          <p:cNvSpPr>
+            <a:spLocks noGrp="1"/>
+          </p:cNvSpPr>
+          <p:nvPr>
+            <p:ph type="title"/>
+          </p:nvPr>
+        </p:nvSpPr>
+        <p:spPr>
+          <a:xfrm>
+            <a:off x="691547" y="4716401"/>
+            <a:ext cx="10805790" cy="1073627"/>
+          </a:xfrm>
+        </p:spPr>
+        <p:txBody>
+          <a:bodyPr vert="horz" lIns="91440" tIns="45720" rIns="91440" bIns="45720" rtlCol="0" anchor="b">
+            <a:normAutofit/>
+          </a:bodyPr>
+          <a:lstStyle/>
+          <a:p>
+            <a:pPr algn="ctr"/>
+            <a:r>
+              <a:rPr lang="en-US" sz="6800"/>
+              <a:t>Package diagram</a:t>
+            </a:r>
+          </a:p>
+        </p:txBody>
+      </p:sp>
+      <p:sp>
+        <p:nvSpPr>
+          <p:cNvPr id="51" name="5-Point Star 31">
+            <a:extLst>
+              <a:ext uri="{FF2B5EF4-FFF2-40B4-BE49-F238E27FC236}">
+                <a16:creationId xmlns:a16="http://schemas.microsoft.com/office/drawing/2014/main" id="{5090ACD8-57A5-44C3-BD57-D66A9FF88D63}"/>
+              </a:ext>
+              <a:ext uri="{C183D7F6-B498-43B3-948B-1728B52AA6E4}">
+                <adec:decorative xmlns:adec="http://schemas.microsoft.com/office/drawing/2017/decorative" val="1"/>
+              </a:ext>
+            </a:extLst>
+          </p:cNvPr>
+          <p:cNvSpPr>
+            <a:spLocks noGrp="1" noRot="1" noChangeAspect="1" noMove="1" noResize="1" noEditPoints="1" noAdjustHandles="1" noChangeArrowheads="1" noChangeShapeType="1" noTextEdit="1"/>
+          </p:cNvSpPr>
+          <p:nvPr>
+            <p:extLst>
+              <p:ext uri="{386F3935-93C4-4BCD-93E2-E3B085C9AB24}">
+                <p16:designElem xmlns:p16="http://schemas.microsoft.com/office/powerpoint/2015/main" val="1"/>
+              </p:ext>
+            </p:extLst>
+          </p:nvPr>
+        </p:nvSpPr>
+        <p:spPr>
+          <a:xfrm>
+            <a:off x="5903408" y="6388943"/>
+            <a:ext cx="373049" cy="373049"/>
+          </a:xfrm>
+          <a:prstGeom prst="star5">
+            <a:avLst>
+              <a:gd name="adj" fmla="val 26693"/>
+              <a:gd name="hf" fmla="val 105146"/>
+              <a:gd name="vf" fmla="val 110557"/>
+            </a:avLst>
+          </a:prstGeom>
+          <a:solidFill>
+            <a:schemeClr val="tx1">
+              <a:lumMod val="65000"/>
+              <a:lumOff val="35000"/>
+              <a:alpha val="40000"/>
+            </a:schemeClr>
+          </a:solidFill>
+          <a:ln>
+            <a:noFill/>
+          </a:ln>
+        </p:spPr>
+        <p:style>
+          <a:lnRef idx="1">
+            <a:schemeClr val="accent1"/>
+          </a:lnRef>
+          <a:fillRef idx="3">
+            <a:schemeClr val="accent1"/>
+          </a:fillRef>
+          <a:effectRef idx="2">
+            <a:schemeClr val="accent1"/>
+          </a:effectRef>
+          <a:fontRef idx="minor">
+            <a:schemeClr val="lt1"/>
+          </a:fontRef>
+        </p:style>
+      </p:sp>
+      <p:sp>
+        <p:nvSpPr>
+          <p:cNvPr id="53" name="Rectangle 52">
+            <a:extLst>
+              <a:ext uri="{FF2B5EF4-FFF2-40B4-BE49-F238E27FC236}">
+                <a16:creationId xmlns:a16="http://schemas.microsoft.com/office/drawing/2014/main" id="{DB787772-8579-47D2-8BD7-B03255E408ED}"/>
+              </a:ext>
+              <a:ext uri="{C183D7F6-B498-43B3-948B-1728B52AA6E4}">
+                <adec:decorative xmlns:adec="http://schemas.microsoft.com/office/drawing/2017/decorative" val="1"/>
+              </a:ext>
+            </a:extLst>
+          </p:cNvPr>
+          <p:cNvSpPr>
+            <a:spLocks noGrp="1" noRot="1" noChangeAspect="1" noMove="1" noResize="1" noEditPoints="1" noAdjustHandles="1" noChangeArrowheads="1" noChangeShapeType="1" noTextEdit="1"/>
+          </p:cNvSpPr>
+          <p:nvPr>
+            <p:extLst>
+              <p:ext uri="{386F3935-93C4-4BCD-93E2-E3B085C9AB24}">
+                <p16:designElem xmlns:p16="http://schemas.microsoft.com/office/powerpoint/2015/main" val="1"/>
+              </p:ext>
+            </p:extLst>
+          </p:nvPr>
+        </p:nvSpPr>
+        <p:spPr>
+          <a:xfrm>
+            <a:off x="466954" y="457201"/>
+            <a:ext cx="11261749" cy="3343894"/>
+          </a:xfrm>
+          <a:prstGeom prst="rect">
+            <a:avLst/>
+          </a:prstGeom>
+          <a:solidFill>
+            <a:schemeClr val="bg1"/>
+          </a:solidFill>
+          <a:ln w="57150" cmpd="thinThick">
+            <a:noFill/>
+            <a:miter lim="800000"/>
+          </a:ln>
+          <a:effectLst>
+            <a:outerShdw blurRad="63500" sx="102000" sy="102000" algn="ctr" rotWithShape="0">
+              <a:prstClr val="black">
+                <a:alpha val="40000"/>
+              </a:prstClr>
+            </a:outerShdw>
+          </a:effectLst>
+        </p:spPr>
+        <p:style>
+          <a:lnRef idx="2">
+            <a:schemeClr val="accent1">
+              <a:shade val="50000"/>
+            </a:schemeClr>
+          </a:lnRef>
+          <a:fillRef idx="1">
+            <a:schemeClr val="accent1"/>
+          </a:fillRef>
+          <a:effectRef idx="0">
+            <a:schemeClr val="accent1"/>
+          </a:effectRef>
+          <a:fontRef idx="minor">
+            <a:schemeClr val="lt1"/>
+          </a:fontRef>
+        </p:style>
+        <p:txBody>
+          <a:bodyPr rtlCol="0" anchor="ctr"/>
+          <a:lstStyle/>
+          <a:p>
+            <a:pPr algn="ctr"/>
+            <a:endParaRPr lang="en-US"/>
+          </a:p>
+        </p:txBody>
+      </p:sp>
+      <p:pic>
+        <p:nvPicPr>
+          <p:cNvPr id="9" name="Місце для вмісту 8">
+            <a:extLst>
+              <a:ext uri="{FF2B5EF4-FFF2-40B4-BE49-F238E27FC236}">
+                <a16:creationId xmlns:a16="http://schemas.microsoft.com/office/drawing/2014/main" id="{BD58FB3A-4904-4C7C-B47B-45AF70E754E4}"/>
+              </a:ext>
+            </a:extLst>
+          </p:cNvPr>
+          <p:cNvPicPr>
+            <a:picLocks noGrp="1" noChangeAspect="1"/>
+          </p:cNvPicPr>
+          <p:nvPr>
+            <p:ph sz="quarter" idx="13"/>
+          </p:nvPr>
+        </p:nvPicPr>
+        <p:blipFill>
+          <a:blip r:embed="rId4"/>
+          <a:stretch>
+            <a:fillRect/>
+          </a:stretch>
+        </p:blipFill>
+        <p:spPr>
+          <a:xfrm>
+            <a:off x="1867229" y="691546"/>
+            <a:ext cx="8454425" cy="2874505"/>
+          </a:xfrm>
+          <a:prstGeom prst="rect">
+            <a:avLst/>
+          </a:prstGeom>
+        </p:spPr>
+      </p:pic>
+      <p:cxnSp>
+        <p:nvCxnSpPr>
+          <p:cNvPr id="55" name="Straight Connector 54">
+            <a:extLst>
+              <a:ext uri="{FF2B5EF4-FFF2-40B4-BE49-F238E27FC236}">
+                <a16:creationId xmlns:a16="http://schemas.microsoft.com/office/drawing/2014/main" id="{7F17C79B-E3A6-4819-B3EC-D2610F84DF10}"/>
+              </a:ext>
+              <a:ext uri="{C183D7F6-B498-43B3-948B-1728B52AA6E4}">
+                <adec:decorative xmlns:adec="http://schemas.microsoft.com/office/drawing/2017/decorative" val="1"/>
+              </a:ext>
+            </a:extLst>
+          </p:cNvPr>
+          <p:cNvCxnSpPr>
+            <a:cxnSpLocks noGrp="1" noRot="1" noChangeAspect="1" noMove="1" noResize="1" noEditPoints="1" noAdjustHandles="1" noChangeArrowheads="1" noChangeShapeType="1"/>
+          </p:cNvCxnSpPr>
+          <p:nvPr>
+            <p:extLst>
+              <p:ext uri="{386F3935-93C4-4BCD-93E2-E3B085C9AB24}">
+                <p16:designElem xmlns:p16="http://schemas.microsoft.com/office/powerpoint/2015/main" val="1"/>
+              </p:ext>
+            </p:extLst>
+          </p:nvPr>
+        </p:nvCxnSpPr>
+        <p:spPr>
+          <a:xfrm>
+            <a:off x="-12134" y="4491323"/>
+            <a:ext cx="12201086" cy="0"/>
+          </a:xfrm>
+          <a:prstGeom prst="line">
+            <a:avLst/>
+          </a:prstGeom>
+          <a:ln w="82550">
+            <a:solidFill>
+              <a:schemeClr val="tx1">
+                <a:lumMod val="50000"/>
+                <a:lumOff val="50000"/>
+              </a:schemeClr>
+            </a:solidFill>
+            <a:miter lim="800000"/>
+          </a:ln>
+        </p:spPr>
+        <p:style>
+          <a:lnRef idx="2">
+            <a:schemeClr val="accent1"/>
+          </a:lnRef>
+          <a:fillRef idx="0">
+            <a:schemeClr val="accent1"/>
+          </a:fillRef>
+          <a:effectRef idx="1">
+            <a:schemeClr val="accent1"/>
+          </a:effectRef>
+          <a:fontRef idx="minor">
+            <a:schemeClr val="tx1"/>
+          </a:fontRef>
+        </p:style>
+      </p:cxnSp>
+    </p:spTree>
+    <p:extLst>
+      <p:ext uri="{BB962C8B-B14F-4D97-AF65-F5344CB8AC3E}">
+        <p14:creationId xmlns:p14="http://schemas.microsoft.com/office/powerpoint/2010/main" val="3217153741"/>
       </p:ext>
     </p:extLst>
   </p:cSld>

--- a/Проект/Проект (третій рівень).pptx
+++ b/Проект/Проект (третій рівень).pptx
@@ -575,7 +575,7 @@
           <a:p>
             <a:fld id="{DB78A697-9D75-4DE8-8C28-1296A6CF43C1}" type="datetimeFigureOut">
               <a:rPr lang="en-US" dirty="0"/>
-              <a:t>5/31/2022</a:t>
+              <a:t>6/1/2022</a:t>
             </a:fld>
             <a:endParaRPr lang="en-US" dirty="0"/>
           </a:p>
@@ -909,7 +909,7 @@
           <a:p>
             <a:fld id="{1CF3075A-B3CA-4308-8288-4AA3FDE33D80}" type="datetimeFigureOut">
               <a:rPr lang="en-US" dirty="0"/>
-              <a:t>5/31/2022</a:t>
+              <a:t>6/1/2022</a:t>
             </a:fld>
             <a:endParaRPr lang="en-US" dirty="0"/>
           </a:p>
@@ -1100,7 +1100,7 @@
           <a:p>
             <a:fld id="{2C674B8D-FEEF-4ACC-AE11-BD533592BCDC}" type="datetimeFigureOut">
               <a:rPr lang="en-US" dirty="0"/>
-              <a:t>5/31/2022</a:t>
+              <a:t>6/1/2022</a:t>
             </a:fld>
             <a:endParaRPr lang="en-US" dirty="0"/>
           </a:p>
@@ -1365,7 +1365,7 @@
           <a:p>
             <a:fld id="{80326006-7E0B-4944-9FC8-8FFECA54B11C}" type="datetimeFigureOut">
               <a:rPr lang="en-US" dirty="0"/>
-              <a:t>5/31/2022</a:t>
+              <a:t>6/1/2022</a:t>
             </a:fld>
             <a:endParaRPr lang="en-US" dirty="0"/>
           </a:p>
@@ -1788,7 +1788,7 @@
           <a:p>
             <a:fld id="{1B5A3413-B80B-4905-8668-7292F4C8B0D5}" type="datetimeFigureOut">
               <a:rPr lang="en-US" dirty="0"/>
-              <a:t>5/31/2022</a:t>
+              <a:t>6/1/2022</a:t>
             </a:fld>
             <a:endParaRPr lang="en-US" dirty="0"/>
           </a:p>
@@ -2333,7 +2333,7 @@
           <a:p>
             <a:fld id="{74019662-C6A4-45F9-A235-129F0C1DEF43}" type="datetimeFigureOut">
               <a:rPr lang="en-US" dirty="0"/>
-              <a:t>5/31/2022</a:t>
+              <a:t>6/1/2022</a:t>
             </a:fld>
             <a:endParaRPr lang="en-US" dirty="0"/>
           </a:p>
@@ -3118,7 +3118,7 @@
           <a:p>
             <a:fld id="{909BB764-976A-4040-BDCA-252C91CEE939}" type="datetimeFigureOut">
               <a:rPr lang="en-US" dirty="0"/>
-              <a:t>5/31/2022</a:t>
+              <a:t>6/1/2022</a:t>
             </a:fld>
             <a:endParaRPr lang="en-US" dirty="0"/>
           </a:p>
@@ -3292,7 +3292,7 @@
           <a:p>
             <a:fld id="{614FC935-CE77-4008-BAD9-6108F00BE393}" type="datetimeFigureOut">
               <a:rPr lang="en-US" dirty="0"/>
-              <a:t>5/31/2022</a:t>
+              <a:t>6/1/2022</a:t>
             </a:fld>
             <a:endParaRPr lang="en-US" dirty="0"/>
           </a:p>
@@ -3471,7 +3471,7 @@
           <a:p>
             <a:fld id="{94C562D5-4244-4B26-B385-E71032EABECD}" type="datetimeFigureOut">
               <a:rPr lang="en-US" dirty="0"/>
-              <a:t>5/31/2022</a:t>
+              <a:t>6/1/2022</a:t>
             </a:fld>
             <a:endParaRPr lang="en-US" dirty="0"/>
           </a:p>
@@ -3641,7 +3641,7 @@
           <a:p>
             <a:fld id="{06DBD967-1B7E-40AA-AAF7-BA98E0E039F7}" type="datetimeFigureOut">
               <a:rPr lang="en-US" dirty="0"/>
-              <a:t>5/31/2022</a:t>
+              <a:t>6/1/2022</a:t>
             </a:fld>
             <a:endParaRPr lang="en-US" dirty="0"/>
           </a:p>
@@ -3886,7 +3886,7 @@
           <a:p>
             <a:fld id="{B9D1490F-3E6A-4544-9694-22B6007FE3C6}" type="datetimeFigureOut">
               <a:rPr lang="en-US" dirty="0"/>
-              <a:t>5/31/2022</a:t>
+              <a:t>6/1/2022</a:t>
             </a:fld>
             <a:endParaRPr lang="en-US" dirty="0"/>
           </a:p>
@@ -4118,7 +4118,7 @@
           <a:p>
             <a:fld id="{EAAF9620-38BC-4982-922B-C904A70C41DD}" type="datetimeFigureOut">
               <a:rPr lang="en-US" dirty="0"/>
-              <a:t>5/31/2022</a:t>
+              <a:t>6/1/2022</a:t>
             </a:fld>
             <a:endParaRPr lang="en-US" dirty="0"/>
           </a:p>
@@ -4498,7 +4498,7 @@
           <a:p>
             <a:fld id="{32956FC6-E80E-40CB-B83C-A6FFE3EF0BA6}" type="datetimeFigureOut">
               <a:rPr lang="en-US" dirty="0"/>
-              <a:t>5/31/2022</a:t>
+              <a:t>6/1/2022</a:t>
             </a:fld>
             <a:endParaRPr lang="en-US" dirty="0"/>
           </a:p>
@@ -4611,7 +4611,7 @@
           <a:p>
             <a:fld id="{ECFF863F-52DC-41B2-9D00-5A4E5632AC32}" type="datetimeFigureOut">
               <a:rPr lang="en-US" dirty="0"/>
-              <a:t>5/31/2022</a:t>
+              <a:t>6/1/2022</a:t>
             </a:fld>
             <a:endParaRPr lang="en-US" dirty="0"/>
           </a:p>
@@ -4701,7 +4701,7 @@
           <a:p>
             <a:fld id="{B3B55614-3909-43DC-A067-7F9842F8B81D}" type="datetimeFigureOut">
               <a:rPr lang="en-US" dirty="0"/>
-              <a:t>5/31/2022</a:t>
+              <a:t>6/1/2022</a:t>
             </a:fld>
             <a:endParaRPr lang="en-US" dirty="0"/>
           </a:p>
@@ -4949,7 +4949,7 @@
           <a:p>
             <a:fld id="{62829323-6A73-409C-86A6-9EAF0F851121}" type="datetimeFigureOut">
               <a:rPr lang="en-US" dirty="0"/>
-              <a:t>5/31/2022</a:t>
+              <a:t>6/1/2022</a:t>
             </a:fld>
             <a:endParaRPr lang="en-US" dirty="0"/>
           </a:p>
@@ -5213,7 +5213,7 @@
           <a:p>
             <a:fld id="{0E240176-F1D3-49EC-82F4-0915A3AC4184}" type="datetimeFigureOut">
               <a:rPr lang="en-US" dirty="0"/>
-              <a:t>5/31/2022</a:t>
+              <a:t>6/1/2022</a:t>
             </a:fld>
             <a:endParaRPr lang="en-US" dirty="0"/>
           </a:p>
@@ -5612,7 +5612,7 @@
           <a:p>
             <a:fld id="{50172865-FBF0-458A-BAFF-4F75173770F5}" type="datetimeFigureOut">
               <a:rPr lang="en-US" dirty="0"/>
-              <a:t>5/31/2022</a:t>
+              <a:t>6/1/2022</a:t>
             </a:fld>
             <a:endParaRPr lang="en-US" dirty="0"/>
           </a:p>
@@ -6645,7 +6645,7 @@
           <a:p>
             <a:r>
               <a:rPr lang="en-US" dirty="0"/>
-              <a:t>6</a:t>
+              <a:t>9</a:t>
             </a:r>
             <a:endParaRPr lang="uk-UA" dirty="0"/>
           </a:p>
@@ -7253,6 +7253,42 @@
           </a:p>
         </p:txBody>
       </p:sp>
+      <p:sp>
+        <p:nvSpPr>
+          <p:cNvPr id="6" name="TextBox 5">
+            <a:extLst>
+              <a:ext uri="{FF2B5EF4-FFF2-40B4-BE49-F238E27FC236}">
+                <a16:creationId xmlns:a16="http://schemas.microsoft.com/office/drawing/2014/main" id="{44554301-6C68-4E7F-A255-7F6C673CAFAD}"/>
+              </a:ext>
+            </a:extLst>
+          </p:cNvPr>
+          <p:cNvSpPr txBox="1"/>
+          <p:nvPr/>
+        </p:nvSpPr>
+        <p:spPr>
+          <a:xfrm>
+            <a:off x="11486133" y="6089711"/>
+            <a:ext cx="639192" cy="369332"/>
+          </a:xfrm>
+          <a:prstGeom prst="rect">
+            <a:avLst/>
+          </a:prstGeom>
+          <a:noFill/>
+        </p:spPr>
+        <p:txBody>
+          <a:bodyPr wrap="square" rtlCol="0">
+            <a:spAutoFit/>
+          </a:bodyPr>
+          <a:lstStyle/>
+          <a:p>
+            <a:r>
+              <a:rPr lang="en-US" dirty="0"/>
+              <a:t>2</a:t>
+            </a:r>
+            <a:endParaRPr lang="uk-UA" dirty="0"/>
+          </a:p>
+        </p:txBody>
+      </p:sp>
     </p:spTree>
     <p:extLst>
       <p:ext uri="{BB962C8B-B14F-4D97-AF65-F5344CB8AC3E}">
@@ -7609,7 +7645,7 @@
         </p:nvSpPr>
         <p:spPr>
           <a:xfrm>
-            <a:off x="11160406" y="5783380"/>
+            <a:off x="11080507" y="5623582"/>
             <a:ext cx="639192" cy="369332"/>
           </a:xfrm>
           <a:prstGeom prst="rect">
@@ -7625,7 +7661,7 @@
           <a:p>
             <a:r>
               <a:rPr lang="en-US" dirty="0"/>
-              <a:t>2</a:t>
+              <a:t>3</a:t>
             </a:r>
             <a:endParaRPr lang="uk-UA" dirty="0"/>
           </a:p>
@@ -7831,7 +7867,7 @@
           <a:p>
             <a:r>
               <a:rPr lang="en-US" dirty="0"/>
-              <a:t>3</a:t>
+              <a:t>4</a:t>
             </a:r>
             <a:endParaRPr lang="uk-UA" dirty="0"/>
           </a:p>
@@ -8305,7 +8341,7 @@
           <a:p>
             <a:r>
               <a:rPr lang="en-US" dirty="0"/>
-              <a:t>4</a:t>
+              <a:t>5</a:t>
             </a:r>
             <a:endParaRPr lang="uk-UA" dirty="0"/>
           </a:p>
@@ -8759,8 +8795,8 @@
           <a:lstStyle/>
           <a:p>
             <a:r>
-              <a:rPr lang="ru-RU" dirty="0"/>
-              <a:t>5</a:t>
+              <a:rPr lang="en-US" dirty="0"/>
+              <a:t>6</a:t>
             </a:r>
             <a:endParaRPr lang="uk-UA" dirty="0"/>
           </a:p>
@@ -9859,6 +9895,42 @@
           </a:p>
         </p:txBody>
       </p:sp>
+      <p:sp>
+        <p:nvSpPr>
+          <p:cNvPr id="17" name="TextBox 16">
+            <a:extLst>
+              <a:ext uri="{FF2B5EF4-FFF2-40B4-BE49-F238E27FC236}">
+                <a16:creationId xmlns:a16="http://schemas.microsoft.com/office/drawing/2014/main" id="{9AB78B69-013E-4706-9C91-58D31163B69F}"/>
+              </a:ext>
+            </a:extLst>
+          </p:cNvPr>
+          <p:cNvSpPr txBox="1"/>
+          <p:nvPr/>
+        </p:nvSpPr>
+        <p:spPr>
+          <a:xfrm>
+            <a:off x="11424985" y="6031468"/>
+            <a:ext cx="639192" cy="369332"/>
+          </a:xfrm>
+          <a:prstGeom prst="rect">
+            <a:avLst/>
+          </a:prstGeom>
+          <a:noFill/>
+        </p:spPr>
+        <p:txBody>
+          <a:bodyPr wrap="square" rtlCol="0">
+            <a:spAutoFit/>
+          </a:bodyPr>
+          <a:lstStyle/>
+          <a:p>
+            <a:r>
+              <a:rPr lang="en-US" dirty="0"/>
+              <a:t>7</a:t>
+            </a:r>
+            <a:endParaRPr lang="uk-UA" dirty="0"/>
+          </a:p>
+        </p:txBody>
+      </p:sp>
     </p:spTree>
     <p:extLst>
       <p:ext uri="{BB962C8B-B14F-4D97-AF65-F5344CB8AC3E}">
@@ -10713,6 +10785,42 @@
           </a:fontRef>
         </p:style>
       </p:cxnSp>
+      <p:sp>
+        <p:nvSpPr>
+          <p:cNvPr id="15" name="TextBox 14">
+            <a:extLst>
+              <a:ext uri="{FF2B5EF4-FFF2-40B4-BE49-F238E27FC236}">
+                <a16:creationId xmlns:a16="http://schemas.microsoft.com/office/drawing/2014/main" id="{47D6ADF1-AE92-444B-B8D5-9C7603301C0A}"/>
+              </a:ext>
+            </a:extLst>
+          </p:cNvPr>
+          <p:cNvSpPr txBox="1"/>
+          <p:nvPr/>
+        </p:nvSpPr>
+        <p:spPr>
+          <a:xfrm>
+            <a:off x="11378723" y="6218793"/>
+            <a:ext cx="639192" cy="369332"/>
+          </a:xfrm>
+          <a:prstGeom prst="rect">
+            <a:avLst/>
+          </a:prstGeom>
+          <a:noFill/>
+        </p:spPr>
+        <p:txBody>
+          <a:bodyPr wrap="square" rtlCol="0">
+            <a:spAutoFit/>
+          </a:bodyPr>
+          <a:lstStyle/>
+          <a:p>
+            <a:r>
+              <a:rPr lang="en-US" dirty="0"/>
+              <a:t>8</a:t>
+            </a:r>
+            <a:endParaRPr lang="uk-UA" dirty="0"/>
+          </a:p>
+        </p:txBody>
+      </p:sp>
     </p:spTree>
     <p:extLst>
       <p:ext uri="{BB962C8B-B14F-4D97-AF65-F5344CB8AC3E}">
